--- a/GUI/HanDIYcraft-Web Rough GUI Design-V.2.0.pptx
+++ b/GUI/HanDIYcraft-Web Rough GUI Design-V.2.0.pptx
@@ -319,7 +319,7 @@
           <a:p>
             <a:fld id="{7BE49484-7B62-5B4F-8329-106176ECF3B8}" type="datetimeFigureOut">
               <a:rPr lang="en-US" smtClean="0"/>
-              <a:t>10/9/14 </a:t>
+              <a:t>10/12/14 </a:t>
             </a:fld>
             <a:endParaRPr lang="en-US"/>
           </a:p>
@@ -489,7 +489,7 @@
           <a:p>
             <a:fld id="{7BE49484-7B62-5B4F-8329-106176ECF3B8}" type="datetimeFigureOut">
               <a:rPr lang="en-US" smtClean="0"/>
-              <a:t>10/9/14 </a:t>
+              <a:t>10/12/14 </a:t>
             </a:fld>
             <a:endParaRPr lang="en-US"/>
           </a:p>
@@ -669,7 +669,7 @@
           <a:p>
             <a:fld id="{7BE49484-7B62-5B4F-8329-106176ECF3B8}" type="datetimeFigureOut">
               <a:rPr lang="en-US" smtClean="0"/>
-              <a:t>10/9/14 </a:t>
+              <a:t>10/12/14 </a:t>
             </a:fld>
             <a:endParaRPr lang="en-US"/>
           </a:p>
@@ -839,7 +839,7 @@
           <a:p>
             <a:fld id="{7BE49484-7B62-5B4F-8329-106176ECF3B8}" type="datetimeFigureOut">
               <a:rPr lang="en-US" smtClean="0"/>
-              <a:t>10/9/14 </a:t>
+              <a:t>10/12/14 </a:t>
             </a:fld>
             <a:endParaRPr lang="en-US"/>
           </a:p>
@@ -1085,7 +1085,7 @@
           <a:p>
             <a:fld id="{7BE49484-7B62-5B4F-8329-106176ECF3B8}" type="datetimeFigureOut">
               <a:rPr lang="en-US" smtClean="0"/>
-              <a:t>10/9/14 </a:t>
+              <a:t>10/12/14 </a:t>
             </a:fld>
             <a:endParaRPr lang="en-US"/>
           </a:p>
@@ -1373,7 +1373,7 @@
           <a:p>
             <a:fld id="{7BE49484-7B62-5B4F-8329-106176ECF3B8}" type="datetimeFigureOut">
               <a:rPr lang="en-US" smtClean="0"/>
-              <a:t>10/9/14 </a:t>
+              <a:t>10/12/14 </a:t>
             </a:fld>
             <a:endParaRPr lang="en-US"/>
           </a:p>
@@ -1795,7 +1795,7 @@
           <a:p>
             <a:fld id="{7BE49484-7B62-5B4F-8329-106176ECF3B8}" type="datetimeFigureOut">
               <a:rPr lang="en-US" smtClean="0"/>
-              <a:t>10/9/14 </a:t>
+              <a:t>10/12/14 </a:t>
             </a:fld>
             <a:endParaRPr lang="en-US"/>
           </a:p>
@@ -1913,7 +1913,7 @@
           <a:p>
             <a:fld id="{7BE49484-7B62-5B4F-8329-106176ECF3B8}" type="datetimeFigureOut">
               <a:rPr lang="en-US" smtClean="0"/>
-              <a:t>10/9/14 </a:t>
+              <a:t>10/12/14 </a:t>
             </a:fld>
             <a:endParaRPr lang="en-US"/>
           </a:p>
@@ -2008,7 +2008,7 @@
           <a:p>
             <a:fld id="{7BE49484-7B62-5B4F-8329-106176ECF3B8}" type="datetimeFigureOut">
               <a:rPr lang="en-US" smtClean="0"/>
-              <a:t>10/9/14 </a:t>
+              <a:t>10/12/14 </a:t>
             </a:fld>
             <a:endParaRPr lang="en-US"/>
           </a:p>
@@ -2285,7 +2285,7 @@
           <a:p>
             <a:fld id="{7BE49484-7B62-5B4F-8329-106176ECF3B8}" type="datetimeFigureOut">
               <a:rPr lang="en-US" smtClean="0"/>
-              <a:t>10/9/14 </a:t>
+              <a:t>10/12/14 </a:t>
             </a:fld>
             <a:endParaRPr lang="en-US"/>
           </a:p>
@@ -2538,7 +2538,7 @@
           <a:p>
             <a:fld id="{7BE49484-7B62-5B4F-8329-106176ECF3B8}" type="datetimeFigureOut">
               <a:rPr lang="en-US" smtClean="0"/>
-              <a:t>10/9/14 </a:t>
+              <a:t>10/12/14 </a:t>
             </a:fld>
             <a:endParaRPr lang="en-US"/>
           </a:p>
@@ -2751,7 +2751,7 @@
           <a:p>
             <a:fld id="{7BE49484-7B62-5B4F-8329-106176ECF3B8}" type="datetimeFigureOut">
               <a:rPr lang="en-US" smtClean="0"/>
-              <a:t>10/9/14 </a:t>
+              <a:t>10/12/14 </a:t>
             </a:fld>
             <a:endParaRPr lang="en-US"/>
           </a:p>

--- a/GUI/HanDIYcraft-Web Rough GUI Design-V.2.0.pptx
+++ b/GUI/HanDIYcraft-Web Rough GUI Design-V.2.0.pptx
@@ -36,7 +36,7 @@
     <p:sldId id="294" r:id="rId30"/>
     <p:sldId id="296" r:id="rId31"/>
     <p:sldId id="288" r:id="rId32"/>
-    <p:sldId id="289" r:id="rId33"/>
+    <p:sldId id="299" r:id="rId33"/>
   </p:sldIdLst>
   <p:sldSz cx="9144000" cy="6858000" type="screen4x3"/>
   <p:notesSz cx="6858000" cy="9144000"/>
@@ -319,7 +319,7 @@
           <a:p>
             <a:fld id="{7BE49484-7B62-5B4F-8329-106176ECF3B8}" type="datetimeFigureOut">
               <a:rPr lang="en-US" smtClean="0"/>
-              <a:t>10/12/14 </a:t>
+              <a:t>10/13/14 </a:t>
             </a:fld>
             <a:endParaRPr lang="en-US"/>
           </a:p>
@@ -489,7 +489,7 @@
           <a:p>
             <a:fld id="{7BE49484-7B62-5B4F-8329-106176ECF3B8}" type="datetimeFigureOut">
               <a:rPr lang="en-US" smtClean="0"/>
-              <a:t>10/12/14 </a:t>
+              <a:t>10/13/14 </a:t>
             </a:fld>
             <a:endParaRPr lang="en-US"/>
           </a:p>
@@ -669,7 +669,7 @@
           <a:p>
             <a:fld id="{7BE49484-7B62-5B4F-8329-106176ECF3B8}" type="datetimeFigureOut">
               <a:rPr lang="en-US" smtClean="0"/>
-              <a:t>10/12/14 </a:t>
+              <a:t>10/13/14 </a:t>
             </a:fld>
             <a:endParaRPr lang="en-US"/>
           </a:p>
@@ -839,7 +839,7 @@
           <a:p>
             <a:fld id="{7BE49484-7B62-5B4F-8329-106176ECF3B8}" type="datetimeFigureOut">
               <a:rPr lang="en-US" smtClean="0"/>
-              <a:t>10/12/14 </a:t>
+              <a:t>10/13/14 </a:t>
             </a:fld>
             <a:endParaRPr lang="en-US"/>
           </a:p>
@@ -1085,7 +1085,7 @@
           <a:p>
             <a:fld id="{7BE49484-7B62-5B4F-8329-106176ECF3B8}" type="datetimeFigureOut">
               <a:rPr lang="en-US" smtClean="0"/>
-              <a:t>10/12/14 </a:t>
+              <a:t>10/13/14 </a:t>
             </a:fld>
             <a:endParaRPr lang="en-US"/>
           </a:p>
@@ -1373,7 +1373,7 @@
           <a:p>
             <a:fld id="{7BE49484-7B62-5B4F-8329-106176ECF3B8}" type="datetimeFigureOut">
               <a:rPr lang="en-US" smtClean="0"/>
-              <a:t>10/12/14 </a:t>
+              <a:t>10/13/14 </a:t>
             </a:fld>
             <a:endParaRPr lang="en-US"/>
           </a:p>
@@ -1795,7 +1795,7 @@
           <a:p>
             <a:fld id="{7BE49484-7B62-5B4F-8329-106176ECF3B8}" type="datetimeFigureOut">
               <a:rPr lang="en-US" smtClean="0"/>
-              <a:t>10/12/14 </a:t>
+              <a:t>10/13/14 </a:t>
             </a:fld>
             <a:endParaRPr lang="en-US"/>
           </a:p>
@@ -1913,7 +1913,7 @@
           <a:p>
             <a:fld id="{7BE49484-7B62-5B4F-8329-106176ECF3B8}" type="datetimeFigureOut">
               <a:rPr lang="en-US" smtClean="0"/>
-              <a:t>10/12/14 </a:t>
+              <a:t>10/13/14 </a:t>
             </a:fld>
             <a:endParaRPr lang="en-US"/>
           </a:p>
@@ -2008,7 +2008,7 @@
           <a:p>
             <a:fld id="{7BE49484-7B62-5B4F-8329-106176ECF3B8}" type="datetimeFigureOut">
               <a:rPr lang="en-US" smtClean="0"/>
-              <a:t>10/12/14 </a:t>
+              <a:t>10/13/14 </a:t>
             </a:fld>
             <a:endParaRPr lang="en-US"/>
           </a:p>
@@ -2285,7 +2285,7 @@
           <a:p>
             <a:fld id="{7BE49484-7B62-5B4F-8329-106176ECF3B8}" type="datetimeFigureOut">
               <a:rPr lang="en-US" smtClean="0"/>
-              <a:t>10/12/14 </a:t>
+              <a:t>10/13/14 </a:t>
             </a:fld>
             <a:endParaRPr lang="en-US"/>
           </a:p>
@@ -2538,7 +2538,7 @@
           <a:p>
             <a:fld id="{7BE49484-7B62-5B4F-8329-106176ECF3B8}" type="datetimeFigureOut">
               <a:rPr lang="en-US" smtClean="0"/>
-              <a:t>10/12/14 </a:t>
+              <a:t>10/13/14 </a:t>
             </a:fld>
             <a:endParaRPr lang="en-US"/>
           </a:p>
@@ -2751,7 +2751,7 @@
           <a:p>
             <a:fld id="{7BE49484-7B62-5B4F-8329-106176ECF3B8}" type="datetimeFigureOut">
               <a:rPr lang="en-US" smtClean="0"/>
-              <a:t>10/12/14 </a:t>
+              <a:t>10/13/14 </a:t>
             </a:fld>
             <a:endParaRPr lang="en-US"/>
           </a:p>
@@ -41513,7 +41513,7 @@
                   <a:srgbClr val="000000"/>
                 </a:solidFill>
               </a:rPr>
-              <a:t>Shop name: </a:t>
+              <a:t>Shopkeeper: </a:t>
             </a:r>
             <a:r>
               <a:rPr lang="en-US" dirty="0" smtClean="0">
@@ -42535,12 +42535,12 @@
           <a:lstStyle/>
           <a:p>
             <a:r>
-              <a:rPr lang="en-US" b="1" dirty="0" smtClean="0">
+              <a:rPr lang="en-US" b="1" dirty="0">
                 <a:solidFill>
                   <a:srgbClr val="000000"/>
                 </a:solidFill>
               </a:rPr>
-              <a:t>Shop name: </a:t>
+              <a:t>Shopkeeper: </a:t>
             </a:r>
             <a:r>
               <a:rPr lang="en-US" dirty="0">
@@ -42581,12 +42581,12 @@
           <a:lstStyle/>
           <a:p>
             <a:r>
-              <a:rPr lang="en-US" b="1" dirty="0" smtClean="0">
+              <a:rPr lang="en-US" b="1" dirty="0">
                 <a:solidFill>
                   <a:srgbClr val="000000"/>
                 </a:solidFill>
               </a:rPr>
-              <a:t>Shop name: </a:t>
+              <a:t>Shopkeeper: </a:t>
             </a:r>
             <a:r>
               <a:rPr lang="en-US" dirty="0">
@@ -42627,12 +42627,12 @@
           <a:lstStyle/>
           <a:p>
             <a:r>
-              <a:rPr lang="en-US" b="1" dirty="0" smtClean="0">
+              <a:rPr lang="en-US" b="1" dirty="0">
                 <a:solidFill>
                   <a:srgbClr val="000000"/>
                 </a:solidFill>
               </a:rPr>
-              <a:t>Shop name: </a:t>
+              <a:t>Shopkeeper: </a:t>
             </a:r>
             <a:r>
               <a:rPr lang="en-US" dirty="0">
@@ -42673,12 +42673,12 @@
           <a:lstStyle/>
           <a:p>
             <a:r>
-              <a:rPr lang="en-US" b="1" dirty="0" smtClean="0">
+              <a:rPr lang="en-US" b="1" dirty="0">
                 <a:solidFill>
                   <a:srgbClr val="000000"/>
                 </a:solidFill>
               </a:rPr>
-              <a:t>Shop name: </a:t>
+              <a:t>Shopkeeper: </a:t>
             </a:r>
             <a:r>
               <a:rPr lang="en-US" dirty="0">
@@ -42719,12 +42719,12 @@
           <a:lstStyle/>
           <a:p>
             <a:r>
-              <a:rPr lang="en-US" b="1" dirty="0" smtClean="0">
+              <a:rPr lang="en-US" b="1" dirty="0">
                 <a:solidFill>
                   <a:srgbClr val="000000"/>
                 </a:solidFill>
               </a:rPr>
-              <a:t>Shop name: </a:t>
+              <a:t>Shopkeeper: </a:t>
             </a:r>
             <a:r>
               <a:rPr lang="en-US" dirty="0">
@@ -42765,12 +42765,12 @@
           <a:lstStyle/>
           <a:p>
             <a:r>
-              <a:rPr lang="en-US" b="1" dirty="0" smtClean="0">
+              <a:rPr lang="en-US" b="1" dirty="0">
                 <a:solidFill>
                   <a:srgbClr val="000000"/>
                 </a:solidFill>
               </a:rPr>
-              <a:t>Shop name: </a:t>
+              <a:t>Shopkeeper: </a:t>
             </a:r>
             <a:r>
               <a:rPr lang="en-US" dirty="0">
@@ -43682,8 +43682,8 @@
         </p:nvSpPr>
         <p:spPr>
           <a:xfrm>
-            <a:off x="3273278" y="1487660"/>
-            <a:ext cx="2974931" cy="707886"/>
+            <a:off x="3198889" y="1487660"/>
+            <a:ext cx="3875076" cy="707886"/>
           </a:xfrm>
           <a:prstGeom prst="rect">
             <a:avLst/>
@@ -43704,7 +43704,7 @@
                 <a:latin typeface="+mj-lt"/>
                 <a:cs typeface="MAW "/>
               </a:rPr>
-              <a:t>Shop Name</a:t>
+              <a:t>Shopkeeper</a:t>
             </a:r>
             <a:endParaRPr lang="en-US" sz="4000" b="1" spc="300" dirty="0">
               <a:solidFill>
@@ -43754,67 +43754,6 @@
       </p:cxnSp>
       <p:sp>
         <p:nvSpPr>
-          <p:cNvPr id="33" name="Rounded Rectangle 32"/>
-          <p:cNvSpPr/>
-          <p:nvPr/>
-        </p:nvSpPr>
-        <p:spPr>
-          <a:xfrm>
-            <a:off x="6626884" y="1683353"/>
-            <a:ext cx="1216794" cy="430174"/>
-          </a:xfrm>
-          <a:prstGeom prst="roundRect">
-            <a:avLst/>
-          </a:prstGeom>
-          <a:noFill/>
-          <a:ln>
-            <a:solidFill>
-              <a:schemeClr val="tx1"/>
-            </a:solidFill>
-          </a:ln>
-          <a:effectLst/>
-        </p:spPr>
-        <p:style>
-          <a:lnRef idx="1">
-            <a:schemeClr val="accent1"/>
-          </a:lnRef>
-          <a:fillRef idx="3">
-            <a:schemeClr val="accent1"/>
-          </a:fillRef>
-          <a:effectRef idx="2">
-            <a:schemeClr val="accent1"/>
-          </a:effectRef>
-          <a:fontRef idx="minor">
-            <a:schemeClr val="lt1"/>
-          </a:fontRef>
-        </p:style>
-        <p:txBody>
-          <a:bodyPr rtlCol="0" anchor="ctr"/>
-          <a:lstStyle/>
-          <a:p>
-            <a:pPr algn="ctr"/>
-            <a:r>
-              <a:rPr lang="en-US" dirty="0" smtClean="0">
-                <a:solidFill>
-                  <a:srgbClr val="000000"/>
-                </a:solidFill>
-                <a:latin typeface="+mj-lt"/>
-                <a:cs typeface="MAW "/>
-              </a:rPr>
-              <a:t>See Shop</a:t>
-            </a:r>
-            <a:endParaRPr lang="en-US" dirty="0">
-              <a:solidFill>
-                <a:srgbClr val="000000"/>
-              </a:solidFill>
-              <a:latin typeface="+mj-lt"/>
-              <a:cs typeface="MAW "/>
-            </a:endParaRPr>
-          </a:p>
-        </p:txBody>
-      </p:sp>
-      <p:sp>
-        <p:nvSpPr>
           <p:cNvPr id="34" name="Rectangle 33"/>
           <p:cNvSpPr/>
           <p:nvPr/>
@@ -43991,187 +43930,6 @@
                 </a:solidFill>
               </a:rPr>
               <a:t>Send</a:t>
-            </a:r>
-            <a:endParaRPr lang="en-US" dirty="0">
-              <a:solidFill>
-                <a:srgbClr val="000000"/>
-              </a:solidFill>
-            </a:endParaRPr>
-          </a:p>
-        </p:txBody>
-      </p:sp>
-      <p:sp>
-        <p:nvSpPr>
-          <p:cNvPr id="46" name="Rounded Rectangle 45"/>
-          <p:cNvSpPr/>
-          <p:nvPr/>
-        </p:nvSpPr>
-        <p:spPr>
-          <a:xfrm>
-            <a:off x="1413158" y="3252564"/>
-            <a:ext cx="2471052" cy="542135"/>
-          </a:xfrm>
-          <a:prstGeom prst="roundRect">
-            <a:avLst/>
-          </a:prstGeom>
-          <a:solidFill>
-            <a:schemeClr val="bg1"/>
-          </a:solidFill>
-          <a:ln>
-            <a:solidFill>
-              <a:srgbClr val="000000"/>
-            </a:solidFill>
-          </a:ln>
-          <a:effectLst/>
-        </p:spPr>
-        <p:style>
-          <a:lnRef idx="1">
-            <a:schemeClr val="accent1"/>
-          </a:lnRef>
-          <a:fillRef idx="3">
-            <a:schemeClr val="accent1"/>
-          </a:fillRef>
-          <a:effectRef idx="2">
-            <a:schemeClr val="accent1"/>
-          </a:effectRef>
-          <a:fontRef idx="minor">
-            <a:schemeClr val="lt1"/>
-          </a:fontRef>
-        </p:style>
-        <p:txBody>
-          <a:bodyPr rtlCol="0" anchor="ctr"/>
-          <a:lstStyle/>
-          <a:p>
-            <a:pPr algn="ctr"/>
-            <a:r>
-              <a:rPr lang="en-US" dirty="0" smtClean="0">
-                <a:solidFill>
-                  <a:srgbClr val="000000"/>
-                </a:solidFill>
-              </a:rPr>
-              <a:t>Hello, may I help you?</a:t>
-            </a:r>
-            <a:endParaRPr lang="en-US" dirty="0">
-              <a:solidFill>
-                <a:srgbClr val="000000"/>
-              </a:solidFill>
-            </a:endParaRPr>
-          </a:p>
-        </p:txBody>
-      </p:sp>
-      <p:sp>
-        <p:nvSpPr>
-          <p:cNvPr id="49" name="Rounded Rectangle 48"/>
-          <p:cNvSpPr/>
-          <p:nvPr/>
-        </p:nvSpPr>
-        <p:spPr>
-          <a:xfrm>
-            <a:off x="6756019" y="2563283"/>
-            <a:ext cx="966083" cy="542135"/>
-          </a:xfrm>
-          <a:prstGeom prst="roundRect">
-            <a:avLst/>
-          </a:prstGeom>
-          <a:solidFill>
-            <a:schemeClr val="bg1">
-              <a:lumMod val="85000"/>
-            </a:schemeClr>
-          </a:solidFill>
-          <a:ln>
-            <a:solidFill>
-              <a:srgbClr val="000000"/>
-            </a:solidFill>
-          </a:ln>
-          <a:effectLst/>
-        </p:spPr>
-        <p:style>
-          <a:lnRef idx="1">
-            <a:schemeClr val="accent1"/>
-          </a:lnRef>
-          <a:fillRef idx="3">
-            <a:schemeClr val="accent1"/>
-          </a:fillRef>
-          <a:effectRef idx="2">
-            <a:schemeClr val="accent1"/>
-          </a:effectRef>
-          <a:fontRef idx="minor">
-            <a:schemeClr val="lt1"/>
-          </a:fontRef>
-        </p:style>
-        <p:txBody>
-          <a:bodyPr rtlCol="0" anchor="ctr"/>
-          <a:lstStyle/>
-          <a:p>
-            <a:pPr algn="ctr"/>
-            <a:r>
-              <a:rPr lang="en-US" dirty="0" smtClean="0">
-                <a:solidFill>
-                  <a:srgbClr val="000000"/>
-                </a:solidFill>
-              </a:rPr>
-              <a:t>Hi :-)</a:t>
-            </a:r>
-            <a:endParaRPr lang="en-US" dirty="0">
-              <a:solidFill>
-                <a:srgbClr val="000000"/>
-              </a:solidFill>
-            </a:endParaRPr>
-          </a:p>
-        </p:txBody>
-      </p:sp>
-      <p:sp>
-        <p:nvSpPr>
-          <p:cNvPr id="50" name="Rounded Rectangle 49"/>
-          <p:cNvSpPr/>
-          <p:nvPr/>
-        </p:nvSpPr>
-        <p:spPr>
-          <a:xfrm>
-            <a:off x="5203433" y="4071019"/>
-            <a:ext cx="2567037" cy="978341"/>
-          </a:xfrm>
-          <a:prstGeom prst="roundRect">
-            <a:avLst/>
-          </a:prstGeom>
-          <a:solidFill>
-            <a:schemeClr val="bg1">
-              <a:lumMod val="85000"/>
-            </a:schemeClr>
-          </a:solidFill>
-          <a:ln>
-            <a:solidFill>
-              <a:srgbClr val="000000"/>
-            </a:solidFill>
-          </a:ln>
-          <a:effectLst/>
-        </p:spPr>
-        <p:style>
-          <a:lnRef idx="1">
-            <a:schemeClr val="accent1"/>
-          </a:lnRef>
-          <a:fillRef idx="3">
-            <a:schemeClr val="accent1"/>
-          </a:fillRef>
-          <a:effectRef idx="2">
-            <a:schemeClr val="accent1"/>
-          </a:effectRef>
-          <a:fontRef idx="minor">
-            <a:schemeClr val="lt1"/>
-          </a:fontRef>
-        </p:style>
-        <p:txBody>
-          <a:bodyPr rtlCol="0" anchor="ctr"/>
-          <a:lstStyle/>
-          <a:p>
-            <a:pPr algn="ctr"/>
-            <a:r>
-              <a:rPr lang="en-US" dirty="0" smtClean="0">
-                <a:solidFill>
-                  <a:srgbClr val="000000"/>
-                </a:solidFill>
-              </a:rPr>
-              <a:t>I want to ask you about the knitting wools. Is it available in your shop?</a:t>
             </a:r>
             <a:endParaRPr lang="en-US" dirty="0">
               <a:solidFill>
@@ -44632,10 +44390,745 @@
           </a:p>
         </p:txBody>
       </p:sp>
+      <p:cxnSp>
+        <p:nvCxnSpPr>
+          <p:cNvPr id="86" name="Straight Connector 85"/>
+          <p:cNvCxnSpPr/>
+          <p:nvPr/>
+        </p:nvCxnSpPr>
+        <p:spPr>
+          <a:xfrm>
+            <a:off x="1171090" y="3049039"/>
+            <a:ext cx="6779138" cy="0"/>
+          </a:xfrm>
+          <a:prstGeom prst="line">
+            <a:avLst/>
+          </a:prstGeom>
+          <a:ln w="12700" cmpd="sng">
+            <a:solidFill>
+              <a:schemeClr val="tx1"/>
+            </a:solidFill>
+          </a:ln>
+          <a:effectLst/>
+        </p:spPr>
+        <p:style>
+          <a:lnRef idx="2">
+            <a:schemeClr val="accent1"/>
+          </a:lnRef>
+          <a:fillRef idx="0">
+            <a:schemeClr val="accent1"/>
+          </a:fillRef>
+          <a:effectRef idx="1">
+            <a:schemeClr val="accent1"/>
+          </a:effectRef>
+          <a:fontRef idx="minor">
+            <a:schemeClr val="tx1"/>
+          </a:fontRef>
+        </p:style>
+      </p:cxnSp>
+      <p:sp>
+        <p:nvSpPr>
+          <p:cNvPr id="91" name="Oval 90"/>
+          <p:cNvSpPr/>
+          <p:nvPr/>
+        </p:nvSpPr>
+        <p:spPr>
+          <a:xfrm>
+            <a:off x="1431357" y="2398907"/>
+            <a:ext cx="523278" cy="508509"/>
+          </a:xfrm>
+          <a:prstGeom prst="ellipse">
+            <a:avLst/>
+          </a:prstGeom>
+          <a:noFill/>
+          <a:ln w="28575" cmpd="sng">
+            <a:solidFill>
+              <a:schemeClr val="tx1"/>
+            </a:solidFill>
+          </a:ln>
+          <a:effectLst/>
+        </p:spPr>
+        <p:style>
+          <a:lnRef idx="1">
+            <a:schemeClr val="accent1"/>
+          </a:lnRef>
+          <a:fillRef idx="3">
+            <a:schemeClr val="accent1"/>
+          </a:fillRef>
+          <a:effectRef idx="2">
+            <a:schemeClr val="accent1"/>
+          </a:effectRef>
+          <a:fontRef idx="minor">
+            <a:schemeClr val="lt1"/>
+          </a:fontRef>
+        </p:style>
+        <p:txBody>
+          <a:bodyPr rtlCol="0" anchor="ctr"/>
+          <a:lstStyle/>
+          <a:p>
+            <a:pPr algn="ctr"/>
+            <a:endParaRPr lang="en-US"/>
+          </a:p>
+        </p:txBody>
+      </p:sp>
+      <p:cxnSp>
+        <p:nvCxnSpPr>
+          <p:cNvPr id="92" name="Straight Connector 91"/>
+          <p:cNvCxnSpPr>
+            <a:stCxn id="91" idx="1"/>
+            <a:endCxn id="91" idx="5"/>
+          </p:cNvCxnSpPr>
+          <p:nvPr/>
+        </p:nvCxnSpPr>
+        <p:spPr>
+          <a:xfrm>
+            <a:off x="1507989" y="2473376"/>
+            <a:ext cx="370014" cy="359571"/>
+          </a:xfrm>
+          <a:prstGeom prst="line">
+            <a:avLst/>
+          </a:prstGeom>
+          <a:ln>
+            <a:solidFill>
+              <a:schemeClr val="tx1"/>
+            </a:solidFill>
+          </a:ln>
+          <a:effectLst/>
+        </p:spPr>
+        <p:style>
+          <a:lnRef idx="2">
+            <a:schemeClr val="accent1"/>
+          </a:lnRef>
+          <a:fillRef idx="0">
+            <a:schemeClr val="accent1"/>
+          </a:fillRef>
+          <a:effectRef idx="1">
+            <a:schemeClr val="accent1"/>
+          </a:effectRef>
+          <a:fontRef idx="minor">
+            <a:schemeClr val="tx1"/>
+          </a:fontRef>
+        </p:style>
+      </p:cxnSp>
+      <p:cxnSp>
+        <p:nvCxnSpPr>
+          <p:cNvPr id="93" name="Straight Connector 92"/>
+          <p:cNvCxnSpPr>
+            <a:stCxn id="91" idx="3"/>
+            <a:endCxn id="91" idx="7"/>
+          </p:cNvCxnSpPr>
+          <p:nvPr/>
+        </p:nvCxnSpPr>
+        <p:spPr>
+          <a:xfrm flipV="1">
+            <a:off x="1507989" y="2473376"/>
+            <a:ext cx="370014" cy="359571"/>
+          </a:xfrm>
+          <a:prstGeom prst="line">
+            <a:avLst/>
+          </a:prstGeom>
+          <a:ln>
+            <a:solidFill>
+              <a:schemeClr val="tx1"/>
+            </a:solidFill>
+          </a:ln>
+          <a:effectLst/>
+        </p:spPr>
+        <p:style>
+          <a:lnRef idx="2">
+            <a:schemeClr val="accent1"/>
+          </a:lnRef>
+          <a:fillRef idx="0">
+            <a:schemeClr val="accent1"/>
+          </a:fillRef>
+          <a:effectRef idx="1">
+            <a:schemeClr val="accent1"/>
+          </a:effectRef>
+          <a:fontRef idx="minor">
+            <a:schemeClr val="tx1"/>
+          </a:fontRef>
+        </p:style>
+      </p:cxnSp>
+      <p:sp>
+        <p:nvSpPr>
+          <p:cNvPr id="103" name="TextBox 102"/>
+          <p:cNvSpPr txBox="1"/>
+          <p:nvPr/>
+        </p:nvSpPr>
+        <p:spPr>
+          <a:xfrm>
+            <a:off x="2310160" y="2291610"/>
+            <a:ext cx="2753030" cy="646331"/>
+          </a:xfrm>
+          <a:prstGeom prst="rect">
+            <a:avLst/>
+          </a:prstGeom>
+          <a:noFill/>
+        </p:spPr>
+        <p:txBody>
+          <a:bodyPr wrap="square" rtlCol="0">
+            <a:spAutoFit/>
+          </a:bodyPr>
+          <a:lstStyle/>
+          <a:p>
+            <a:r>
+              <a:rPr lang="en-US" b="1" dirty="0" smtClean="0">
+                <a:solidFill>
+                  <a:srgbClr val="000000"/>
+                </a:solidFill>
+              </a:rPr>
+              <a:t>Blogger</a:t>
+            </a:r>
+          </a:p>
+          <a:p>
+            <a:r>
+              <a:rPr lang="en-US" dirty="0" smtClean="0">
+                <a:solidFill>
+                  <a:srgbClr val="000000"/>
+                </a:solidFill>
+              </a:rPr>
+              <a:t>Hi :-)</a:t>
+            </a:r>
+            <a:endParaRPr lang="en-US" b="1" dirty="0">
+              <a:solidFill>
+                <a:srgbClr val="000000"/>
+              </a:solidFill>
+            </a:endParaRPr>
+          </a:p>
+        </p:txBody>
+      </p:sp>
+      <p:sp>
+        <p:nvSpPr>
+          <p:cNvPr id="107" name="TextBox 106"/>
+          <p:cNvSpPr txBox="1"/>
+          <p:nvPr/>
+        </p:nvSpPr>
+        <p:spPr>
+          <a:xfrm>
+            <a:off x="7073965" y="2442587"/>
+            <a:ext cx="1043688" cy="369332"/>
+          </a:xfrm>
+          <a:prstGeom prst="rect">
+            <a:avLst/>
+          </a:prstGeom>
+          <a:noFill/>
+        </p:spPr>
+        <p:txBody>
+          <a:bodyPr wrap="square" rtlCol="0">
+            <a:spAutoFit/>
+          </a:bodyPr>
+          <a:lstStyle/>
+          <a:p>
+            <a:r>
+              <a:rPr lang="en-US" dirty="0" smtClean="0">
+                <a:solidFill>
+                  <a:srgbClr val="000000"/>
+                </a:solidFill>
+              </a:rPr>
+              <a:t>Time</a:t>
+            </a:r>
+            <a:endParaRPr lang="en-US" dirty="0">
+              <a:solidFill>
+                <a:srgbClr val="000000"/>
+              </a:solidFill>
+            </a:endParaRPr>
+          </a:p>
+        </p:txBody>
+      </p:sp>
+      <p:cxnSp>
+        <p:nvCxnSpPr>
+          <p:cNvPr id="108" name="Straight Connector 107"/>
+          <p:cNvCxnSpPr/>
+          <p:nvPr/>
+        </p:nvCxnSpPr>
+        <p:spPr>
+          <a:xfrm>
+            <a:off x="1162115" y="3896693"/>
+            <a:ext cx="6779138" cy="0"/>
+          </a:xfrm>
+          <a:prstGeom prst="line">
+            <a:avLst/>
+          </a:prstGeom>
+          <a:ln w="12700" cmpd="sng">
+            <a:solidFill>
+              <a:schemeClr val="tx1"/>
+            </a:solidFill>
+          </a:ln>
+          <a:effectLst/>
+        </p:spPr>
+        <p:style>
+          <a:lnRef idx="2">
+            <a:schemeClr val="accent1"/>
+          </a:lnRef>
+          <a:fillRef idx="0">
+            <a:schemeClr val="accent1"/>
+          </a:fillRef>
+          <a:effectRef idx="1">
+            <a:schemeClr val="accent1"/>
+          </a:effectRef>
+          <a:fontRef idx="minor">
+            <a:schemeClr val="tx1"/>
+          </a:fontRef>
+        </p:style>
+      </p:cxnSp>
+      <p:sp>
+        <p:nvSpPr>
+          <p:cNvPr id="109" name="Oval 108"/>
+          <p:cNvSpPr/>
+          <p:nvPr/>
+        </p:nvSpPr>
+        <p:spPr>
+          <a:xfrm>
+            <a:off x="1422382" y="3228920"/>
+            <a:ext cx="523278" cy="508509"/>
+          </a:xfrm>
+          <a:prstGeom prst="ellipse">
+            <a:avLst/>
+          </a:prstGeom>
+          <a:noFill/>
+          <a:ln w="28575" cmpd="sng">
+            <a:solidFill>
+              <a:schemeClr val="tx1"/>
+            </a:solidFill>
+          </a:ln>
+          <a:effectLst/>
+        </p:spPr>
+        <p:style>
+          <a:lnRef idx="1">
+            <a:schemeClr val="accent1"/>
+          </a:lnRef>
+          <a:fillRef idx="3">
+            <a:schemeClr val="accent1"/>
+          </a:fillRef>
+          <a:effectRef idx="2">
+            <a:schemeClr val="accent1"/>
+          </a:effectRef>
+          <a:fontRef idx="minor">
+            <a:schemeClr val="lt1"/>
+          </a:fontRef>
+        </p:style>
+        <p:txBody>
+          <a:bodyPr rtlCol="0" anchor="ctr"/>
+          <a:lstStyle/>
+          <a:p>
+            <a:pPr algn="ctr"/>
+            <a:endParaRPr lang="en-US"/>
+          </a:p>
+        </p:txBody>
+      </p:sp>
+      <p:cxnSp>
+        <p:nvCxnSpPr>
+          <p:cNvPr id="110" name="Straight Connector 109"/>
+          <p:cNvCxnSpPr>
+            <a:stCxn id="109" idx="1"/>
+            <a:endCxn id="109" idx="5"/>
+          </p:cNvCxnSpPr>
+          <p:nvPr/>
+        </p:nvCxnSpPr>
+        <p:spPr>
+          <a:xfrm>
+            <a:off x="1499014" y="3303389"/>
+            <a:ext cx="370014" cy="359571"/>
+          </a:xfrm>
+          <a:prstGeom prst="line">
+            <a:avLst/>
+          </a:prstGeom>
+          <a:ln>
+            <a:solidFill>
+              <a:schemeClr val="tx1"/>
+            </a:solidFill>
+          </a:ln>
+          <a:effectLst/>
+        </p:spPr>
+        <p:style>
+          <a:lnRef idx="2">
+            <a:schemeClr val="accent1"/>
+          </a:lnRef>
+          <a:fillRef idx="0">
+            <a:schemeClr val="accent1"/>
+          </a:fillRef>
+          <a:effectRef idx="1">
+            <a:schemeClr val="accent1"/>
+          </a:effectRef>
+          <a:fontRef idx="minor">
+            <a:schemeClr val="tx1"/>
+          </a:fontRef>
+        </p:style>
+      </p:cxnSp>
+      <p:cxnSp>
+        <p:nvCxnSpPr>
+          <p:cNvPr id="111" name="Straight Connector 110"/>
+          <p:cNvCxnSpPr>
+            <a:stCxn id="109" idx="3"/>
+            <a:endCxn id="109" idx="7"/>
+          </p:cNvCxnSpPr>
+          <p:nvPr/>
+        </p:nvCxnSpPr>
+        <p:spPr>
+          <a:xfrm flipV="1">
+            <a:off x="1499014" y="3303389"/>
+            <a:ext cx="370014" cy="359571"/>
+          </a:xfrm>
+          <a:prstGeom prst="line">
+            <a:avLst/>
+          </a:prstGeom>
+          <a:ln>
+            <a:solidFill>
+              <a:schemeClr val="tx1"/>
+            </a:solidFill>
+          </a:ln>
+          <a:effectLst/>
+        </p:spPr>
+        <p:style>
+          <a:lnRef idx="2">
+            <a:schemeClr val="accent1"/>
+          </a:lnRef>
+          <a:fillRef idx="0">
+            <a:schemeClr val="accent1"/>
+          </a:fillRef>
+          <a:effectRef idx="1">
+            <a:schemeClr val="accent1"/>
+          </a:effectRef>
+          <a:fontRef idx="minor">
+            <a:schemeClr val="tx1"/>
+          </a:fontRef>
+        </p:style>
+      </p:cxnSp>
+      <p:sp>
+        <p:nvSpPr>
+          <p:cNvPr id="112" name="TextBox 111"/>
+          <p:cNvSpPr txBox="1"/>
+          <p:nvPr/>
+        </p:nvSpPr>
+        <p:spPr>
+          <a:xfrm>
+            <a:off x="2301185" y="3121623"/>
+            <a:ext cx="2753030" cy="646331"/>
+          </a:xfrm>
+          <a:prstGeom prst="rect">
+            <a:avLst/>
+          </a:prstGeom>
+          <a:noFill/>
+        </p:spPr>
+        <p:txBody>
+          <a:bodyPr wrap="square" rtlCol="0">
+            <a:spAutoFit/>
+          </a:bodyPr>
+          <a:lstStyle/>
+          <a:p>
+            <a:r>
+              <a:rPr lang="en-US" b="1" dirty="0" smtClean="0">
+                <a:solidFill>
+                  <a:srgbClr val="000000"/>
+                </a:solidFill>
+              </a:rPr>
+              <a:t>Shopkeeper</a:t>
+            </a:r>
+          </a:p>
+          <a:p>
+            <a:r>
+              <a:rPr lang="en-US" dirty="0" smtClean="0">
+                <a:solidFill>
+                  <a:srgbClr val="000000"/>
+                </a:solidFill>
+              </a:rPr>
+              <a:t>Hello, may I help you?</a:t>
+            </a:r>
+            <a:endParaRPr lang="en-US" b="1" dirty="0">
+              <a:solidFill>
+                <a:srgbClr val="000000"/>
+              </a:solidFill>
+            </a:endParaRPr>
+          </a:p>
+        </p:txBody>
+      </p:sp>
+      <p:sp>
+        <p:nvSpPr>
+          <p:cNvPr id="113" name="TextBox 112"/>
+          <p:cNvSpPr txBox="1"/>
+          <p:nvPr/>
+        </p:nvSpPr>
+        <p:spPr>
+          <a:xfrm>
+            <a:off x="7064990" y="3272600"/>
+            <a:ext cx="1043688" cy="369332"/>
+          </a:xfrm>
+          <a:prstGeom prst="rect">
+            <a:avLst/>
+          </a:prstGeom>
+          <a:noFill/>
+        </p:spPr>
+        <p:txBody>
+          <a:bodyPr wrap="square" rtlCol="0">
+            <a:spAutoFit/>
+          </a:bodyPr>
+          <a:lstStyle/>
+          <a:p>
+            <a:r>
+              <a:rPr lang="en-US" dirty="0" smtClean="0">
+                <a:solidFill>
+                  <a:srgbClr val="000000"/>
+                </a:solidFill>
+              </a:rPr>
+              <a:t>Time</a:t>
+            </a:r>
+            <a:endParaRPr lang="en-US" dirty="0">
+              <a:solidFill>
+                <a:srgbClr val="000000"/>
+              </a:solidFill>
+            </a:endParaRPr>
+          </a:p>
+        </p:txBody>
+      </p:sp>
+      <p:cxnSp>
+        <p:nvCxnSpPr>
+          <p:cNvPr id="114" name="Straight Connector 113"/>
+          <p:cNvCxnSpPr/>
+          <p:nvPr/>
+        </p:nvCxnSpPr>
+        <p:spPr>
+          <a:xfrm>
+            <a:off x="1162115" y="4930271"/>
+            <a:ext cx="6779138" cy="0"/>
+          </a:xfrm>
+          <a:prstGeom prst="line">
+            <a:avLst/>
+          </a:prstGeom>
+          <a:ln w="12700" cmpd="sng">
+            <a:solidFill>
+              <a:schemeClr val="tx1"/>
+            </a:solidFill>
+          </a:ln>
+          <a:effectLst/>
+        </p:spPr>
+        <p:style>
+          <a:lnRef idx="2">
+            <a:schemeClr val="accent1"/>
+          </a:lnRef>
+          <a:fillRef idx="0">
+            <a:schemeClr val="accent1"/>
+          </a:fillRef>
+          <a:effectRef idx="1">
+            <a:schemeClr val="accent1"/>
+          </a:effectRef>
+          <a:fontRef idx="minor">
+            <a:schemeClr val="tx1"/>
+          </a:fontRef>
+        </p:style>
+      </p:cxnSp>
+      <p:sp>
+        <p:nvSpPr>
+          <p:cNvPr id="115" name="Oval 114"/>
+          <p:cNvSpPr/>
+          <p:nvPr/>
+        </p:nvSpPr>
+        <p:spPr>
+          <a:xfrm>
+            <a:off x="1422382" y="4174293"/>
+            <a:ext cx="523278" cy="508509"/>
+          </a:xfrm>
+          <a:prstGeom prst="ellipse">
+            <a:avLst/>
+          </a:prstGeom>
+          <a:noFill/>
+          <a:ln w="28575" cmpd="sng">
+            <a:solidFill>
+              <a:schemeClr val="tx1"/>
+            </a:solidFill>
+          </a:ln>
+          <a:effectLst/>
+        </p:spPr>
+        <p:style>
+          <a:lnRef idx="1">
+            <a:schemeClr val="accent1"/>
+          </a:lnRef>
+          <a:fillRef idx="3">
+            <a:schemeClr val="accent1"/>
+          </a:fillRef>
+          <a:effectRef idx="2">
+            <a:schemeClr val="accent1"/>
+          </a:effectRef>
+          <a:fontRef idx="minor">
+            <a:schemeClr val="lt1"/>
+          </a:fontRef>
+        </p:style>
+        <p:txBody>
+          <a:bodyPr rtlCol="0" anchor="ctr"/>
+          <a:lstStyle/>
+          <a:p>
+            <a:pPr algn="ctr"/>
+            <a:endParaRPr lang="en-US"/>
+          </a:p>
+        </p:txBody>
+      </p:sp>
+      <p:cxnSp>
+        <p:nvCxnSpPr>
+          <p:cNvPr id="116" name="Straight Connector 115"/>
+          <p:cNvCxnSpPr>
+            <a:stCxn id="115" idx="1"/>
+            <a:endCxn id="115" idx="5"/>
+          </p:cNvCxnSpPr>
+          <p:nvPr/>
+        </p:nvCxnSpPr>
+        <p:spPr>
+          <a:xfrm>
+            <a:off x="1499014" y="4248762"/>
+            <a:ext cx="370014" cy="359571"/>
+          </a:xfrm>
+          <a:prstGeom prst="line">
+            <a:avLst/>
+          </a:prstGeom>
+          <a:ln>
+            <a:solidFill>
+              <a:schemeClr val="tx1"/>
+            </a:solidFill>
+          </a:ln>
+          <a:effectLst/>
+        </p:spPr>
+        <p:style>
+          <a:lnRef idx="2">
+            <a:schemeClr val="accent1"/>
+          </a:lnRef>
+          <a:fillRef idx="0">
+            <a:schemeClr val="accent1"/>
+          </a:fillRef>
+          <a:effectRef idx="1">
+            <a:schemeClr val="accent1"/>
+          </a:effectRef>
+          <a:fontRef idx="minor">
+            <a:schemeClr val="tx1"/>
+          </a:fontRef>
+        </p:style>
+      </p:cxnSp>
+      <p:cxnSp>
+        <p:nvCxnSpPr>
+          <p:cNvPr id="117" name="Straight Connector 116"/>
+          <p:cNvCxnSpPr>
+            <a:stCxn id="115" idx="3"/>
+            <a:endCxn id="115" idx="7"/>
+          </p:cNvCxnSpPr>
+          <p:nvPr/>
+        </p:nvCxnSpPr>
+        <p:spPr>
+          <a:xfrm flipV="1">
+            <a:off x="1499014" y="4248762"/>
+            <a:ext cx="370014" cy="359571"/>
+          </a:xfrm>
+          <a:prstGeom prst="line">
+            <a:avLst/>
+          </a:prstGeom>
+          <a:ln>
+            <a:solidFill>
+              <a:schemeClr val="tx1"/>
+            </a:solidFill>
+          </a:ln>
+          <a:effectLst/>
+        </p:spPr>
+        <p:style>
+          <a:lnRef idx="2">
+            <a:schemeClr val="accent1"/>
+          </a:lnRef>
+          <a:fillRef idx="0">
+            <a:schemeClr val="accent1"/>
+          </a:fillRef>
+          <a:effectRef idx="1">
+            <a:schemeClr val="accent1"/>
+          </a:effectRef>
+          <a:fontRef idx="minor">
+            <a:schemeClr val="tx1"/>
+          </a:fontRef>
+        </p:style>
+      </p:cxnSp>
+      <p:sp>
+        <p:nvSpPr>
+          <p:cNvPr id="118" name="TextBox 117"/>
+          <p:cNvSpPr txBox="1"/>
+          <p:nvPr/>
+        </p:nvSpPr>
+        <p:spPr>
+          <a:xfrm>
+            <a:off x="2301184" y="3925868"/>
+            <a:ext cx="4325699" cy="923330"/>
+          </a:xfrm>
+          <a:prstGeom prst="rect">
+            <a:avLst/>
+          </a:prstGeom>
+          <a:noFill/>
+        </p:spPr>
+        <p:txBody>
+          <a:bodyPr wrap="square" rtlCol="0">
+            <a:spAutoFit/>
+          </a:bodyPr>
+          <a:lstStyle/>
+          <a:p>
+            <a:r>
+              <a:rPr lang="en-US" b="1" dirty="0" smtClean="0">
+                <a:solidFill>
+                  <a:srgbClr val="000000"/>
+                </a:solidFill>
+              </a:rPr>
+              <a:t>Blogger </a:t>
+            </a:r>
+          </a:p>
+          <a:p>
+            <a:r>
+              <a:rPr lang="en-US" dirty="0">
+                <a:solidFill>
+                  <a:srgbClr val="000000"/>
+                </a:solidFill>
+              </a:rPr>
+              <a:t>I want to ask you about the knitting wools. Is it available in your shop?</a:t>
+            </a:r>
+            <a:endParaRPr lang="en-US" dirty="0">
+              <a:solidFill>
+                <a:srgbClr val="000000"/>
+              </a:solidFill>
+            </a:endParaRPr>
+          </a:p>
+        </p:txBody>
+      </p:sp>
+      <p:sp>
+        <p:nvSpPr>
+          <p:cNvPr id="119" name="TextBox 118"/>
+          <p:cNvSpPr txBox="1"/>
+          <p:nvPr/>
+        </p:nvSpPr>
+        <p:spPr>
+          <a:xfrm>
+            <a:off x="7064990" y="4217973"/>
+            <a:ext cx="1043688" cy="369332"/>
+          </a:xfrm>
+          <a:prstGeom prst="rect">
+            <a:avLst/>
+          </a:prstGeom>
+          <a:noFill/>
+        </p:spPr>
+        <p:txBody>
+          <a:bodyPr wrap="square" rtlCol="0">
+            <a:spAutoFit/>
+          </a:bodyPr>
+          <a:lstStyle/>
+          <a:p>
+            <a:r>
+              <a:rPr lang="en-US" dirty="0" smtClean="0">
+                <a:solidFill>
+                  <a:srgbClr val="000000"/>
+                </a:solidFill>
+              </a:rPr>
+              <a:t>Time</a:t>
+            </a:r>
+            <a:endParaRPr lang="en-US" dirty="0">
+              <a:solidFill>
+                <a:srgbClr val="000000"/>
+              </a:solidFill>
+            </a:endParaRPr>
+          </a:p>
+        </p:txBody>
+      </p:sp>
     </p:spTree>
     <p:extLst>
       <p:ext uri="{BB962C8B-B14F-4D97-AF65-F5344CB8AC3E}">
-        <p14:creationId xmlns:p14="http://schemas.microsoft.com/office/powerpoint/2010/main" val="3072521113"/>
+        <p14:creationId xmlns:p14="http://schemas.microsoft.com/office/powerpoint/2010/main" val="658287888"/>
       </p:ext>
     </p:extLst>
   </p:cSld>

--- a/GUI/HanDIYcraft-Web Rough GUI Design-V.2.0.pptx
+++ b/GUI/HanDIYcraft-Web Rough GUI Design-V.2.0.pptx
@@ -37,6 +37,8 @@
     <p:sldId id="296" r:id="rId31"/>
     <p:sldId id="288" r:id="rId32"/>
     <p:sldId id="299" r:id="rId33"/>
+    <p:sldId id="300" r:id="rId34"/>
+    <p:sldId id="301" r:id="rId35"/>
   </p:sldIdLst>
   <p:sldSz cx="9144000" cy="6858000" type="screen4x3"/>
   <p:notesSz cx="6858000" cy="9144000"/>
@@ -319,7 +321,7 @@
           <a:p>
             <a:fld id="{7BE49484-7B62-5B4F-8329-106176ECF3B8}" type="datetimeFigureOut">
               <a:rPr lang="en-US" smtClean="0"/>
-              <a:t>10/13/14 </a:t>
+              <a:t>10/14/14 </a:t>
             </a:fld>
             <a:endParaRPr lang="en-US"/>
           </a:p>
@@ -489,7 +491,7 @@
           <a:p>
             <a:fld id="{7BE49484-7B62-5B4F-8329-106176ECF3B8}" type="datetimeFigureOut">
               <a:rPr lang="en-US" smtClean="0"/>
-              <a:t>10/13/14 </a:t>
+              <a:t>10/14/14 </a:t>
             </a:fld>
             <a:endParaRPr lang="en-US"/>
           </a:p>
@@ -669,7 +671,7 @@
           <a:p>
             <a:fld id="{7BE49484-7B62-5B4F-8329-106176ECF3B8}" type="datetimeFigureOut">
               <a:rPr lang="en-US" smtClean="0"/>
-              <a:t>10/13/14 </a:t>
+              <a:t>10/14/14 </a:t>
             </a:fld>
             <a:endParaRPr lang="en-US"/>
           </a:p>
@@ -839,7 +841,7 @@
           <a:p>
             <a:fld id="{7BE49484-7B62-5B4F-8329-106176ECF3B8}" type="datetimeFigureOut">
               <a:rPr lang="en-US" smtClean="0"/>
-              <a:t>10/13/14 </a:t>
+              <a:t>10/14/14 </a:t>
             </a:fld>
             <a:endParaRPr lang="en-US"/>
           </a:p>
@@ -1085,7 +1087,7 @@
           <a:p>
             <a:fld id="{7BE49484-7B62-5B4F-8329-106176ECF3B8}" type="datetimeFigureOut">
               <a:rPr lang="en-US" smtClean="0"/>
-              <a:t>10/13/14 </a:t>
+              <a:t>10/14/14 </a:t>
             </a:fld>
             <a:endParaRPr lang="en-US"/>
           </a:p>
@@ -1373,7 +1375,7 @@
           <a:p>
             <a:fld id="{7BE49484-7B62-5B4F-8329-106176ECF3B8}" type="datetimeFigureOut">
               <a:rPr lang="en-US" smtClean="0"/>
-              <a:t>10/13/14 </a:t>
+              <a:t>10/14/14 </a:t>
             </a:fld>
             <a:endParaRPr lang="en-US"/>
           </a:p>
@@ -1795,7 +1797,7 @@
           <a:p>
             <a:fld id="{7BE49484-7B62-5B4F-8329-106176ECF3B8}" type="datetimeFigureOut">
               <a:rPr lang="en-US" smtClean="0"/>
-              <a:t>10/13/14 </a:t>
+              <a:t>10/14/14 </a:t>
             </a:fld>
             <a:endParaRPr lang="en-US"/>
           </a:p>
@@ -1913,7 +1915,7 @@
           <a:p>
             <a:fld id="{7BE49484-7B62-5B4F-8329-106176ECF3B8}" type="datetimeFigureOut">
               <a:rPr lang="en-US" smtClean="0"/>
-              <a:t>10/13/14 </a:t>
+              <a:t>10/14/14 </a:t>
             </a:fld>
             <a:endParaRPr lang="en-US"/>
           </a:p>
@@ -2008,7 +2010,7 @@
           <a:p>
             <a:fld id="{7BE49484-7B62-5B4F-8329-106176ECF3B8}" type="datetimeFigureOut">
               <a:rPr lang="en-US" smtClean="0"/>
-              <a:t>10/13/14 </a:t>
+              <a:t>10/14/14 </a:t>
             </a:fld>
             <a:endParaRPr lang="en-US"/>
           </a:p>
@@ -2285,7 +2287,7 @@
           <a:p>
             <a:fld id="{7BE49484-7B62-5B4F-8329-106176ECF3B8}" type="datetimeFigureOut">
               <a:rPr lang="en-US" smtClean="0"/>
-              <a:t>10/13/14 </a:t>
+              <a:t>10/14/14 </a:t>
             </a:fld>
             <a:endParaRPr lang="en-US"/>
           </a:p>
@@ -2538,7 +2540,7 @@
           <a:p>
             <a:fld id="{7BE49484-7B62-5B4F-8329-106176ECF3B8}" type="datetimeFigureOut">
               <a:rPr lang="en-US" smtClean="0"/>
-              <a:t>10/13/14 </a:t>
+              <a:t>10/14/14 </a:t>
             </a:fld>
             <a:endParaRPr lang="en-US"/>
           </a:p>
@@ -2751,7 +2753,7 @@
           <a:p>
             <a:fld id="{7BE49484-7B62-5B4F-8329-106176ECF3B8}" type="datetimeFigureOut">
               <a:rPr lang="en-US" smtClean="0"/>
-              <a:t>10/13/14 </a:t>
+              <a:t>10/14/14 </a:t>
             </a:fld>
             <a:endParaRPr lang="en-US"/>
           </a:p>
@@ -45079,11 +45081,6 @@
               </a:rPr>
               <a:t>I want to ask you about the knitting wools. Is it available in your shop?</a:t>
             </a:r>
-            <a:endParaRPr lang="en-US" dirty="0">
-              <a:solidFill>
-                <a:srgbClr val="000000"/>
-              </a:solidFill>
-            </a:endParaRPr>
           </a:p>
         </p:txBody>
       </p:sp>
@@ -45129,6 +45126,2421 @@
     <p:extLst>
       <p:ext uri="{BB962C8B-B14F-4D97-AF65-F5344CB8AC3E}">
         <p14:creationId xmlns:p14="http://schemas.microsoft.com/office/powerpoint/2010/main" val="658287888"/>
+      </p:ext>
+    </p:extLst>
+  </p:cSld>
+  <p:clrMapOvr>
+    <a:masterClrMapping/>
+  </p:clrMapOvr>
+</p:sld>
+</file>
+
+<file path=ppt/slides/slide33.xml><?xml version="1.0" encoding="utf-8"?>
+<p:sld xmlns:a="http://schemas.openxmlformats.org/drawingml/2006/main" xmlns:r="http://schemas.openxmlformats.org/officeDocument/2006/relationships" xmlns:p="http://schemas.openxmlformats.org/presentationml/2006/main">
+  <p:cSld>
+    <p:spTree>
+      <p:nvGrpSpPr>
+        <p:cNvPr id="1" name=""/>
+        <p:cNvGrpSpPr/>
+        <p:nvPr/>
+      </p:nvGrpSpPr>
+      <p:grpSpPr>
+        <a:xfrm>
+          <a:off x="0" y="0"/>
+          <a:ext cx="0" cy="0"/>
+          <a:chOff x="0" y="0"/>
+          <a:chExt cx="0" cy="0"/>
+        </a:xfrm>
+      </p:grpSpPr>
+      <p:sp>
+        <p:nvSpPr>
+          <p:cNvPr id="5" name="Rounded Rectangle 4"/>
+          <p:cNvSpPr/>
+          <p:nvPr/>
+        </p:nvSpPr>
+        <p:spPr>
+          <a:xfrm>
+            <a:off x="170605" y="492904"/>
+            <a:ext cx="8833593" cy="398115"/>
+          </a:xfrm>
+          <a:prstGeom prst="roundRect">
+            <a:avLst/>
+          </a:prstGeom>
+          <a:solidFill>
+            <a:srgbClr val="D9D9D9"/>
+          </a:solidFill>
+          <a:ln>
+            <a:solidFill>
+              <a:srgbClr val="000000"/>
+            </a:solidFill>
+          </a:ln>
+          <a:effectLst/>
+        </p:spPr>
+        <p:style>
+          <a:lnRef idx="1">
+            <a:schemeClr val="accent1"/>
+          </a:lnRef>
+          <a:fillRef idx="3">
+            <a:schemeClr val="accent1"/>
+          </a:fillRef>
+          <a:effectRef idx="2">
+            <a:schemeClr val="accent1"/>
+          </a:effectRef>
+          <a:fontRef idx="minor">
+            <a:schemeClr val="lt1"/>
+          </a:fontRef>
+        </p:style>
+        <p:txBody>
+          <a:bodyPr rtlCol="0" anchor="ctr"/>
+          <a:lstStyle/>
+          <a:p>
+            <a:pPr algn="ctr"/>
+            <a:endParaRPr lang="en-US" dirty="0"/>
+          </a:p>
+        </p:txBody>
+      </p:sp>
+      <p:sp>
+        <p:nvSpPr>
+          <p:cNvPr id="4" name="Rectangle 3"/>
+          <p:cNvSpPr/>
+          <p:nvPr/>
+        </p:nvSpPr>
+        <p:spPr>
+          <a:xfrm>
+            <a:off x="170605" y="834147"/>
+            <a:ext cx="8833593" cy="5592564"/>
+          </a:xfrm>
+          <a:prstGeom prst="rect">
+            <a:avLst/>
+          </a:prstGeom>
+          <a:solidFill>
+            <a:schemeClr val="bg1"/>
+          </a:solidFill>
+          <a:ln>
+            <a:solidFill>
+              <a:schemeClr val="tx1"/>
+            </a:solidFill>
+          </a:ln>
+          <a:effectLst/>
+        </p:spPr>
+        <p:style>
+          <a:lnRef idx="1">
+            <a:schemeClr val="accent1"/>
+          </a:lnRef>
+          <a:fillRef idx="3">
+            <a:schemeClr val="accent1"/>
+          </a:fillRef>
+          <a:effectRef idx="2">
+            <a:schemeClr val="accent1"/>
+          </a:effectRef>
+          <a:fontRef idx="minor">
+            <a:schemeClr val="lt1"/>
+          </a:fontRef>
+        </p:style>
+        <p:txBody>
+          <a:bodyPr rtlCol="0" anchor="ctr"/>
+          <a:lstStyle/>
+          <a:p>
+            <a:pPr algn="ctr"/>
+            <a:endParaRPr lang="en-US"/>
+          </a:p>
+        </p:txBody>
+      </p:sp>
+      <p:sp>
+        <p:nvSpPr>
+          <p:cNvPr id="7" name="Oval 6"/>
+          <p:cNvSpPr/>
+          <p:nvPr/>
+        </p:nvSpPr>
+        <p:spPr>
+          <a:xfrm>
+            <a:off x="262955" y="598659"/>
+            <a:ext cx="173439" cy="167848"/>
+          </a:xfrm>
+          <a:prstGeom prst="ellipse">
+            <a:avLst/>
+          </a:prstGeom>
+          <a:solidFill>
+            <a:srgbClr val="A6A6A6"/>
+          </a:solidFill>
+          <a:ln>
+            <a:solidFill>
+              <a:srgbClr val="000000"/>
+            </a:solidFill>
+          </a:ln>
+          <a:effectLst/>
+        </p:spPr>
+        <p:style>
+          <a:lnRef idx="1">
+            <a:schemeClr val="accent1"/>
+          </a:lnRef>
+          <a:fillRef idx="3">
+            <a:schemeClr val="accent1"/>
+          </a:fillRef>
+          <a:effectRef idx="2">
+            <a:schemeClr val="accent1"/>
+          </a:effectRef>
+          <a:fontRef idx="minor">
+            <a:schemeClr val="lt1"/>
+          </a:fontRef>
+        </p:style>
+        <p:txBody>
+          <a:bodyPr rtlCol="0" anchor="ctr"/>
+          <a:lstStyle/>
+          <a:p>
+            <a:pPr algn="ctr"/>
+            <a:endParaRPr lang="en-US"/>
+          </a:p>
+        </p:txBody>
+      </p:sp>
+      <p:sp>
+        <p:nvSpPr>
+          <p:cNvPr id="8" name="Oval 7"/>
+          <p:cNvSpPr/>
+          <p:nvPr/>
+        </p:nvSpPr>
+        <p:spPr>
+          <a:xfrm>
+            <a:off x="502074" y="598659"/>
+            <a:ext cx="173439" cy="167848"/>
+          </a:xfrm>
+          <a:prstGeom prst="ellipse">
+            <a:avLst/>
+          </a:prstGeom>
+          <a:solidFill>
+            <a:srgbClr val="A6A6A6"/>
+          </a:solidFill>
+          <a:ln>
+            <a:solidFill>
+              <a:srgbClr val="000000"/>
+            </a:solidFill>
+          </a:ln>
+          <a:effectLst/>
+        </p:spPr>
+        <p:style>
+          <a:lnRef idx="1">
+            <a:schemeClr val="accent1"/>
+          </a:lnRef>
+          <a:fillRef idx="3">
+            <a:schemeClr val="accent1"/>
+          </a:fillRef>
+          <a:effectRef idx="2">
+            <a:schemeClr val="accent1"/>
+          </a:effectRef>
+          <a:fontRef idx="minor">
+            <a:schemeClr val="lt1"/>
+          </a:fontRef>
+        </p:style>
+        <p:txBody>
+          <a:bodyPr rtlCol="0" anchor="ctr"/>
+          <a:lstStyle/>
+          <a:p>
+            <a:pPr algn="ctr"/>
+            <a:endParaRPr lang="en-US"/>
+          </a:p>
+        </p:txBody>
+      </p:sp>
+      <p:sp>
+        <p:nvSpPr>
+          <p:cNvPr id="9" name="Oval 8"/>
+          <p:cNvSpPr/>
+          <p:nvPr/>
+        </p:nvSpPr>
+        <p:spPr>
+          <a:xfrm>
+            <a:off x="739853" y="598659"/>
+            <a:ext cx="173439" cy="167848"/>
+          </a:xfrm>
+          <a:prstGeom prst="ellipse">
+            <a:avLst/>
+          </a:prstGeom>
+          <a:solidFill>
+            <a:srgbClr val="A6A6A6"/>
+          </a:solidFill>
+          <a:ln>
+            <a:solidFill>
+              <a:srgbClr val="000000"/>
+            </a:solidFill>
+          </a:ln>
+          <a:effectLst/>
+        </p:spPr>
+        <p:style>
+          <a:lnRef idx="1">
+            <a:schemeClr val="accent1"/>
+          </a:lnRef>
+          <a:fillRef idx="3">
+            <a:schemeClr val="accent1"/>
+          </a:fillRef>
+          <a:effectRef idx="2">
+            <a:schemeClr val="accent1"/>
+          </a:effectRef>
+          <a:fontRef idx="minor">
+            <a:schemeClr val="lt1"/>
+          </a:fontRef>
+        </p:style>
+        <p:txBody>
+          <a:bodyPr rtlCol="0" anchor="ctr"/>
+          <a:lstStyle/>
+          <a:p>
+            <a:pPr algn="ctr"/>
+            <a:endParaRPr lang="en-US"/>
+          </a:p>
+        </p:txBody>
+      </p:sp>
+      <p:sp>
+        <p:nvSpPr>
+          <p:cNvPr id="11" name="Rectangle 10"/>
+          <p:cNvSpPr/>
+          <p:nvPr/>
+        </p:nvSpPr>
+        <p:spPr>
+          <a:xfrm>
+            <a:off x="1187585" y="1550579"/>
+            <a:ext cx="6779137" cy="4876131"/>
+          </a:xfrm>
+          <a:prstGeom prst="rect">
+            <a:avLst/>
+          </a:prstGeom>
+          <a:solidFill>
+            <a:schemeClr val="bg1"/>
+          </a:solidFill>
+          <a:ln>
+            <a:solidFill>
+              <a:schemeClr val="tx1"/>
+            </a:solidFill>
+          </a:ln>
+          <a:effectLst/>
+        </p:spPr>
+        <p:style>
+          <a:lnRef idx="1">
+            <a:schemeClr val="accent1"/>
+          </a:lnRef>
+          <a:fillRef idx="3">
+            <a:schemeClr val="accent1"/>
+          </a:fillRef>
+          <a:effectRef idx="2">
+            <a:schemeClr val="accent1"/>
+          </a:effectRef>
+          <a:fontRef idx="minor">
+            <a:schemeClr val="lt1"/>
+          </a:fontRef>
+        </p:style>
+        <p:txBody>
+          <a:bodyPr rtlCol="0" anchor="ctr"/>
+          <a:lstStyle/>
+          <a:p>
+            <a:pPr algn="ctr"/>
+            <a:endParaRPr lang="en-US"/>
+          </a:p>
+        </p:txBody>
+      </p:sp>
+      <p:sp>
+        <p:nvSpPr>
+          <p:cNvPr id="22" name="Rectangle 21"/>
+          <p:cNvSpPr/>
+          <p:nvPr/>
+        </p:nvSpPr>
+        <p:spPr>
+          <a:xfrm>
+            <a:off x="8845448" y="834147"/>
+            <a:ext cx="158750" cy="5592564"/>
+          </a:xfrm>
+          <a:prstGeom prst="rect">
+            <a:avLst/>
+          </a:prstGeom>
+          <a:solidFill>
+            <a:srgbClr val="FFFFFF"/>
+          </a:solidFill>
+          <a:ln>
+            <a:solidFill>
+              <a:srgbClr val="000000"/>
+            </a:solidFill>
+          </a:ln>
+          <a:effectLst/>
+        </p:spPr>
+        <p:style>
+          <a:lnRef idx="1">
+            <a:schemeClr val="accent1"/>
+          </a:lnRef>
+          <a:fillRef idx="3">
+            <a:schemeClr val="accent1"/>
+          </a:fillRef>
+          <a:effectRef idx="2">
+            <a:schemeClr val="accent1"/>
+          </a:effectRef>
+          <a:fontRef idx="minor">
+            <a:schemeClr val="lt1"/>
+          </a:fontRef>
+        </p:style>
+        <p:txBody>
+          <a:bodyPr rtlCol="0" anchor="ctr"/>
+          <a:lstStyle/>
+          <a:p>
+            <a:pPr algn="ctr"/>
+            <a:endParaRPr lang="en-US"/>
+          </a:p>
+        </p:txBody>
+      </p:sp>
+      <p:sp>
+        <p:nvSpPr>
+          <p:cNvPr id="23" name="Rounded Rectangle 22"/>
+          <p:cNvSpPr/>
+          <p:nvPr/>
+        </p:nvSpPr>
+        <p:spPr>
+          <a:xfrm>
+            <a:off x="8845448" y="836083"/>
+            <a:ext cx="158750" cy="1727200"/>
+          </a:xfrm>
+          <a:prstGeom prst="roundRect">
+            <a:avLst/>
+          </a:prstGeom>
+          <a:solidFill>
+            <a:schemeClr val="tx1"/>
+          </a:solidFill>
+          <a:ln>
+            <a:solidFill>
+              <a:srgbClr val="000000"/>
+            </a:solidFill>
+          </a:ln>
+        </p:spPr>
+        <p:style>
+          <a:lnRef idx="1">
+            <a:schemeClr val="accent1"/>
+          </a:lnRef>
+          <a:fillRef idx="3">
+            <a:schemeClr val="accent1"/>
+          </a:fillRef>
+          <a:effectRef idx="2">
+            <a:schemeClr val="accent1"/>
+          </a:effectRef>
+          <a:fontRef idx="minor">
+            <a:schemeClr val="lt1"/>
+          </a:fontRef>
+        </p:style>
+        <p:txBody>
+          <a:bodyPr rtlCol="0" anchor="ctr"/>
+          <a:lstStyle/>
+          <a:p>
+            <a:pPr algn="ctr"/>
+            <a:endParaRPr lang="en-US"/>
+          </a:p>
+        </p:txBody>
+      </p:sp>
+      <p:sp>
+        <p:nvSpPr>
+          <p:cNvPr id="74" name="TextBox 73"/>
+          <p:cNvSpPr txBox="1"/>
+          <p:nvPr/>
+        </p:nvSpPr>
+        <p:spPr>
+          <a:xfrm>
+            <a:off x="3635893" y="496565"/>
+            <a:ext cx="2990991" cy="338554"/>
+          </a:xfrm>
+          <a:prstGeom prst="rect">
+            <a:avLst/>
+          </a:prstGeom>
+          <a:noFill/>
+        </p:spPr>
+        <p:txBody>
+          <a:bodyPr wrap="square" rtlCol="0">
+            <a:spAutoFit/>
+          </a:bodyPr>
+          <a:lstStyle/>
+          <a:p>
+            <a:r>
+              <a:rPr lang="en-US" sz="1600" dirty="0" smtClean="0"/>
+              <a:t>HanDIYcraft | Tutorial Detail</a:t>
+            </a:r>
+            <a:endParaRPr lang="en-US" sz="1600" dirty="0"/>
+          </a:p>
+        </p:txBody>
+      </p:sp>
+      <p:sp>
+        <p:nvSpPr>
+          <p:cNvPr id="38" name="TextBox 37"/>
+          <p:cNvSpPr txBox="1"/>
+          <p:nvPr/>
+        </p:nvSpPr>
+        <p:spPr>
+          <a:xfrm>
+            <a:off x="2772377" y="1552780"/>
+            <a:ext cx="3803538" cy="707886"/>
+          </a:xfrm>
+          <a:prstGeom prst="rect">
+            <a:avLst/>
+          </a:prstGeom>
+          <a:noFill/>
+        </p:spPr>
+        <p:txBody>
+          <a:bodyPr wrap="square" rtlCol="0">
+            <a:spAutoFit/>
+          </a:bodyPr>
+          <a:lstStyle/>
+          <a:p>
+            <a:pPr algn="ctr"/>
+            <a:r>
+              <a:rPr lang="en-US" sz="4000" b="1" spc="300" dirty="0" smtClean="0">
+                <a:solidFill>
+                  <a:srgbClr val="000000"/>
+                </a:solidFill>
+                <a:latin typeface="+mj-lt"/>
+                <a:cs typeface="MAW "/>
+              </a:rPr>
+              <a:t>Shop </a:t>
+            </a:r>
+            <a:r>
+              <a:rPr lang="en-US" sz="4000" b="1" spc="300" dirty="0" smtClean="0">
+                <a:solidFill>
+                  <a:srgbClr val="000000"/>
+                </a:solidFill>
+                <a:latin typeface="+mj-lt"/>
+                <a:cs typeface="MAW "/>
+              </a:rPr>
+              <a:t>Name</a:t>
+            </a:r>
+            <a:endParaRPr lang="en-US" sz="4000" b="1" spc="300" dirty="0">
+              <a:solidFill>
+                <a:srgbClr val="000000"/>
+              </a:solidFill>
+              <a:latin typeface="+mj-lt"/>
+              <a:cs typeface="MAW "/>
+            </a:endParaRPr>
+          </a:p>
+        </p:txBody>
+      </p:sp>
+      <p:sp>
+        <p:nvSpPr>
+          <p:cNvPr id="39" name="TextBox 38"/>
+          <p:cNvSpPr txBox="1"/>
+          <p:nvPr/>
+        </p:nvSpPr>
+        <p:spPr>
+          <a:xfrm>
+            <a:off x="3905649" y="2060611"/>
+            <a:ext cx="1570262" cy="400110"/>
+          </a:xfrm>
+          <a:prstGeom prst="rect">
+            <a:avLst/>
+          </a:prstGeom>
+          <a:noFill/>
+        </p:spPr>
+        <p:txBody>
+          <a:bodyPr wrap="none" rtlCol="0">
+            <a:spAutoFit/>
+          </a:bodyPr>
+          <a:lstStyle/>
+          <a:p>
+            <a:r>
+              <a:rPr lang="en-US" sz="2000" dirty="0" smtClean="0">
+                <a:solidFill>
+                  <a:srgbClr val="000000"/>
+                </a:solidFill>
+              </a:rPr>
+              <a:t>By </a:t>
+            </a:r>
+            <a:r>
+              <a:rPr lang="en-US" sz="2000" u="sng" dirty="0" smtClean="0">
+                <a:solidFill>
+                  <a:srgbClr val="000000"/>
+                </a:solidFill>
+              </a:rPr>
+              <a:t>Username</a:t>
+            </a:r>
+            <a:endParaRPr lang="en-US" sz="2000" u="sng" dirty="0">
+              <a:solidFill>
+                <a:srgbClr val="000000"/>
+              </a:solidFill>
+            </a:endParaRPr>
+          </a:p>
+        </p:txBody>
+      </p:sp>
+      <p:cxnSp>
+        <p:nvCxnSpPr>
+          <p:cNvPr id="41" name="Straight Connector 40"/>
+          <p:cNvCxnSpPr/>
+          <p:nvPr/>
+        </p:nvCxnSpPr>
+        <p:spPr>
+          <a:xfrm>
+            <a:off x="1187585" y="2573866"/>
+            <a:ext cx="6779138" cy="0"/>
+          </a:xfrm>
+          <a:prstGeom prst="line">
+            <a:avLst/>
+          </a:prstGeom>
+          <a:ln w="12700" cmpd="sng">
+            <a:solidFill>
+              <a:schemeClr val="tx1"/>
+            </a:solidFill>
+          </a:ln>
+          <a:effectLst/>
+        </p:spPr>
+        <p:style>
+          <a:lnRef idx="2">
+            <a:schemeClr val="accent1"/>
+          </a:lnRef>
+          <a:fillRef idx="0">
+            <a:schemeClr val="accent1"/>
+          </a:fillRef>
+          <a:effectRef idx="1">
+            <a:schemeClr val="accent1"/>
+          </a:effectRef>
+          <a:fontRef idx="minor">
+            <a:schemeClr val="tx1"/>
+          </a:fontRef>
+        </p:style>
+      </p:cxnSp>
+      <p:sp>
+        <p:nvSpPr>
+          <p:cNvPr id="45" name="TextBox 44"/>
+          <p:cNvSpPr txBox="1"/>
+          <p:nvPr/>
+        </p:nvSpPr>
+        <p:spPr>
+          <a:xfrm>
+            <a:off x="2785090" y="2638182"/>
+            <a:ext cx="3723545" cy="1323439"/>
+          </a:xfrm>
+          <a:prstGeom prst="rect">
+            <a:avLst/>
+          </a:prstGeom>
+          <a:noFill/>
+        </p:spPr>
+        <p:txBody>
+          <a:bodyPr wrap="none" rtlCol="0">
+            <a:spAutoFit/>
+          </a:bodyPr>
+          <a:lstStyle/>
+          <a:p>
+            <a:r>
+              <a:rPr lang="en-US" sz="2000" b="1" dirty="0" smtClean="0">
+                <a:solidFill>
+                  <a:srgbClr val="000000"/>
+                </a:solidFill>
+              </a:rPr>
+              <a:t>Branch: </a:t>
+            </a:r>
+            <a:r>
+              <a:rPr lang="en-US" sz="2000" dirty="0" err="1" smtClean="0">
+                <a:solidFill>
+                  <a:srgbClr val="000000"/>
+                </a:solidFill>
+              </a:rPr>
+              <a:t>xxxxxxxxxxxxxxxxxxxxxxxx</a:t>
+            </a:r>
+            <a:endParaRPr lang="en-US" sz="2000" dirty="0" smtClean="0">
+              <a:solidFill>
+                <a:srgbClr val="000000"/>
+              </a:solidFill>
+            </a:endParaRPr>
+          </a:p>
+          <a:p>
+            <a:r>
+              <a:rPr lang="en-US" sz="2000" b="1" dirty="0" smtClean="0">
+                <a:solidFill>
+                  <a:srgbClr val="000000"/>
+                </a:solidFill>
+              </a:rPr>
+              <a:t>Telephone Number: </a:t>
+            </a:r>
+            <a:r>
+              <a:rPr lang="en-US" sz="2000" dirty="0" err="1">
+                <a:solidFill>
+                  <a:srgbClr val="000000"/>
+                </a:solidFill>
+              </a:rPr>
+              <a:t>xxxxxxxxxxxx</a:t>
+            </a:r>
+            <a:endParaRPr lang="en-US" sz="2000" dirty="0">
+              <a:solidFill>
+                <a:srgbClr val="000000"/>
+              </a:solidFill>
+            </a:endParaRPr>
+          </a:p>
+          <a:p>
+            <a:r>
+              <a:rPr lang="en-US" sz="2000" b="1" dirty="0" smtClean="0">
+                <a:solidFill>
+                  <a:srgbClr val="000000"/>
+                </a:solidFill>
+              </a:rPr>
+              <a:t>Information: </a:t>
+            </a:r>
+            <a:r>
+              <a:rPr lang="en-US" sz="2000" dirty="0" err="1" smtClean="0">
+                <a:solidFill>
+                  <a:srgbClr val="000000"/>
+                </a:solidFill>
+              </a:rPr>
+              <a:t>xxxxxxxxxxxxxxxxxxx</a:t>
+            </a:r>
+            <a:endParaRPr lang="en-US" sz="2000" dirty="0" smtClean="0">
+              <a:solidFill>
+                <a:srgbClr val="000000"/>
+              </a:solidFill>
+            </a:endParaRPr>
+          </a:p>
+          <a:p>
+            <a:r>
+              <a:rPr lang="en-US" sz="2000" dirty="0" err="1" smtClean="0">
+                <a:solidFill>
+                  <a:srgbClr val="000000"/>
+                </a:solidFill>
+              </a:rPr>
+              <a:t>xxxxxxxxxxxxxxxxxxxxxxxxxxxxxxxx</a:t>
+            </a:r>
+            <a:endParaRPr lang="en-US" sz="2000" dirty="0">
+              <a:solidFill>
+                <a:srgbClr val="000000"/>
+              </a:solidFill>
+            </a:endParaRPr>
+          </a:p>
+        </p:txBody>
+      </p:sp>
+      <p:sp>
+        <p:nvSpPr>
+          <p:cNvPr id="54" name="Rectangle 53"/>
+          <p:cNvSpPr/>
+          <p:nvPr/>
+        </p:nvSpPr>
+        <p:spPr>
+          <a:xfrm>
+            <a:off x="1187585" y="897670"/>
+            <a:ext cx="1951680" cy="594433"/>
+          </a:xfrm>
+          <a:prstGeom prst="rect">
+            <a:avLst/>
+          </a:prstGeom>
+          <a:solidFill>
+            <a:schemeClr val="bg1"/>
+          </a:solidFill>
+          <a:ln>
+            <a:solidFill>
+              <a:schemeClr val="tx1"/>
+            </a:solidFill>
+          </a:ln>
+          <a:effectLst/>
+        </p:spPr>
+        <p:style>
+          <a:lnRef idx="1">
+            <a:schemeClr val="accent1"/>
+          </a:lnRef>
+          <a:fillRef idx="3">
+            <a:schemeClr val="accent1"/>
+          </a:fillRef>
+          <a:effectRef idx="2">
+            <a:schemeClr val="accent1"/>
+          </a:effectRef>
+          <a:fontRef idx="minor">
+            <a:schemeClr val="lt1"/>
+          </a:fontRef>
+        </p:style>
+        <p:txBody>
+          <a:bodyPr rtlCol="0" anchor="ctr"/>
+          <a:lstStyle/>
+          <a:p>
+            <a:pPr algn="ctr"/>
+            <a:r>
+              <a:rPr lang="en-US" sz="2800" dirty="0" smtClean="0">
+                <a:solidFill>
+                  <a:srgbClr val="000000"/>
+                </a:solidFill>
+              </a:rPr>
+              <a:t>LOGO</a:t>
+            </a:r>
+            <a:endParaRPr lang="en-US" sz="2800" dirty="0">
+              <a:solidFill>
+                <a:srgbClr val="000000"/>
+              </a:solidFill>
+            </a:endParaRPr>
+          </a:p>
+        </p:txBody>
+      </p:sp>
+      <p:pic>
+        <p:nvPicPr>
+          <p:cNvPr id="55" name="Picture 54" descr="home1.png"/>
+          <p:cNvPicPr>
+            <a:picLocks noChangeAspect="1"/>
+          </p:cNvPicPr>
+          <p:nvPr/>
+        </p:nvPicPr>
+        <p:blipFill>
+          <a:blip r:embed="rId2">
+            <a:biLevel thresh="75000"/>
+            <a:extLst>
+              <a:ext uri="{BEBA8EAE-BF5A-486C-A8C5-ECC9F3942E4B}">
+                <a14:imgProps xmlns:a14="http://schemas.microsoft.com/office/drawing/2010/main">
+                  <a14:imgLayer r:embed="rId3">
+                    <a14:imgEffect>
+                      <a14:brightnessContrast bright="-100000"/>
+                    </a14:imgEffect>
+                  </a14:imgLayer>
+                </a14:imgProps>
+              </a:ext>
+              <a:ext uri="{28A0092B-C50C-407E-A947-70E740481C1C}">
+                <a14:useLocalDpi xmlns:a14="http://schemas.microsoft.com/office/drawing/2010/main" val="0"/>
+              </a:ext>
+            </a:extLst>
+          </a:blip>
+          <a:stretch>
+            <a:fillRect/>
+          </a:stretch>
+        </p:blipFill>
+        <p:spPr>
+          <a:xfrm>
+            <a:off x="3573381" y="934195"/>
+            <a:ext cx="541269" cy="541269"/>
+          </a:xfrm>
+          <a:prstGeom prst="rect">
+            <a:avLst/>
+          </a:prstGeom>
+          <a:noFill/>
+        </p:spPr>
+      </p:pic>
+      <p:sp>
+        <p:nvSpPr>
+          <p:cNvPr id="56" name="Heart 55"/>
+          <p:cNvSpPr/>
+          <p:nvPr/>
+        </p:nvSpPr>
+        <p:spPr>
+          <a:xfrm>
+            <a:off x="4182953" y="1100154"/>
+            <a:ext cx="277739" cy="243182"/>
+          </a:xfrm>
+          <a:prstGeom prst="heart">
+            <a:avLst/>
+          </a:prstGeom>
+          <a:solidFill>
+            <a:schemeClr val="tx1"/>
+          </a:solidFill>
+          <a:ln>
+            <a:noFill/>
+          </a:ln>
+          <a:effectLst/>
+        </p:spPr>
+        <p:style>
+          <a:lnRef idx="1">
+            <a:schemeClr val="accent1"/>
+          </a:lnRef>
+          <a:fillRef idx="3">
+            <a:schemeClr val="accent1"/>
+          </a:fillRef>
+          <a:effectRef idx="2">
+            <a:schemeClr val="accent1"/>
+          </a:effectRef>
+          <a:fontRef idx="minor">
+            <a:schemeClr val="lt1"/>
+          </a:fontRef>
+        </p:style>
+        <p:txBody>
+          <a:bodyPr rtlCol="0" anchor="ctr"/>
+          <a:lstStyle/>
+          <a:p>
+            <a:pPr algn="ctr"/>
+            <a:endParaRPr lang="en-US"/>
+          </a:p>
+        </p:txBody>
+      </p:sp>
+      <p:pic>
+        <p:nvPicPr>
+          <p:cNvPr id="57" name="Picture 56" descr="create1.png"/>
+          <p:cNvPicPr>
+            <a:picLocks noChangeAspect="1"/>
+          </p:cNvPicPr>
+          <p:nvPr/>
+        </p:nvPicPr>
+        <p:blipFill>
+          <a:blip r:embed="rId4">
+            <a:biLevel thresh="75000"/>
+            <a:extLst>
+              <a:ext uri="{BEBA8EAE-BF5A-486C-A8C5-ECC9F3942E4B}">
+                <a14:imgProps xmlns:a14="http://schemas.microsoft.com/office/drawing/2010/main">
+                  <a14:imgLayer r:embed="rId5">
+                    <a14:imgEffect>
+                      <a14:brightnessContrast bright="-100000"/>
+                    </a14:imgEffect>
+                  </a14:imgLayer>
+                </a14:imgProps>
+              </a:ext>
+              <a:ext uri="{28A0092B-C50C-407E-A947-70E740481C1C}">
+                <a14:useLocalDpi xmlns:a14="http://schemas.microsoft.com/office/drawing/2010/main" val="0"/>
+              </a:ext>
+            </a:extLst>
+          </a:blip>
+          <a:stretch>
+            <a:fillRect/>
+          </a:stretch>
+        </p:blipFill>
+        <p:spPr>
+          <a:xfrm rot="900000">
+            <a:off x="4637804" y="1042717"/>
+            <a:ext cx="339599" cy="339599"/>
+          </a:xfrm>
+          <a:prstGeom prst="rect">
+            <a:avLst/>
+          </a:prstGeom>
+        </p:spPr>
+      </p:pic>
+      <p:pic>
+        <p:nvPicPr>
+          <p:cNvPr id="58" name="Picture 57" descr="Untitled-1.png"/>
+          <p:cNvPicPr>
+            <a:picLocks noChangeAspect="1"/>
+          </p:cNvPicPr>
+          <p:nvPr/>
+        </p:nvPicPr>
+        <p:blipFill>
+          <a:blip r:embed="rId6">
+            <a:biLevel thresh="75000"/>
+            <a:extLst>
+              <a:ext uri="{28A0092B-C50C-407E-A947-70E740481C1C}">
+                <a14:useLocalDpi xmlns:a14="http://schemas.microsoft.com/office/drawing/2010/main" val="0"/>
+              </a:ext>
+            </a:extLst>
+          </a:blip>
+          <a:stretch>
+            <a:fillRect/>
+          </a:stretch>
+        </p:blipFill>
+        <p:spPr>
+          <a:xfrm>
+            <a:off x="5063190" y="1004555"/>
+            <a:ext cx="380550" cy="380550"/>
+          </a:xfrm>
+          <a:prstGeom prst="rect">
+            <a:avLst/>
+          </a:prstGeom>
+        </p:spPr>
+      </p:pic>
+      <p:pic>
+        <p:nvPicPr>
+          <p:cNvPr id="59" name="Picture 58" descr="power icon.jpg"/>
+          <p:cNvPicPr>
+            <a:picLocks noChangeAspect="1"/>
+          </p:cNvPicPr>
+          <p:nvPr/>
+        </p:nvPicPr>
+        <p:blipFill>
+          <a:blip r:embed="rId7">
+            <a:extLst>
+              <a:ext uri="{28A0092B-C50C-407E-A947-70E740481C1C}">
+                <a14:useLocalDpi xmlns:a14="http://schemas.microsoft.com/office/drawing/2010/main" val="0"/>
+              </a:ext>
+            </a:extLst>
+          </a:blip>
+          <a:stretch>
+            <a:fillRect/>
+          </a:stretch>
+        </p:blipFill>
+        <p:spPr>
+          <a:xfrm>
+            <a:off x="6905130" y="1083658"/>
+            <a:ext cx="243224" cy="268459"/>
+          </a:xfrm>
+          <a:prstGeom prst="rect">
+            <a:avLst/>
+          </a:prstGeom>
+        </p:spPr>
+      </p:pic>
+      <p:sp>
+        <p:nvSpPr>
+          <p:cNvPr id="60" name="Isosceles Triangle 59"/>
+          <p:cNvSpPr/>
+          <p:nvPr/>
+        </p:nvSpPr>
+        <p:spPr>
+          <a:xfrm>
+            <a:off x="3676602" y="1344222"/>
+            <a:ext cx="338529" cy="206357"/>
+          </a:xfrm>
+          <a:prstGeom prst="triangle">
+            <a:avLst/>
+          </a:prstGeom>
+          <a:solidFill>
+            <a:schemeClr val="bg1"/>
+          </a:solidFill>
+          <a:ln>
+            <a:solidFill>
+              <a:schemeClr val="tx1"/>
+            </a:solidFill>
+          </a:ln>
+          <a:effectLst/>
+        </p:spPr>
+        <p:style>
+          <a:lnRef idx="1">
+            <a:schemeClr val="accent1"/>
+          </a:lnRef>
+          <a:fillRef idx="3">
+            <a:schemeClr val="accent1"/>
+          </a:fillRef>
+          <a:effectRef idx="2">
+            <a:schemeClr val="accent1"/>
+          </a:effectRef>
+          <a:fontRef idx="minor">
+            <a:schemeClr val="lt1"/>
+          </a:fontRef>
+        </p:style>
+        <p:txBody>
+          <a:bodyPr rtlCol="0" anchor="ctr"/>
+          <a:lstStyle/>
+          <a:p>
+            <a:pPr algn="ctr"/>
+            <a:endParaRPr lang="en-US"/>
+          </a:p>
+        </p:txBody>
+      </p:sp>
+      <p:sp>
+        <p:nvSpPr>
+          <p:cNvPr id="61" name="Rectangle 60"/>
+          <p:cNvSpPr/>
+          <p:nvPr/>
+        </p:nvSpPr>
+        <p:spPr>
+          <a:xfrm>
+            <a:off x="3697422" y="1525937"/>
+            <a:ext cx="288880" cy="72448"/>
+          </a:xfrm>
+          <a:prstGeom prst="rect">
+            <a:avLst/>
+          </a:prstGeom>
+          <a:solidFill>
+            <a:schemeClr val="bg1"/>
+          </a:solidFill>
+          <a:ln>
+            <a:noFill/>
+          </a:ln>
+          <a:effectLst/>
+        </p:spPr>
+        <p:style>
+          <a:lnRef idx="1">
+            <a:schemeClr val="accent1"/>
+          </a:lnRef>
+          <a:fillRef idx="3">
+            <a:schemeClr val="accent1"/>
+          </a:fillRef>
+          <a:effectRef idx="2">
+            <a:schemeClr val="accent1"/>
+          </a:effectRef>
+          <a:fontRef idx="minor">
+            <a:schemeClr val="lt1"/>
+          </a:fontRef>
+        </p:style>
+        <p:txBody>
+          <a:bodyPr rtlCol="0" anchor="ctr"/>
+          <a:lstStyle/>
+          <a:p>
+            <a:pPr algn="ctr"/>
+            <a:endParaRPr lang="en-US"/>
+          </a:p>
+        </p:txBody>
+      </p:sp>
+      <p:sp>
+        <p:nvSpPr>
+          <p:cNvPr id="62" name="Rounded Rectangle 61"/>
+          <p:cNvSpPr/>
+          <p:nvPr/>
+        </p:nvSpPr>
+        <p:spPr>
+          <a:xfrm>
+            <a:off x="7212503" y="1085664"/>
+            <a:ext cx="728750" cy="257672"/>
+          </a:xfrm>
+          <a:prstGeom prst="roundRect">
+            <a:avLst/>
+          </a:prstGeom>
+          <a:noFill/>
+          <a:ln>
+            <a:solidFill>
+              <a:schemeClr val="tx1"/>
+            </a:solidFill>
+          </a:ln>
+          <a:effectLst/>
+        </p:spPr>
+        <p:style>
+          <a:lnRef idx="1">
+            <a:schemeClr val="accent1"/>
+          </a:lnRef>
+          <a:fillRef idx="3">
+            <a:schemeClr val="accent1"/>
+          </a:fillRef>
+          <a:effectRef idx="2">
+            <a:schemeClr val="accent1"/>
+          </a:effectRef>
+          <a:fontRef idx="minor">
+            <a:schemeClr val="lt1"/>
+          </a:fontRef>
+        </p:style>
+        <p:txBody>
+          <a:bodyPr rtlCol="0" anchor="ctr"/>
+          <a:lstStyle/>
+          <a:p>
+            <a:pPr algn="ctr"/>
+            <a:r>
+              <a:rPr lang="en-US" sz="1100" dirty="0" smtClean="0">
+                <a:solidFill>
+                  <a:srgbClr val="000000"/>
+                </a:solidFill>
+                <a:latin typeface="+mj-lt"/>
+                <a:cs typeface="MAW "/>
+              </a:rPr>
+              <a:t>Log out</a:t>
+            </a:r>
+            <a:endParaRPr lang="en-US" sz="1100" dirty="0">
+              <a:solidFill>
+                <a:srgbClr val="000000"/>
+              </a:solidFill>
+              <a:latin typeface="+mj-lt"/>
+              <a:cs typeface="MAW "/>
+            </a:endParaRPr>
+          </a:p>
+        </p:txBody>
+      </p:sp>
+      <p:sp>
+        <p:nvSpPr>
+          <p:cNvPr id="63" name="Rounded Rectangular Callout 62"/>
+          <p:cNvSpPr/>
+          <p:nvPr/>
+        </p:nvSpPr>
+        <p:spPr>
+          <a:xfrm>
+            <a:off x="5602547" y="1083718"/>
+            <a:ext cx="292335" cy="227940"/>
+          </a:xfrm>
+          <a:prstGeom prst="wedgeRoundRectCallout">
+            <a:avLst>
+              <a:gd name="adj1" fmla="val 35167"/>
+              <a:gd name="adj2" fmla="val 73720"/>
+              <a:gd name="adj3" fmla="val 16667"/>
+            </a:avLst>
+          </a:prstGeom>
+          <a:solidFill>
+            <a:schemeClr val="tx1">
+              <a:lumMod val="95000"/>
+              <a:lumOff val="5000"/>
+            </a:schemeClr>
+          </a:solidFill>
+          <a:ln>
+            <a:noFill/>
+          </a:ln>
+          <a:effectLst/>
+        </p:spPr>
+        <p:style>
+          <a:lnRef idx="1">
+            <a:schemeClr val="accent1"/>
+          </a:lnRef>
+          <a:fillRef idx="3">
+            <a:schemeClr val="accent1"/>
+          </a:fillRef>
+          <a:effectRef idx="2">
+            <a:schemeClr val="accent1"/>
+          </a:effectRef>
+          <a:fontRef idx="minor">
+            <a:schemeClr val="lt1"/>
+          </a:fontRef>
+        </p:style>
+        <p:txBody>
+          <a:bodyPr rtlCol="0" anchor="ctr"/>
+          <a:lstStyle/>
+          <a:p>
+            <a:pPr algn="ctr"/>
+            <a:endParaRPr lang="en-US"/>
+          </a:p>
+        </p:txBody>
+      </p:sp>
+      <p:sp>
+        <p:nvSpPr>
+          <p:cNvPr id="33" name="Rectangle 32"/>
+          <p:cNvSpPr/>
+          <p:nvPr/>
+        </p:nvSpPr>
+        <p:spPr>
+          <a:xfrm>
+            <a:off x="2890750" y="4297951"/>
+            <a:ext cx="3496781" cy="2128759"/>
+          </a:xfrm>
+          <a:prstGeom prst="rect">
+            <a:avLst/>
+          </a:prstGeom>
+          <a:noFill/>
+          <a:ln>
+            <a:solidFill>
+              <a:schemeClr val="tx1"/>
+            </a:solidFill>
+          </a:ln>
+          <a:effectLst/>
+        </p:spPr>
+        <p:style>
+          <a:lnRef idx="1">
+            <a:schemeClr val="accent1"/>
+          </a:lnRef>
+          <a:fillRef idx="3">
+            <a:schemeClr val="accent1"/>
+          </a:fillRef>
+          <a:effectRef idx="2">
+            <a:schemeClr val="accent1"/>
+          </a:effectRef>
+          <a:fontRef idx="minor">
+            <a:schemeClr val="lt1"/>
+          </a:fontRef>
+        </p:style>
+        <p:txBody>
+          <a:bodyPr rtlCol="0" anchor="ctr"/>
+          <a:lstStyle/>
+          <a:p>
+            <a:pPr algn="ctr"/>
+            <a:endParaRPr lang="en-US"/>
+          </a:p>
+        </p:txBody>
+      </p:sp>
+      <p:cxnSp>
+        <p:nvCxnSpPr>
+          <p:cNvPr id="34" name="Straight Connector 33"/>
+          <p:cNvCxnSpPr/>
+          <p:nvPr/>
+        </p:nvCxnSpPr>
+        <p:spPr>
+          <a:xfrm>
+            <a:off x="2890750" y="4297951"/>
+            <a:ext cx="3496781" cy="2128759"/>
+          </a:xfrm>
+          <a:prstGeom prst="line">
+            <a:avLst/>
+          </a:prstGeom>
+          <a:ln w="38100" cmpd="sng">
+            <a:solidFill>
+              <a:schemeClr val="tx1"/>
+            </a:solidFill>
+          </a:ln>
+          <a:effectLst/>
+        </p:spPr>
+        <p:style>
+          <a:lnRef idx="2">
+            <a:schemeClr val="accent1"/>
+          </a:lnRef>
+          <a:fillRef idx="0">
+            <a:schemeClr val="accent1"/>
+          </a:fillRef>
+          <a:effectRef idx="1">
+            <a:schemeClr val="accent1"/>
+          </a:effectRef>
+          <a:fontRef idx="minor">
+            <a:schemeClr val="tx1"/>
+          </a:fontRef>
+        </p:style>
+      </p:cxnSp>
+      <p:cxnSp>
+        <p:nvCxnSpPr>
+          <p:cNvPr id="35" name="Straight Connector 34"/>
+          <p:cNvCxnSpPr/>
+          <p:nvPr/>
+        </p:nvCxnSpPr>
+        <p:spPr>
+          <a:xfrm flipV="1">
+            <a:off x="2890750" y="4297951"/>
+            <a:ext cx="3496781" cy="2121548"/>
+          </a:xfrm>
+          <a:prstGeom prst="line">
+            <a:avLst/>
+          </a:prstGeom>
+          <a:ln w="38100" cmpd="sng">
+            <a:solidFill>
+              <a:schemeClr val="tx1"/>
+            </a:solidFill>
+          </a:ln>
+          <a:effectLst/>
+        </p:spPr>
+        <p:style>
+          <a:lnRef idx="2">
+            <a:schemeClr val="accent1"/>
+          </a:lnRef>
+          <a:fillRef idx="0">
+            <a:schemeClr val="accent1"/>
+          </a:fillRef>
+          <a:effectRef idx="1">
+            <a:schemeClr val="accent1"/>
+          </a:effectRef>
+          <a:fontRef idx="minor">
+            <a:schemeClr val="tx1"/>
+          </a:fontRef>
+        </p:style>
+      </p:cxnSp>
+      <p:sp>
+        <p:nvSpPr>
+          <p:cNvPr id="47" name="Rounded Rectangle 46"/>
+          <p:cNvSpPr/>
+          <p:nvPr/>
+        </p:nvSpPr>
+        <p:spPr>
+          <a:xfrm>
+            <a:off x="6680294" y="1655766"/>
+            <a:ext cx="1166467" cy="375271"/>
+          </a:xfrm>
+          <a:prstGeom prst="roundRect">
+            <a:avLst/>
+          </a:prstGeom>
+          <a:solidFill>
+            <a:schemeClr val="tx1"/>
+          </a:solidFill>
+          <a:ln>
+            <a:solidFill>
+              <a:schemeClr val="tx1"/>
+            </a:solidFill>
+          </a:ln>
+          <a:effectLst/>
+        </p:spPr>
+        <p:style>
+          <a:lnRef idx="1">
+            <a:schemeClr val="accent1"/>
+          </a:lnRef>
+          <a:fillRef idx="3">
+            <a:schemeClr val="accent1"/>
+          </a:fillRef>
+          <a:effectRef idx="2">
+            <a:schemeClr val="accent1"/>
+          </a:effectRef>
+          <a:fontRef idx="minor">
+            <a:schemeClr val="lt1"/>
+          </a:fontRef>
+        </p:style>
+        <p:txBody>
+          <a:bodyPr rtlCol="0" anchor="ctr"/>
+          <a:lstStyle/>
+          <a:p>
+            <a:pPr algn="ctr"/>
+            <a:r>
+              <a:rPr lang="en-US" dirty="0" smtClean="0">
+                <a:solidFill>
+                  <a:schemeClr val="bg1"/>
+                </a:solidFill>
+              </a:rPr>
+              <a:t>Location</a:t>
+            </a:r>
+            <a:endParaRPr lang="en-US" dirty="0">
+              <a:solidFill>
+                <a:schemeClr val="bg1"/>
+              </a:solidFill>
+            </a:endParaRPr>
+          </a:p>
+        </p:txBody>
+      </p:sp>
+    </p:spTree>
+    <p:extLst>
+      <p:ext uri="{BB962C8B-B14F-4D97-AF65-F5344CB8AC3E}">
+        <p14:creationId xmlns:p14="http://schemas.microsoft.com/office/powerpoint/2010/main" val="119161728"/>
+      </p:ext>
+    </p:extLst>
+  </p:cSld>
+  <p:clrMapOvr>
+    <a:masterClrMapping/>
+  </p:clrMapOvr>
+</p:sld>
+</file>
+
+<file path=ppt/slides/slide34.xml><?xml version="1.0" encoding="utf-8"?>
+<p:sld xmlns:a="http://schemas.openxmlformats.org/drawingml/2006/main" xmlns:r="http://schemas.openxmlformats.org/officeDocument/2006/relationships" xmlns:p="http://schemas.openxmlformats.org/presentationml/2006/main">
+  <p:cSld>
+    <p:spTree>
+      <p:nvGrpSpPr>
+        <p:cNvPr id="1" name=""/>
+        <p:cNvGrpSpPr/>
+        <p:nvPr/>
+      </p:nvGrpSpPr>
+      <p:grpSpPr>
+        <a:xfrm>
+          <a:off x="0" y="0"/>
+          <a:ext cx="0" cy="0"/>
+          <a:chOff x="0" y="0"/>
+          <a:chExt cx="0" cy="0"/>
+        </a:xfrm>
+      </p:grpSpPr>
+      <p:sp>
+        <p:nvSpPr>
+          <p:cNvPr id="5" name="Rounded Rectangle 4"/>
+          <p:cNvSpPr/>
+          <p:nvPr/>
+        </p:nvSpPr>
+        <p:spPr>
+          <a:xfrm>
+            <a:off x="170605" y="492904"/>
+            <a:ext cx="8833593" cy="398115"/>
+          </a:xfrm>
+          <a:prstGeom prst="roundRect">
+            <a:avLst/>
+          </a:prstGeom>
+          <a:solidFill>
+            <a:srgbClr val="D9D9D9"/>
+          </a:solidFill>
+          <a:ln>
+            <a:solidFill>
+              <a:srgbClr val="000000"/>
+            </a:solidFill>
+          </a:ln>
+          <a:effectLst/>
+        </p:spPr>
+        <p:style>
+          <a:lnRef idx="1">
+            <a:schemeClr val="accent1"/>
+          </a:lnRef>
+          <a:fillRef idx="3">
+            <a:schemeClr val="accent1"/>
+          </a:fillRef>
+          <a:effectRef idx="2">
+            <a:schemeClr val="accent1"/>
+          </a:effectRef>
+          <a:fontRef idx="minor">
+            <a:schemeClr val="lt1"/>
+          </a:fontRef>
+        </p:style>
+        <p:txBody>
+          <a:bodyPr rtlCol="0" anchor="ctr"/>
+          <a:lstStyle/>
+          <a:p>
+            <a:pPr algn="ctr"/>
+            <a:endParaRPr lang="en-US" dirty="0"/>
+          </a:p>
+        </p:txBody>
+      </p:sp>
+      <p:sp>
+        <p:nvSpPr>
+          <p:cNvPr id="4" name="Rectangle 3"/>
+          <p:cNvSpPr/>
+          <p:nvPr/>
+        </p:nvSpPr>
+        <p:spPr>
+          <a:xfrm>
+            <a:off x="170605" y="834147"/>
+            <a:ext cx="8833593" cy="5592564"/>
+          </a:xfrm>
+          <a:prstGeom prst="rect">
+            <a:avLst/>
+          </a:prstGeom>
+          <a:solidFill>
+            <a:schemeClr val="bg1"/>
+          </a:solidFill>
+          <a:ln>
+            <a:solidFill>
+              <a:schemeClr val="tx1"/>
+            </a:solidFill>
+          </a:ln>
+          <a:effectLst/>
+        </p:spPr>
+        <p:style>
+          <a:lnRef idx="1">
+            <a:schemeClr val="accent1"/>
+          </a:lnRef>
+          <a:fillRef idx="3">
+            <a:schemeClr val="accent1"/>
+          </a:fillRef>
+          <a:effectRef idx="2">
+            <a:schemeClr val="accent1"/>
+          </a:effectRef>
+          <a:fontRef idx="minor">
+            <a:schemeClr val="lt1"/>
+          </a:fontRef>
+        </p:style>
+        <p:txBody>
+          <a:bodyPr rtlCol="0" anchor="ctr"/>
+          <a:lstStyle/>
+          <a:p>
+            <a:pPr algn="ctr"/>
+            <a:endParaRPr lang="en-US"/>
+          </a:p>
+        </p:txBody>
+      </p:sp>
+      <p:sp>
+        <p:nvSpPr>
+          <p:cNvPr id="7" name="Oval 6"/>
+          <p:cNvSpPr/>
+          <p:nvPr/>
+        </p:nvSpPr>
+        <p:spPr>
+          <a:xfrm>
+            <a:off x="262955" y="598659"/>
+            <a:ext cx="173439" cy="167848"/>
+          </a:xfrm>
+          <a:prstGeom prst="ellipse">
+            <a:avLst/>
+          </a:prstGeom>
+          <a:solidFill>
+            <a:srgbClr val="A6A6A6"/>
+          </a:solidFill>
+          <a:ln>
+            <a:solidFill>
+              <a:srgbClr val="000000"/>
+            </a:solidFill>
+          </a:ln>
+          <a:effectLst/>
+        </p:spPr>
+        <p:style>
+          <a:lnRef idx="1">
+            <a:schemeClr val="accent1"/>
+          </a:lnRef>
+          <a:fillRef idx="3">
+            <a:schemeClr val="accent1"/>
+          </a:fillRef>
+          <a:effectRef idx="2">
+            <a:schemeClr val="accent1"/>
+          </a:effectRef>
+          <a:fontRef idx="minor">
+            <a:schemeClr val="lt1"/>
+          </a:fontRef>
+        </p:style>
+        <p:txBody>
+          <a:bodyPr rtlCol="0" anchor="ctr"/>
+          <a:lstStyle/>
+          <a:p>
+            <a:pPr algn="ctr"/>
+            <a:endParaRPr lang="en-US"/>
+          </a:p>
+        </p:txBody>
+      </p:sp>
+      <p:sp>
+        <p:nvSpPr>
+          <p:cNvPr id="8" name="Oval 7"/>
+          <p:cNvSpPr/>
+          <p:nvPr/>
+        </p:nvSpPr>
+        <p:spPr>
+          <a:xfrm>
+            <a:off x="502074" y="598659"/>
+            <a:ext cx="173439" cy="167848"/>
+          </a:xfrm>
+          <a:prstGeom prst="ellipse">
+            <a:avLst/>
+          </a:prstGeom>
+          <a:solidFill>
+            <a:srgbClr val="A6A6A6"/>
+          </a:solidFill>
+          <a:ln>
+            <a:solidFill>
+              <a:srgbClr val="000000"/>
+            </a:solidFill>
+          </a:ln>
+          <a:effectLst/>
+        </p:spPr>
+        <p:style>
+          <a:lnRef idx="1">
+            <a:schemeClr val="accent1"/>
+          </a:lnRef>
+          <a:fillRef idx="3">
+            <a:schemeClr val="accent1"/>
+          </a:fillRef>
+          <a:effectRef idx="2">
+            <a:schemeClr val="accent1"/>
+          </a:effectRef>
+          <a:fontRef idx="minor">
+            <a:schemeClr val="lt1"/>
+          </a:fontRef>
+        </p:style>
+        <p:txBody>
+          <a:bodyPr rtlCol="0" anchor="ctr"/>
+          <a:lstStyle/>
+          <a:p>
+            <a:pPr algn="ctr"/>
+            <a:endParaRPr lang="en-US"/>
+          </a:p>
+        </p:txBody>
+      </p:sp>
+      <p:sp>
+        <p:nvSpPr>
+          <p:cNvPr id="9" name="Oval 8"/>
+          <p:cNvSpPr/>
+          <p:nvPr/>
+        </p:nvSpPr>
+        <p:spPr>
+          <a:xfrm>
+            <a:off x="739853" y="598659"/>
+            <a:ext cx="173439" cy="167848"/>
+          </a:xfrm>
+          <a:prstGeom prst="ellipse">
+            <a:avLst/>
+          </a:prstGeom>
+          <a:solidFill>
+            <a:srgbClr val="A6A6A6"/>
+          </a:solidFill>
+          <a:ln>
+            <a:solidFill>
+              <a:srgbClr val="000000"/>
+            </a:solidFill>
+          </a:ln>
+          <a:effectLst/>
+        </p:spPr>
+        <p:style>
+          <a:lnRef idx="1">
+            <a:schemeClr val="accent1"/>
+          </a:lnRef>
+          <a:fillRef idx="3">
+            <a:schemeClr val="accent1"/>
+          </a:fillRef>
+          <a:effectRef idx="2">
+            <a:schemeClr val="accent1"/>
+          </a:effectRef>
+          <a:fontRef idx="minor">
+            <a:schemeClr val="lt1"/>
+          </a:fontRef>
+        </p:style>
+        <p:txBody>
+          <a:bodyPr rtlCol="0" anchor="ctr"/>
+          <a:lstStyle/>
+          <a:p>
+            <a:pPr algn="ctr"/>
+            <a:endParaRPr lang="en-US"/>
+          </a:p>
+        </p:txBody>
+      </p:sp>
+      <p:sp>
+        <p:nvSpPr>
+          <p:cNvPr id="11" name="Rectangle 10"/>
+          <p:cNvSpPr/>
+          <p:nvPr/>
+        </p:nvSpPr>
+        <p:spPr>
+          <a:xfrm>
+            <a:off x="1187585" y="1550579"/>
+            <a:ext cx="6779137" cy="4876131"/>
+          </a:xfrm>
+          <a:prstGeom prst="rect">
+            <a:avLst/>
+          </a:prstGeom>
+          <a:solidFill>
+            <a:schemeClr val="bg1"/>
+          </a:solidFill>
+          <a:ln>
+            <a:solidFill>
+              <a:schemeClr val="tx1"/>
+            </a:solidFill>
+          </a:ln>
+          <a:effectLst/>
+        </p:spPr>
+        <p:style>
+          <a:lnRef idx="1">
+            <a:schemeClr val="accent1"/>
+          </a:lnRef>
+          <a:fillRef idx="3">
+            <a:schemeClr val="accent1"/>
+          </a:fillRef>
+          <a:effectRef idx="2">
+            <a:schemeClr val="accent1"/>
+          </a:effectRef>
+          <a:fontRef idx="minor">
+            <a:schemeClr val="lt1"/>
+          </a:fontRef>
+        </p:style>
+        <p:txBody>
+          <a:bodyPr rtlCol="0" anchor="ctr"/>
+          <a:lstStyle/>
+          <a:p>
+            <a:pPr algn="ctr"/>
+            <a:endParaRPr lang="en-US"/>
+          </a:p>
+        </p:txBody>
+      </p:sp>
+      <p:sp>
+        <p:nvSpPr>
+          <p:cNvPr id="22" name="Rectangle 21"/>
+          <p:cNvSpPr/>
+          <p:nvPr/>
+        </p:nvSpPr>
+        <p:spPr>
+          <a:xfrm>
+            <a:off x="8845448" y="834147"/>
+            <a:ext cx="158750" cy="5592564"/>
+          </a:xfrm>
+          <a:prstGeom prst="rect">
+            <a:avLst/>
+          </a:prstGeom>
+          <a:solidFill>
+            <a:srgbClr val="FFFFFF"/>
+          </a:solidFill>
+          <a:ln>
+            <a:solidFill>
+              <a:srgbClr val="000000"/>
+            </a:solidFill>
+          </a:ln>
+          <a:effectLst/>
+        </p:spPr>
+        <p:style>
+          <a:lnRef idx="1">
+            <a:schemeClr val="accent1"/>
+          </a:lnRef>
+          <a:fillRef idx="3">
+            <a:schemeClr val="accent1"/>
+          </a:fillRef>
+          <a:effectRef idx="2">
+            <a:schemeClr val="accent1"/>
+          </a:effectRef>
+          <a:fontRef idx="minor">
+            <a:schemeClr val="lt1"/>
+          </a:fontRef>
+        </p:style>
+        <p:txBody>
+          <a:bodyPr rtlCol="0" anchor="ctr"/>
+          <a:lstStyle/>
+          <a:p>
+            <a:pPr algn="ctr"/>
+            <a:endParaRPr lang="en-US"/>
+          </a:p>
+        </p:txBody>
+      </p:sp>
+      <p:sp>
+        <p:nvSpPr>
+          <p:cNvPr id="23" name="Rounded Rectangle 22"/>
+          <p:cNvSpPr/>
+          <p:nvPr/>
+        </p:nvSpPr>
+        <p:spPr>
+          <a:xfrm>
+            <a:off x="8845448" y="836083"/>
+            <a:ext cx="158750" cy="1727200"/>
+          </a:xfrm>
+          <a:prstGeom prst="roundRect">
+            <a:avLst/>
+          </a:prstGeom>
+          <a:solidFill>
+            <a:schemeClr val="tx1"/>
+          </a:solidFill>
+          <a:ln>
+            <a:solidFill>
+              <a:srgbClr val="000000"/>
+            </a:solidFill>
+          </a:ln>
+        </p:spPr>
+        <p:style>
+          <a:lnRef idx="1">
+            <a:schemeClr val="accent1"/>
+          </a:lnRef>
+          <a:fillRef idx="3">
+            <a:schemeClr val="accent1"/>
+          </a:fillRef>
+          <a:effectRef idx="2">
+            <a:schemeClr val="accent1"/>
+          </a:effectRef>
+          <a:fontRef idx="minor">
+            <a:schemeClr val="lt1"/>
+          </a:fontRef>
+        </p:style>
+        <p:txBody>
+          <a:bodyPr rtlCol="0" anchor="ctr"/>
+          <a:lstStyle/>
+          <a:p>
+            <a:pPr algn="ctr"/>
+            <a:endParaRPr lang="en-US"/>
+          </a:p>
+        </p:txBody>
+      </p:sp>
+      <p:pic>
+        <p:nvPicPr>
+          <p:cNvPr id="2" name="Picture 1" descr="delhi-city-maps.jpg"/>
+          <p:cNvPicPr>
+            <a:picLocks noChangeAspect="1"/>
+          </p:cNvPicPr>
+          <p:nvPr/>
+        </p:nvPicPr>
+        <p:blipFill>
+          <a:blip r:embed="rId2">
+            <a:grayscl/>
+            <a:extLst>
+              <a:ext uri="{28A0092B-C50C-407E-A947-70E740481C1C}">
+                <a14:useLocalDpi xmlns:a14="http://schemas.microsoft.com/office/drawing/2010/main" val="0"/>
+              </a:ext>
+            </a:extLst>
+          </a:blip>
+          <a:stretch>
+            <a:fillRect/>
+          </a:stretch>
+        </p:blipFill>
+        <p:spPr>
+          <a:xfrm>
+            <a:off x="1190129" y="2563283"/>
+            <a:ext cx="6751123" cy="3863427"/>
+          </a:xfrm>
+          <a:prstGeom prst="rect">
+            <a:avLst/>
+          </a:prstGeom>
+        </p:spPr>
+      </p:pic>
+      <p:sp>
+        <p:nvSpPr>
+          <p:cNvPr id="74" name="TextBox 73"/>
+          <p:cNvSpPr txBox="1"/>
+          <p:nvPr/>
+        </p:nvSpPr>
+        <p:spPr>
+          <a:xfrm>
+            <a:off x="3635893" y="496565"/>
+            <a:ext cx="2990991" cy="338554"/>
+          </a:xfrm>
+          <a:prstGeom prst="rect">
+            <a:avLst/>
+          </a:prstGeom>
+          <a:noFill/>
+        </p:spPr>
+        <p:txBody>
+          <a:bodyPr wrap="square" rtlCol="0">
+            <a:spAutoFit/>
+          </a:bodyPr>
+          <a:lstStyle/>
+          <a:p>
+            <a:r>
+              <a:rPr lang="en-US" sz="1600" dirty="0" smtClean="0"/>
+              <a:t>HanDIYcraft | Tutorial Detail</a:t>
+            </a:r>
+            <a:endParaRPr lang="en-US" sz="1600" dirty="0"/>
+          </a:p>
+        </p:txBody>
+      </p:sp>
+      <p:sp>
+        <p:nvSpPr>
+          <p:cNvPr id="38" name="TextBox 37"/>
+          <p:cNvSpPr txBox="1"/>
+          <p:nvPr/>
+        </p:nvSpPr>
+        <p:spPr>
+          <a:xfrm>
+            <a:off x="2772377" y="1552780"/>
+            <a:ext cx="3803538" cy="707886"/>
+          </a:xfrm>
+          <a:prstGeom prst="rect">
+            <a:avLst/>
+          </a:prstGeom>
+          <a:noFill/>
+        </p:spPr>
+        <p:txBody>
+          <a:bodyPr wrap="square" rtlCol="0">
+            <a:spAutoFit/>
+          </a:bodyPr>
+          <a:lstStyle/>
+          <a:p>
+            <a:pPr algn="ctr"/>
+            <a:r>
+              <a:rPr lang="en-US" sz="4000" b="1" spc="300" dirty="0" smtClean="0">
+                <a:solidFill>
+                  <a:srgbClr val="000000"/>
+                </a:solidFill>
+                <a:latin typeface="+mj-lt"/>
+                <a:cs typeface="MAW "/>
+              </a:rPr>
+              <a:t>Shop </a:t>
+            </a:r>
+            <a:r>
+              <a:rPr lang="en-US" sz="4000" b="1" spc="300" dirty="0" smtClean="0">
+                <a:solidFill>
+                  <a:srgbClr val="000000"/>
+                </a:solidFill>
+                <a:latin typeface="+mj-lt"/>
+                <a:cs typeface="MAW "/>
+              </a:rPr>
+              <a:t>Name</a:t>
+            </a:r>
+            <a:endParaRPr lang="en-US" sz="4000" b="1" spc="300" dirty="0">
+              <a:solidFill>
+                <a:srgbClr val="000000"/>
+              </a:solidFill>
+              <a:latin typeface="+mj-lt"/>
+              <a:cs typeface="MAW "/>
+            </a:endParaRPr>
+          </a:p>
+        </p:txBody>
+      </p:sp>
+      <p:sp>
+        <p:nvSpPr>
+          <p:cNvPr id="39" name="TextBox 38"/>
+          <p:cNvSpPr txBox="1"/>
+          <p:nvPr/>
+        </p:nvSpPr>
+        <p:spPr>
+          <a:xfrm>
+            <a:off x="3905649" y="2060611"/>
+            <a:ext cx="1570262" cy="400110"/>
+          </a:xfrm>
+          <a:prstGeom prst="rect">
+            <a:avLst/>
+          </a:prstGeom>
+          <a:noFill/>
+        </p:spPr>
+        <p:txBody>
+          <a:bodyPr wrap="none" rtlCol="0">
+            <a:spAutoFit/>
+          </a:bodyPr>
+          <a:lstStyle/>
+          <a:p>
+            <a:r>
+              <a:rPr lang="en-US" sz="2000" dirty="0" smtClean="0">
+                <a:solidFill>
+                  <a:srgbClr val="000000"/>
+                </a:solidFill>
+              </a:rPr>
+              <a:t>By </a:t>
+            </a:r>
+            <a:r>
+              <a:rPr lang="en-US" sz="2000" u="sng" dirty="0" smtClean="0">
+                <a:solidFill>
+                  <a:srgbClr val="000000"/>
+                </a:solidFill>
+              </a:rPr>
+              <a:t>Username</a:t>
+            </a:r>
+            <a:endParaRPr lang="en-US" sz="2000" u="sng" dirty="0">
+              <a:solidFill>
+                <a:srgbClr val="000000"/>
+              </a:solidFill>
+            </a:endParaRPr>
+          </a:p>
+        </p:txBody>
+      </p:sp>
+      <p:cxnSp>
+        <p:nvCxnSpPr>
+          <p:cNvPr id="41" name="Straight Connector 40"/>
+          <p:cNvCxnSpPr/>
+          <p:nvPr/>
+        </p:nvCxnSpPr>
+        <p:spPr>
+          <a:xfrm>
+            <a:off x="1187585" y="2573866"/>
+            <a:ext cx="6779138" cy="0"/>
+          </a:xfrm>
+          <a:prstGeom prst="line">
+            <a:avLst/>
+          </a:prstGeom>
+          <a:ln w="12700" cmpd="sng">
+            <a:solidFill>
+              <a:schemeClr val="tx1"/>
+            </a:solidFill>
+          </a:ln>
+          <a:effectLst/>
+        </p:spPr>
+        <p:style>
+          <a:lnRef idx="2">
+            <a:schemeClr val="accent1"/>
+          </a:lnRef>
+          <a:fillRef idx="0">
+            <a:schemeClr val="accent1"/>
+          </a:fillRef>
+          <a:effectRef idx="1">
+            <a:schemeClr val="accent1"/>
+          </a:effectRef>
+          <a:fontRef idx="minor">
+            <a:schemeClr val="tx1"/>
+          </a:fontRef>
+        </p:style>
+      </p:cxnSp>
+      <p:sp>
+        <p:nvSpPr>
+          <p:cNvPr id="54" name="Rectangle 53"/>
+          <p:cNvSpPr/>
+          <p:nvPr/>
+        </p:nvSpPr>
+        <p:spPr>
+          <a:xfrm>
+            <a:off x="1187585" y="897670"/>
+            <a:ext cx="1951680" cy="594433"/>
+          </a:xfrm>
+          <a:prstGeom prst="rect">
+            <a:avLst/>
+          </a:prstGeom>
+          <a:solidFill>
+            <a:schemeClr val="bg1"/>
+          </a:solidFill>
+          <a:ln>
+            <a:solidFill>
+              <a:schemeClr val="tx1"/>
+            </a:solidFill>
+          </a:ln>
+          <a:effectLst/>
+        </p:spPr>
+        <p:style>
+          <a:lnRef idx="1">
+            <a:schemeClr val="accent1"/>
+          </a:lnRef>
+          <a:fillRef idx="3">
+            <a:schemeClr val="accent1"/>
+          </a:fillRef>
+          <a:effectRef idx="2">
+            <a:schemeClr val="accent1"/>
+          </a:effectRef>
+          <a:fontRef idx="minor">
+            <a:schemeClr val="lt1"/>
+          </a:fontRef>
+        </p:style>
+        <p:txBody>
+          <a:bodyPr rtlCol="0" anchor="ctr"/>
+          <a:lstStyle/>
+          <a:p>
+            <a:pPr algn="ctr"/>
+            <a:r>
+              <a:rPr lang="en-US" sz="2800" dirty="0" smtClean="0">
+                <a:solidFill>
+                  <a:srgbClr val="000000"/>
+                </a:solidFill>
+              </a:rPr>
+              <a:t>LOGO</a:t>
+            </a:r>
+            <a:endParaRPr lang="en-US" sz="2800" dirty="0">
+              <a:solidFill>
+                <a:srgbClr val="000000"/>
+              </a:solidFill>
+            </a:endParaRPr>
+          </a:p>
+        </p:txBody>
+      </p:sp>
+      <p:pic>
+        <p:nvPicPr>
+          <p:cNvPr id="55" name="Picture 54" descr="home1.png"/>
+          <p:cNvPicPr>
+            <a:picLocks noChangeAspect="1"/>
+          </p:cNvPicPr>
+          <p:nvPr/>
+        </p:nvPicPr>
+        <p:blipFill>
+          <a:blip r:embed="rId3">
+            <a:biLevel thresh="75000"/>
+            <a:extLst>
+              <a:ext uri="{BEBA8EAE-BF5A-486C-A8C5-ECC9F3942E4B}">
+                <a14:imgProps xmlns:a14="http://schemas.microsoft.com/office/drawing/2010/main">
+                  <a14:imgLayer r:embed="rId4">
+                    <a14:imgEffect>
+                      <a14:brightnessContrast bright="-100000"/>
+                    </a14:imgEffect>
+                  </a14:imgLayer>
+                </a14:imgProps>
+              </a:ext>
+              <a:ext uri="{28A0092B-C50C-407E-A947-70E740481C1C}">
+                <a14:useLocalDpi xmlns:a14="http://schemas.microsoft.com/office/drawing/2010/main" val="0"/>
+              </a:ext>
+            </a:extLst>
+          </a:blip>
+          <a:stretch>
+            <a:fillRect/>
+          </a:stretch>
+        </p:blipFill>
+        <p:spPr>
+          <a:xfrm>
+            <a:off x="3573381" y="934195"/>
+            <a:ext cx="541269" cy="541269"/>
+          </a:xfrm>
+          <a:prstGeom prst="rect">
+            <a:avLst/>
+          </a:prstGeom>
+          <a:noFill/>
+        </p:spPr>
+      </p:pic>
+      <p:sp>
+        <p:nvSpPr>
+          <p:cNvPr id="56" name="Heart 55"/>
+          <p:cNvSpPr/>
+          <p:nvPr/>
+        </p:nvSpPr>
+        <p:spPr>
+          <a:xfrm>
+            <a:off x="4182953" y="1100154"/>
+            <a:ext cx="277739" cy="243182"/>
+          </a:xfrm>
+          <a:prstGeom prst="heart">
+            <a:avLst/>
+          </a:prstGeom>
+          <a:solidFill>
+            <a:schemeClr val="tx1"/>
+          </a:solidFill>
+          <a:ln>
+            <a:noFill/>
+          </a:ln>
+          <a:effectLst/>
+        </p:spPr>
+        <p:style>
+          <a:lnRef idx="1">
+            <a:schemeClr val="accent1"/>
+          </a:lnRef>
+          <a:fillRef idx="3">
+            <a:schemeClr val="accent1"/>
+          </a:fillRef>
+          <a:effectRef idx="2">
+            <a:schemeClr val="accent1"/>
+          </a:effectRef>
+          <a:fontRef idx="minor">
+            <a:schemeClr val="lt1"/>
+          </a:fontRef>
+        </p:style>
+        <p:txBody>
+          <a:bodyPr rtlCol="0" anchor="ctr"/>
+          <a:lstStyle/>
+          <a:p>
+            <a:pPr algn="ctr"/>
+            <a:endParaRPr lang="en-US"/>
+          </a:p>
+        </p:txBody>
+      </p:sp>
+      <p:pic>
+        <p:nvPicPr>
+          <p:cNvPr id="57" name="Picture 56" descr="create1.png"/>
+          <p:cNvPicPr>
+            <a:picLocks noChangeAspect="1"/>
+          </p:cNvPicPr>
+          <p:nvPr/>
+        </p:nvPicPr>
+        <p:blipFill>
+          <a:blip r:embed="rId5">
+            <a:biLevel thresh="75000"/>
+            <a:extLst>
+              <a:ext uri="{BEBA8EAE-BF5A-486C-A8C5-ECC9F3942E4B}">
+                <a14:imgProps xmlns:a14="http://schemas.microsoft.com/office/drawing/2010/main">
+                  <a14:imgLayer r:embed="rId6">
+                    <a14:imgEffect>
+                      <a14:brightnessContrast bright="-100000"/>
+                    </a14:imgEffect>
+                  </a14:imgLayer>
+                </a14:imgProps>
+              </a:ext>
+              <a:ext uri="{28A0092B-C50C-407E-A947-70E740481C1C}">
+                <a14:useLocalDpi xmlns:a14="http://schemas.microsoft.com/office/drawing/2010/main" val="0"/>
+              </a:ext>
+            </a:extLst>
+          </a:blip>
+          <a:stretch>
+            <a:fillRect/>
+          </a:stretch>
+        </p:blipFill>
+        <p:spPr>
+          <a:xfrm rot="900000">
+            <a:off x="4637804" y="1042717"/>
+            <a:ext cx="339599" cy="339599"/>
+          </a:xfrm>
+          <a:prstGeom prst="rect">
+            <a:avLst/>
+          </a:prstGeom>
+        </p:spPr>
+      </p:pic>
+      <p:pic>
+        <p:nvPicPr>
+          <p:cNvPr id="58" name="Picture 57" descr="Untitled-1.png"/>
+          <p:cNvPicPr>
+            <a:picLocks noChangeAspect="1"/>
+          </p:cNvPicPr>
+          <p:nvPr/>
+        </p:nvPicPr>
+        <p:blipFill>
+          <a:blip r:embed="rId7">
+            <a:biLevel thresh="75000"/>
+            <a:extLst>
+              <a:ext uri="{28A0092B-C50C-407E-A947-70E740481C1C}">
+                <a14:useLocalDpi xmlns:a14="http://schemas.microsoft.com/office/drawing/2010/main" val="0"/>
+              </a:ext>
+            </a:extLst>
+          </a:blip>
+          <a:stretch>
+            <a:fillRect/>
+          </a:stretch>
+        </p:blipFill>
+        <p:spPr>
+          <a:xfrm>
+            <a:off x="5063190" y="1004555"/>
+            <a:ext cx="380550" cy="380550"/>
+          </a:xfrm>
+          <a:prstGeom prst="rect">
+            <a:avLst/>
+          </a:prstGeom>
+        </p:spPr>
+      </p:pic>
+      <p:pic>
+        <p:nvPicPr>
+          <p:cNvPr id="59" name="Picture 58" descr="power icon.jpg"/>
+          <p:cNvPicPr>
+            <a:picLocks noChangeAspect="1"/>
+          </p:cNvPicPr>
+          <p:nvPr/>
+        </p:nvPicPr>
+        <p:blipFill>
+          <a:blip r:embed="rId8">
+            <a:extLst>
+              <a:ext uri="{28A0092B-C50C-407E-A947-70E740481C1C}">
+                <a14:useLocalDpi xmlns:a14="http://schemas.microsoft.com/office/drawing/2010/main" val="0"/>
+              </a:ext>
+            </a:extLst>
+          </a:blip>
+          <a:stretch>
+            <a:fillRect/>
+          </a:stretch>
+        </p:blipFill>
+        <p:spPr>
+          <a:xfrm>
+            <a:off x="6905130" y="1083658"/>
+            <a:ext cx="243224" cy="268459"/>
+          </a:xfrm>
+          <a:prstGeom prst="rect">
+            <a:avLst/>
+          </a:prstGeom>
+        </p:spPr>
+      </p:pic>
+      <p:sp>
+        <p:nvSpPr>
+          <p:cNvPr id="60" name="Isosceles Triangle 59"/>
+          <p:cNvSpPr/>
+          <p:nvPr/>
+        </p:nvSpPr>
+        <p:spPr>
+          <a:xfrm>
+            <a:off x="3676602" y="1344222"/>
+            <a:ext cx="338529" cy="206357"/>
+          </a:xfrm>
+          <a:prstGeom prst="triangle">
+            <a:avLst/>
+          </a:prstGeom>
+          <a:solidFill>
+            <a:schemeClr val="bg1"/>
+          </a:solidFill>
+          <a:ln>
+            <a:solidFill>
+              <a:schemeClr val="tx1"/>
+            </a:solidFill>
+          </a:ln>
+          <a:effectLst/>
+        </p:spPr>
+        <p:style>
+          <a:lnRef idx="1">
+            <a:schemeClr val="accent1"/>
+          </a:lnRef>
+          <a:fillRef idx="3">
+            <a:schemeClr val="accent1"/>
+          </a:fillRef>
+          <a:effectRef idx="2">
+            <a:schemeClr val="accent1"/>
+          </a:effectRef>
+          <a:fontRef idx="minor">
+            <a:schemeClr val="lt1"/>
+          </a:fontRef>
+        </p:style>
+        <p:txBody>
+          <a:bodyPr rtlCol="0" anchor="ctr"/>
+          <a:lstStyle/>
+          <a:p>
+            <a:pPr algn="ctr"/>
+            <a:endParaRPr lang="en-US"/>
+          </a:p>
+        </p:txBody>
+      </p:sp>
+      <p:sp>
+        <p:nvSpPr>
+          <p:cNvPr id="61" name="Rectangle 60"/>
+          <p:cNvSpPr/>
+          <p:nvPr/>
+        </p:nvSpPr>
+        <p:spPr>
+          <a:xfrm>
+            <a:off x="3697422" y="1525937"/>
+            <a:ext cx="288880" cy="72448"/>
+          </a:xfrm>
+          <a:prstGeom prst="rect">
+            <a:avLst/>
+          </a:prstGeom>
+          <a:solidFill>
+            <a:schemeClr val="bg1"/>
+          </a:solidFill>
+          <a:ln>
+            <a:noFill/>
+          </a:ln>
+          <a:effectLst/>
+        </p:spPr>
+        <p:style>
+          <a:lnRef idx="1">
+            <a:schemeClr val="accent1"/>
+          </a:lnRef>
+          <a:fillRef idx="3">
+            <a:schemeClr val="accent1"/>
+          </a:fillRef>
+          <a:effectRef idx="2">
+            <a:schemeClr val="accent1"/>
+          </a:effectRef>
+          <a:fontRef idx="minor">
+            <a:schemeClr val="lt1"/>
+          </a:fontRef>
+        </p:style>
+        <p:txBody>
+          <a:bodyPr rtlCol="0" anchor="ctr"/>
+          <a:lstStyle/>
+          <a:p>
+            <a:pPr algn="ctr"/>
+            <a:endParaRPr lang="en-US"/>
+          </a:p>
+        </p:txBody>
+      </p:sp>
+      <p:sp>
+        <p:nvSpPr>
+          <p:cNvPr id="62" name="Rounded Rectangle 61"/>
+          <p:cNvSpPr/>
+          <p:nvPr/>
+        </p:nvSpPr>
+        <p:spPr>
+          <a:xfrm>
+            <a:off x="7212503" y="1085664"/>
+            <a:ext cx="728750" cy="257672"/>
+          </a:xfrm>
+          <a:prstGeom prst="roundRect">
+            <a:avLst/>
+          </a:prstGeom>
+          <a:noFill/>
+          <a:ln>
+            <a:solidFill>
+              <a:schemeClr val="tx1"/>
+            </a:solidFill>
+          </a:ln>
+          <a:effectLst/>
+        </p:spPr>
+        <p:style>
+          <a:lnRef idx="1">
+            <a:schemeClr val="accent1"/>
+          </a:lnRef>
+          <a:fillRef idx="3">
+            <a:schemeClr val="accent1"/>
+          </a:fillRef>
+          <a:effectRef idx="2">
+            <a:schemeClr val="accent1"/>
+          </a:effectRef>
+          <a:fontRef idx="minor">
+            <a:schemeClr val="lt1"/>
+          </a:fontRef>
+        </p:style>
+        <p:txBody>
+          <a:bodyPr rtlCol="0" anchor="ctr"/>
+          <a:lstStyle/>
+          <a:p>
+            <a:pPr algn="ctr"/>
+            <a:r>
+              <a:rPr lang="en-US" sz="1100" dirty="0" smtClean="0">
+                <a:solidFill>
+                  <a:srgbClr val="000000"/>
+                </a:solidFill>
+                <a:latin typeface="+mj-lt"/>
+                <a:cs typeface="MAW "/>
+              </a:rPr>
+              <a:t>Log out</a:t>
+            </a:r>
+            <a:endParaRPr lang="en-US" sz="1100" dirty="0">
+              <a:solidFill>
+                <a:srgbClr val="000000"/>
+              </a:solidFill>
+              <a:latin typeface="+mj-lt"/>
+              <a:cs typeface="MAW "/>
+            </a:endParaRPr>
+          </a:p>
+        </p:txBody>
+      </p:sp>
+      <p:sp>
+        <p:nvSpPr>
+          <p:cNvPr id="63" name="Rounded Rectangular Callout 62"/>
+          <p:cNvSpPr/>
+          <p:nvPr/>
+        </p:nvSpPr>
+        <p:spPr>
+          <a:xfrm>
+            <a:off x="5602547" y="1083718"/>
+            <a:ext cx="292335" cy="227940"/>
+          </a:xfrm>
+          <a:prstGeom prst="wedgeRoundRectCallout">
+            <a:avLst>
+              <a:gd name="adj1" fmla="val 35167"/>
+              <a:gd name="adj2" fmla="val 73720"/>
+              <a:gd name="adj3" fmla="val 16667"/>
+            </a:avLst>
+          </a:prstGeom>
+          <a:solidFill>
+            <a:schemeClr val="tx1">
+              <a:lumMod val="95000"/>
+              <a:lumOff val="5000"/>
+            </a:schemeClr>
+          </a:solidFill>
+          <a:ln>
+            <a:noFill/>
+          </a:ln>
+          <a:effectLst/>
+        </p:spPr>
+        <p:style>
+          <a:lnRef idx="1">
+            <a:schemeClr val="accent1"/>
+          </a:lnRef>
+          <a:fillRef idx="3">
+            <a:schemeClr val="accent1"/>
+          </a:fillRef>
+          <a:effectRef idx="2">
+            <a:schemeClr val="accent1"/>
+          </a:effectRef>
+          <a:fontRef idx="minor">
+            <a:schemeClr val="lt1"/>
+          </a:fontRef>
+        </p:style>
+        <p:txBody>
+          <a:bodyPr rtlCol="0" anchor="ctr"/>
+          <a:lstStyle/>
+          <a:p>
+            <a:pPr algn="ctr"/>
+            <a:endParaRPr lang="en-US"/>
+          </a:p>
+        </p:txBody>
+      </p:sp>
+      <p:sp>
+        <p:nvSpPr>
+          <p:cNvPr id="47" name="Rounded Rectangle 46"/>
+          <p:cNvSpPr/>
+          <p:nvPr/>
+        </p:nvSpPr>
+        <p:spPr>
+          <a:xfrm>
+            <a:off x="1300716" y="1662763"/>
+            <a:ext cx="783294" cy="375271"/>
+          </a:xfrm>
+          <a:prstGeom prst="roundRect">
+            <a:avLst/>
+          </a:prstGeom>
+          <a:solidFill>
+            <a:schemeClr val="tx1"/>
+          </a:solidFill>
+          <a:ln>
+            <a:solidFill>
+              <a:schemeClr val="tx1"/>
+            </a:solidFill>
+          </a:ln>
+          <a:effectLst/>
+        </p:spPr>
+        <p:style>
+          <a:lnRef idx="1">
+            <a:schemeClr val="accent1"/>
+          </a:lnRef>
+          <a:fillRef idx="3">
+            <a:schemeClr val="accent1"/>
+          </a:fillRef>
+          <a:effectRef idx="2">
+            <a:schemeClr val="accent1"/>
+          </a:effectRef>
+          <a:fontRef idx="minor">
+            <a:schemeClr val="lt1"/>
+          </a:fontRef>
+        </p:style>
+        <p:txBody>
+          <a:bodyPr rtlCol="0" anchor="ctr"/>
+          <a:lstStyle/>
+          <a:p>
+            <a:pPr algn="ctr"/>
+            <a:r>
+              <a:rPr lang="en-US" dirty="0" smtClean="0">
+                <a:solidFill>
+                  <a:schemeClr val="bg1"/>
+                </a:solidFill>
+              </a:rPr>
+              <a:t>Back</a:t>
+            </a:r>
+            <a:endParaRPr lang="en-US" dirty="0">
+              <a:solidFill>
+                <a:schemeClr val="bg1"/>
+              </a:solidFill>
+            </a:endParaRPr>
+          </a:p>
+        </p:txBody>
+      </p:sp>
+    </p:spTree>
+    <p:extLst>
+      <p:ext uri="{BB962C8B-B14F-4D97-AF65-F5344CB8AC3E}">
+        <p14:creationId xmlns:p14="http://schemas.microsoft.com/office/powerpoint/2010/main" val="992947951"/>
       </p:ext>
     </p:extLst>
   </p:cSld>

--- a/GUI/HanDIYcraft-Web Rough GUI Design-V.2.0.pptx
+++ b/GUI/HanDIYcraft-Web Rough GUI Design-V.2.0.pptx
@@ -37,8 +37,9 @@
     <p:sldId id="296" r:id="rId31"/>
     <p:sldId id="288" r:id="rId32"/>
     <p:sldId id="299" r:id="rId33"/>
-    <p:sldId id="300" r:id="rId34"/>
-    <p:sldId id="301" r:id="rId35"/>
+    <p:sldId id="302" r:id="rId34"/>
+    <p:sldId id="300" r:id="rId35"/>
+    <p:sldId id="301" r:id="rId36"/>
   </p:sldIdLst>
   <p:sldSz cx="9144000" cy="6858000" type="screen4x3"/>
   <p:notesSz cx="6858000" cy="9144000"/>
@@ -321,7 +322,7 @@
           <a:p>
             <a:fld id="{7BE49484-7B62-5B4F-8329-106176ECF3B8}" type="datetimeFigureOut">
               <a:rPr lang="en-US" smtClean="0"/>
-              <a:t>10/14/14 </a:t>
+              <a:t>10/18/14 </a:t>
             </a:fld>
             <a:endParaRPr lang="en-US"/>
           </a:p>
@@ -491,7 +492,7 @@
           <a:p>
             <a:fld id="{7BE49484-7B62-5B4F-8329-106176ECF3B8}" type="datetimeFigureOut">
               <a:rPr lang="en-US" smtClean="0"/>
-              <a:t>10/14/14 </a:t>
+              <a:t>10/18/14 </a:t>
             </a:fld>
             <a:endParaRPr lang="en-US"/>
           </a:p>
@@ -671,7 +672,7 @@
           <a:p>
             <a:fld id="{7BE49484-7B62-5B4F-8329-106176ECF3B8}" type="datetimeFigureOut">
               <a:rPr lang="en-US" smtClean="0"/>
-              <a:t>10/14/14 </a:t>
+              <a:t>10/18/14 </a:t>
             </a:fld>
             <a:endParaRPr lang="en-US"/>
           </a:p>
@@ -841,7 +842,7 @@
           <a:p>
             <a:fld id="{7BE49484-7B62-5B4F-8329-106176ECF3B8}" type="datetimeFigureOut">
               <a:rPr lang="en-US" smtClean="0"/>
-              <a:t>10/14/14 </a:t>
+              <a:t>10/18/14 </a:t>
             </a:fld>
             <a:endParaRPr lang="en-US"/>
           </a:p>
@@ -1087,7 +1088,7 @@
           <a:p>
             <a:fld id="{7BE49484-7B62-5B4F-8329-106176ECF3B8}" type="datetimeFigureOut">
               <a:rPr lang="en-US" smtClean="0"/>
-              <a:t>10/14/14 </a:t>
+              <a:t>10/18/14 </a:t>
             </a:fld>
             <a:endParaRPr lang="en-US"/>
           </a:p>
@@ -1375,7 +1376,7 @@
           <a:p>
             <a:fld id="{7BE49484-7B62-5B4F-8329-106176ECF3B8}" type="datetimeFigureOut">
               <a:rPr lang="en-US" smtClean="0"/>
-              <a:t>10/14/14 </a:t>
+              <a:t>10/18/14 </a:t>
             </a:fld>
             <a:endParaRPr lang="en-US"/>
           </a:p>
@@ -1797,7 +1798,7 @@
           <a:p>
             <a:fld id="{7BE49484-7B62-5B4F-8329-106176ECF3B8}" type="datetimeFigureOut">
               <a:rPr lang="en-US" smtClean="0"/>
-              <a:t>10/14/14 </a:t>
+              <a:t>10/18/14 </a:t>
             </a:fld>
             <a:endParaRPr lang="en-US"/>
           </a:p>
@@ -1915,7 +1916,7 @@
           <a:p>
             <a:fld id="{7BE49484-7B62-5B4F-8329-106176ECF3B8}" type="datetimeFigureOut">
               <a:rPr lang="en-US" smtClean="0"/>
-              <a:t>10/14/14 </a:t>
+              <a:t>10/18/14 </a:t>
             </a:fld>
             <a:endParaRPr lang="en-US"/>
           </a:p>
@@ -2010,7 +2011,7 @@
           <a:p>
             <a:fld id="{7BE49484-7B62-5B4F-8329-106176ECF3B8}" type="datetimeFigureOut">
               <a:rPr lang="en-US" smtClean="0"/>
-              <a:t>10/14/14 </a:t>
+              <a:t>10/18/14 </a:t>
             </a:fld>
             <a:endParaRPr lang="en-US"/>
           </a:p>
@@ -2287,7 +2288,7 @@
           <a:p>
             <a:fld id="{7BE49484-7B62-5B4F-8329-106176ECF3B8}" type="datetimeFigureOut">
               <a:rPr lang="en-US" smtClean="0"/>
-              <a:t>10/14/14 </a:t>
+              <a:t>10/18/14 </a:t>
             </a:fld>
             <a:endParaRPr lang="en-US"/>
           </a:p>
@@ -2540,7 +2541,7 @@
           <a:p>
             <a:fld id="{7BE49484-7B62-5B4F-8329-106176ECF3B8}" type="datetimeFigureOut">
               <a:rPr lang="en-US" smtClean="0"/>
-              <a:t>10/14/14 </a:t>
+              <a:t>10/18/14 </a:t>
             </a:fld>
             <a:endParaRPr lang="en-US"/>
           </a:p>
@@ -2753,7 +2754,7 @@
           <a:p>
             <a:fld id="{7BE49484-7B62-5B4F-8329-106176ECF3B8}" type="datetimeFigureOut">
               <a:rPr lang="en-US" smtClean="0"/>
-              <a:t>10/14/14 </a:t>
+              <a:t>10/18/14 </a:t>
             </a:fld>
             <a:endParaRPr lang="en-US"/>
           </a:p>
@@ -7063,6 +7064,36 @@
           </a:p>
         </p:txBody>
       </p:sp>
+      <p:pic>
+        <p:nvPicPr>
+          <p:cNvPr id="32" name="Picture 31" descr="shop-256.png"/>
+          <p:cNvPicPr>
+            <a:picLocks noChangeAspect="1"/>
+          </p:cNvPicPr>
+          <p:nvPr/>
+        </p:nvPicPr>
+        <p:blipFill>
+          <a:blip r:embed="rId9">
+            <a:extLst>
+              <a:ext uri="{28A0092B-C50C-407E-A947-70E740481C1C}">
+                <a14:useLocalDpi xmlns:a14="http://schemas.microsoft.com/office/drawing/2010/main" val="0"/>
+              </a:ext>
+            </a:extLst>
+          </a:blip>
+          <a:stretch>
+            <a:fillRect/>
+          </a:stretch>
+        </p:blipFill>
+        <p:spPr>
+          <a:xfrm>
+            <a:off x="6108185" y="1057495"/>
+            <a:ext cx="285841" cy="285841"/>
+          </a:xfrm>
+          <a:prstGeom prst="rect">
+            <a:avLst/>
+          </a:prstGeom>
+        </p:spPr>
+      </p:pic>
     </p:spTree>
     <p:extLst>
       <p:ext uri="{BB962C8B-B14F-4D97-AF65-F5344CB8AC3E}">
@@ -9052,6 +9083,36 @@
           </a:p>
         </p:txBody>
       </p:sp>
+      <p:pic>
+        <p:nvPicPr>
+          <p:cNvPr id="52" name="Picture 51" descr="shop-256.png"/>
+          <p:cNvPicPr>
+            <a:picLocks noChangeAspect="1"/>
+          </p:cNvPicPr>
+          <p:nvPr/>
+        </p:nvPicPr>
+        <p:blipFill>
+          <a:blip r:embed="rId10">
+            <a:extLst>
+              <a:ext uri="{28A0092B-C50C-407E-A947-70E740481C1C}">
+                <a14:useLocalDpi xmlns:a14="http://schemas.microsoft.com/office/drawing/2010/main" val="0"/>
+              </a:ext>
+            </a:extLst>
+          </a:blip>
+          <a:stretch>
+            <a:fillRect/>
+          </a:stretch>
+        </p:blipFill>
+        <p:spPr>
+          <a:xfrm>
+            <a:off x="6108185" y="1057495"/>
+            <a:ext cx="285841" cy="285841"/>
+          </a:xfrm>
+          <a:prstGeom prst="rect">
+            <a:avLst/>
+          </a:prstGeom>
+        </p:spPr>
+      </p:pic>
     </p:spTree>
     <p:extLst>
       <p:ext uri="{BB962C8B-B14F-4D97-AF65-F5344CB8AC3E}">
@@ -13310,6 +13371,36 @@
           </a:p>
         </p:txBody>
       </p:sp>
+      <p:pic>
+        <p:nvPicPr>
+          <p:cNvPr id="60" name="Picture 59" descr="shop-256.png"/>
+          <p:cNvPicPr>
+            <a:picLocks noChangeAspect="1"/>
+          </p:cNvPicPr>
+          <p:nvPr/>
+        </p:nvPicPr>
+        <p:blipFill>
+          <a:blip r:embed="rId8">
+            <a:extLst>
+              <a:ext uri="{28A0092B-C50C-407E-A947-70E740481C1C}">
+                <a14:useLocalDpi xmlns:a14="http://schemas.microsoft.com/office/drawing/2010/main" val="0"/>
+              </a:ext>
+            </a:extLst>
+          </a:blip>
+          <a:stretch>
+            <a:fillRect/>
+          </a:stretch>
+        </p:blipFill>
+        <p:spPr>
+          <a:xfrm>
+            <a:off x="6108185" y="1057495"/>
+            <a:ext cx="285841" cy="285841"/>
+          </a:xfrm>
+          <a:prstGeom prst="rect">
+            <a:avLst/>
+          </a:prstGeom>
+        </p:spPr>
+      </p:pic>
     </p:spTree>
     <p:extLst>
       <p:ext uri="{BB962C8B-B14F-4D97-AF65-F5344CB8AC3E}">
@@ -14879,6 +14970,36 @@
           </a:p>
         </p:txBody>
       </p:sp>
+      <p:pic>
+        <p:nvPicPr>
+          <p:cNvPr id="41" name="Picture 40" descr="shop-256.png"/>
+          <p:cNvPicPr>
+            <a:picLocks noChangeAspect="1"/>
+          </p:cNvPicPr>
+          <p:nvPr/>
+        </p:nvPicPr>
+        <p:blipFill>
+          <a:blip r:embed="rId8">
+            <a:extLst>
+              <a:ext uri="{28A0092B-C50C-407E-A947-70E740481C1C}">
+                <a14:useLocalDpi xmlns:a14="http://schemas.microsoft.com/office/drawing/2010/main" val="0"/>
+              </a:ext>
+            </a:extLst>
+          </a:blip>
+          <a:stretch>
+            <a:fillRect/>
+          </a:stretch>
+        </p:blipFill>
+        <p:spPr>
+          <a:xfrm>
+            <a:off x="6108185" y="1057495"/>
+            <a:ext cx="285841" cy="285841"/>
+          </a:xfrm>
+          <a:prstGeom prst="rect">
+            <a:avLst/>
+          </a:prstGeom>
+        </p:spPr>
+      </p:pic>
     </p:spTree>
     <p:extLst>
       <p:ext uri="{BB962C8B-B14F-4D97-AF65-F5344CB8AC3E}">
@@ -17430,6 +17551,36 @@
           </a:p>
         </p:txBody>
       </p:sp>
+      <p:pic>
+        <p:nvPicPr>
+          <p:cNvPr id="31" name="Picture 30" descr="shop-256.png"/>
+          <p:cNvPicPr>
+            <a:picLocks noChangeAspect="1"/>
+          </p:cNvPicPr>
+          <p:nvPr/>
+        </p:nvPicPr>
+        <p:blipFill>
+          <a:blip r:embed="rId8">
+            <a:extLst>
+              <a:ext uri="{28A0092B-C50C-407E-A947-70E740481C1C}">
+                <a14:useLocalDpi xmlns:a14="http://schemas.microsoft.com/office/drawing/2010/main" val="0"/>
+              </a:ext>
+            </a:extLst>
+          </a:blip>
+          <a:stretch>
+            <a:fillRect/>
+          </a:stretch>
+        </p:blipFill>
+        <p:spPr>
+          <a:xfrm>
+            <a:off x="6108185" y="1057495"/>
+            <a:ext cx="285841" cy="285841"/>
+          </a:xfrm>
+          <a:prstGeom prst="rect">
+            <a:avLst/>
+          </a:prstGeom>
+        </p:spPr>
+      </p:pic>
     </p:spTree>
     <p:extLst>
       <p:ext uri="{BB962C8B-B14F-4D97-AF65-F5344CB8AC3E}">
@@ -18551,6 +18702,36 @@
           </a:p>
         </p:txBody>
       </p:sp>
+      <p:pic>
+        <p:nvPicPr>
+          <p:cNvPr id="25" name="Picture 24" descr="shop-256.png"/>
+          <p:cNvPicPr>
+            <a:picLocks noChangeAspect="1"/>
+          </p:cNvPicPr>
+          <p:nvPr/>
+        </p:nvPicPr>
+        <p:blipFill>
+          <a:blip r:embed="rId8">
+            <a:extLst>
+              <a:ext uri="{28A0092B-C50C-407E-A947-70E740481C1C}">
+                <a14:useLocalDpi xmlns:a14="http://schemas.microsoft.com/office/drawing/2010/main" val="0"/>
+              </a:ext>
+            </a:extLst>
+          </a:blip>
+          <a:stretch>
+            <a:fillRect/>
+          </a:stretch>
+        </p:blipFill>
+        <p:spPr>
+          <a:xfrm>
+            <a:off x="6108185" y="1057495"/>
+            <a:ext cx="285841" cy="285841"/>
+          </a:xfrm>
+          <a:prstGeom prst="rect">
+            <a:avLst/>
+          </a:prstGeom>
+        </p:spPr>
+      </p:pic>
     </p:spTree>
     <p:extLst>
       <p:ext uri="{BB962C8B-B14F-4D97-AF65-F5344CB8AC3E}">
@@ -20453,6 +20634,36 @@
           </a:p>
         </p:txBody>
       </p:sp>
+      <p:pic>
+        <p:nvPicPr>
+          <p:cNvPr id="41" name="Picture 40" descr="shop-256.png"/>
+          <p:cNvPicPr>
+            <a:picLocks noChangeAspect="1"/>
+          </p:cNvPicPr>
+          <p:nvPr/>
+        </p:nvPicPr>
+        <p:blipFill>
+          <a:blip r:embed="rId8">
+            <a:extLst>
+              <a:ext uri="{28A0092B-C50C-407E-A947-70E740481C1C}">
+                <a14:useLocalDpi xmlns:a14="http://schemas.microsoft.com/office/drawing/2010/main" val="0"/>
+              </a:ext>
+            </a:extLst>
+          </a:blip>
+          <a:stretch>
+            <a:fillRect/>
+          </a:stretch>
+        </p:blipFill>
+        <p:spPr>
+          <a:xfrm>
+            <a:off x="6108185" y="1057495"/>
+            <a:ext cx="285841" cy="285841"/>
+          </a:xfrm>
+          <a:prstGeom prst="rect">
+            <a:avLst/>
+          </a:prstGeom>
+        </p:spPr>
+      </p:pic>
     </p:spTree>
     <p:extLst>
       <p:ext uri="{BB962C8B-B14F-4D97-AF65-F5344CB8AC3E}">
@@ -20914,188 +21125,6 @@
                 <a:srgbClr val="000000"/>
               </a:solidFill>
             </a:endParaRPr>
-          </a:p>
-        </p:txBody>
-      </p:sp>
-      <p:sp>
-        <p:nvSpPr>
-          <p:cNvPr id="26" name="Rounded Rectangle 25"/>
-          <p:cNvSpPr/>
-          <p:nvPr/>
-        </p:nvSpPr>
-        <p:spPr>
-          <a:xfrm>
-            <a:off x="6362149" y="1075553"/>
-            <a:ext cx="1604574" cy="349250"/>
-          </a:xfrm>
-          <a:prstGeom prst="roundRect">
-            <a:avLst/>
-          </a:prstGeom>
-          <a:solidFill>
-            <a:schemeClr val="bg1"/>
-          </a:solidFill>
-          <a:ln>
-            <a:noFill/>
-          </a:ln>
-          <a:effectLst/>
-        </p:spPr>
-        <p:style>
-          <a:lnRef idx="1">
-            <a:schemeClr val="accent1"/>
-          </a:lnRef>
-          <a:fillRef idx="3">
-            <a:schemeClr val="accent1"/>
-          </a:fillRef>
-          <a:effectRef idx="2">
-            <a:schemeClr val="accent1"/>
-          </a:effectRef>
-          <a:fontRef idx="minor">
-            <a:schemeClr val="lt1"/>
-          </a:fontRef>
-        </p:style>
-        <p:txBody>
-          <a:bodyPr rtlCol="0" anchor="ctr"/>
-          <a:lstStyle/>
-          <a:p>
-            <a:pPr algn="ctr"/>
-            <a:endParaRPr lang="en-US"/>
-          </a:p>
-        </p:txBody>
-      </p:sp>
-      <p:sp>
-        <p:nvSpPr>
-          <p:cNvPr id="27" name="TextBox 26"/>
-          <p:cNvSpPr txBox="1"/>
-          <p:nvPr/>
-        </p:nvSpPr>
-        <p:spPr>
-          <a:xfrm>
-            <a:off x="6377404" y="1055471"/>
-            <a:ext cx="1572824" cy="276999"/>
-          </a:xfrm>
-          <a:prstGeom prst="rect">
-            <a:avLst/>
-          </a:prstGeom>
-          <a:noFill/>
-          <a:ln>
-            <a:solidFill>
-              <a:srgbClr val="000000"/>
-            </a:solidFill>
-          </a:ln>
-        </p:spPr>
-        <p:txBody>
-          <a:bodyPr wrap="square" rtlCol="0">
-            <a:spAutoFit/>
-          </a:bodyPr>
-          <a:lstStyle/>
-          <a:p>
-            <a:r>
-              <a:rPr lang="en-US" sz="1200" i="1" spc="300" dirty="0" smtClean="0">
-                <a:solidFill>
-                  <a:srgbClr val="000000"/>
-                </a:solidFill>
-              </a:rPr>
-              <a:t>...Search...</a:t>
-            </a:r>
-            <a:endParaRPr lang="en-US" sz="1200" i="1" spc="300" dirty="0">
-              <a:solidFill>
-                <a:srgbClr val="000000"/>
-              </a:solidFill>
-            </a:endParaRPr>
-          </a:p>
-        </p:txBody>
-      </p:sp>
-      <p:sp>
-        <p:nvSpPr>
-          <p:cNvPr id="28" name="Donut 27"/>
-          <p:cNvSpPr/>
-          <p:nvPr/>
-        </p:nvSpPr>
-        <p:spPr>
-          <a:xfrm>
-            <a:off x="6039193" y="1034135"/>
-            <a:ext cx="261979" cy="264991"/>
-          </a:xfrm>
-          <a:prstGeom prst="donut">
-            <a:avLst/>
-          </a:prstGeom>
-          <a:solidFill>
-            <a:srgbClr val="000000"/>
-          </a:solidFill>
-          <a:ln>
-            <a:noFill/>
-          </a:ln>
-          <a:effectLst/>
-        </p:spPr>
-        <p:style>
-          <a:lnRef idx="1">
-            <a:schemeClr val="accent1"/>
-          </a:lnRef>
-          <a:fillRef idx="3">
-            <a:schemeClr val="accent1"/>
-          </a:fillRef>
-          <a:effectRef idx="2">
-            <a:schemeClr val="accent1"/>
-          </a:effectRef>
-          <a:fontRef idx="minor">
-            <a:schemeClr val="lt1"/>
-          </a:fontRef>
-        </p:style>
-        <p:txBody>
-          <a:bodyPr rtlCol="0" anchor="ctr"/>
-          <a:lstStyle/>
-          <a:p>
-            <a:pPr algn="ctr"/>
-            <a:endParaRPr lang="en-US">
-              <a:solidFill>
-                <a:schemeClr val="tx1"/>
-              </a:solidFill>
-            </a:endParaRPr>
-          </a:p>
-        </p:txBody>
-      </p:sp>
-      <p:sp>
-        <p:nvSpPr>
-          <p:cNvPr id="29" name="Rounded Rectangle 28"/>
-          <p:cNvSpPr/>
-          <p:nvPr/>
-        </p:nvSpPr>
-        <p:spPr>
-          <a:xfrm rot="2586247">
-            <a:off x="6198638" y="1251009"/>
-            <a:ext cx="144143" cy="54798"/>
-          </a:xfrm>
-          <a:prstGeom prst="roundRect">
-            <a:avLst/>
-          </a:prstGeom>
-          <a:solidFill>
-            <a:srgbClr val="000000"/>
-          </a:solidFill>
-          <a:ln>
-            <a:noFill/>
-          </a:ln>
-          <a:effectLst/>
-        </p:spPr>
-        <p:style>
-          <a:lnRef idx="1">
-            <a:schemeClr val="accent1"/>
-          </a:lnRef>
-          <a:fillRef idx="3">
-            <a:schemeClr val="accent1"/>
-          </a:fillRef>
-          <a:effectRef idx="2">
-            <a:schemeClr val="accent1"/>
-          </a:effectRef>
-          <a:fontRef idx="minor">
-            <a:schemeClr val="lt1"/>
-          </a:fontRef>
-        </p:style>
-        <p:txBody>
-          <a:bodyPr rtlCol="0" anchor="ctr"/>
-          <a:lstStyle/>
-          <a:p>
-            <a:pPr algn="ctr"/>
-            <a:endParaRPr lang="en-US"/>
           </a:p>
         </p:txBody>
       </p:sp>
@@ -23372,6 +23401,36 @@
           </a:p>
         </p:txBody>
       </p:sp>
+      <p:pic>
+        <p:nvPicPr>
+          <p:cNvPr id="38" name="Picture 37" descr="shop-256.png"/>
+          <p:cNvPicPr>
+            <a:picLocks noChangeAspect="1"/>
+          </p:cNvPicPr>
+          <p:nvPr/>
+        </p:nvPicPr>
+        <p:blipFill>
+          <a:blip r:embed="rId8">
+            <a:extLst>
+              <a:ext uri="{28A0092B-C50C-407E-A947-70E740481C1C}">
+                <a14:useLocalDpi xmlns:a14="http://schemas.microsoft.com/office/drawing/2010/main" val="0"/>
+              </a:ext>
+            </a:extLst>
+          </a:blip>
+          <a:stretch>
+            <a:fillRect/>
+          </a:stretch>
+        </p:blipFill>
+        <p:spPr>
+          <a:xfrm>
+            <a:off x="6108185" y="1057495"/>
+            <a:ext cx="285841" cy="285841"/>
+          </a:xfrm>
+          <a:prstGeom prst="rect">
+            <a:avLst/>
+          </a:prstGeom>
+        </p:spPr>
+      </p:pic>
     </p:spTree>
     <p:extLst>
       <p:ext uri="{BB962C8B-B14F-4D97-AF65-F5344CB8AC3E}">
@@ -24941,6 +25000,36 @@
           </a:p>
         </p:txBody>
       </p:sp>
+      <p:pic>
+        <p:nvPicPr>
+          <p:cNvPr id="41" name="Picture 40" descr="shop-256.png"/>
+          <p:cNvPicPr>
+            <a:picLocks noChangeAspect="1"/>
+          </p:cNvPicPr>
+          <p:nvPr/>
+        </p:nvPicPr>
+        <p:blipFill>
+          <a:blip r:embed="rId8">
+            <a:extLst>
+              <a:ext uri="{28A0092B-C50C-407E-A947-70E740481C1C}">
+                <a14:useLocalDpi xmlns:a14="http://schemas.microsoft.com/office/drawing/2010/main" val="0"/>
+              </a:ext>
+            </a:extLst>
+          </a:blip>
+          <a:stretch>
+            <a:fillRect/>
+          </a:stretch>
+        </p:blipFill>
+        <p:spPr>
+          <a:xfrm>
+            <a:off x="6108185" y="1057495"/>
+            <a:ext cx="285841" cy="285841"/>
+          </a:xfrm>
+          <a:prstGeom prst="rect">
+            <a:avLst/>
+          </a:prstGeom>
+        </p:spPr>
+      </p:pic>
     </p:spTree>
     <p:extLst>
       <p:ext uri="{BB962C8B-B14F-4D97-AF65-F5344CB8AC3E}">
@@ -26402,6 +26491,36 @@
           </a:p>
         </p:txBody>
       </p:sp>
+      <p:pic>
+        <p:nvPicPr>
+          <p:cNvPr id="38" name="Picture 37" descr="shop-256.png"/>
+          <p:cNvPicPr>
+            <a:picLocks noChangeAspect="1"/>
+          </p:cNvPicPr>
+          <p:nvPr/>
+        </p:nvPicPr>
+        <p:blipFill>
+          <a:blip r:embed="rId9">
+            <a:extLst>
+              <a:ext uri="{28A0092B-C50C-407E-A947-70E740481C1C}">
+                <a14:useLocalDpi xmlns:a14="http://schemas.microsoft.com/office/drawing/2010/main" val="0"/>
+              </a:ext>
+            </a:extLst>
+          </a:blip>
+          <a:stretch>
+            <a:fillRect/>
+          </a:stretch>
+        </p:blipFill>
+        <p:spPr>
+          <a:xfrm>
+            <a:off x="6108185" y="1057495"/>
+            <a:ext cx="285841" cy="285841"/>
+          </a:xfrm>
+          <a:prstGeom prst="rect">
+            <a:avLst/>
+          </a:prstGeom>
+        </p:spPr>
+      </p:pic>
     </p:spTree>
     <p:extLst>
       <p:ext uri="{BB962C8B-B14F-4D97-AF65-F5344CB8AC3E}">
@@ -28468,6 +28587,36 @@
           </a:p>
         </p:txBody>
       </p:sp>
+      <p:pic>
+        <p:nvPicPr>
+          <p:cNvPr id="51" name="Picture 50" descr="shop-256.png"/>
+          <p:cNvPicPr>
+            <a:picLocks noChangeAspect="1"/>
+          </p:cNvPicPr>
+          <p:nvPr/>
+        </p:nvPicPr>
+        <p:blipFill>
+          <a:blip r:embed="rId9">
+            <a:extLst>
+              <a:ext uri="{28A0092B-C50C-407E-A947-70E740481C1C}">
+                <a14:useLocalDpi xmlns:a14="http://schemas.microsoft.com/office/drawing/2010/main" val="0"/>
+              </a:ext>
+            </a:extLst>
+          </a:blip>
+          <a:stretch>
+            <a:fillRect/>
+          </a:stretch>
+        </p:blipFill>
+        <p:spPr>
+          <a:xfrm>
+            <a:off x="6108185" y="1057495"/>
+            <a:ext cx="285841" cy="285841"/>
+          </a:xfrm>
+          <a:prstGeom prst="rect">
+            <a:avLst/>
+          </a:prstGeom>
+        </p:spPr>
+      </p:pic>
     </p:spTree>
     <p:extLst>
       <p:ext uri="{BB962C8B-B14F-4D97-AF65-F5344CB8AC3E}">
@@ -32718,6 +32867,36 @@
           </a:p>
         </p:txBody>
       </p:sp>
+      <p:pic>
+        <p:nvPicPr>
+          <p:cNvPr id="30" name="Picture 29" descr="shop-256.png"/>
+          <p:cNvPicPr>
+            <a:picLocks noChangeAspect="1"/>
+          </p:cNvPicPr>
+          <p:nvPr/>
+        </p:nvPicPr>
+        <p:blipFill>
+          <a:blip r:embed="rId8">
+            <a:extLst>
+              <a:ext uri="{28A0092B-C50C-407E-A947-70E740481C1C}">
+                <a14:useLocalDpi xmlns:a14="http://schemas.microsoft.com/office/drawing/2010/main" val="0"/>
+              </a:ext>
+            </a:extLst>
+          </a:blip>
+          <a:stretch>
+            <a:fillRect/>
+          </a:stretch>
+        </p:blipFill>
+        <p:spPr>
+          <a:xfrm>
+            <a:off x="6108185" y="1057495"/>
+            <a:ext cx="285841" cy="285841"/>
+          </a:xfrm>
+          <a:prstGeom prst="rect">
+            <a:avLst/>
+          </a:prstGeom>
+        </p:spPr>
+      </p:pic>
     </p:spTree>
     <p:extLst>
       <p:ext uri="{BB962C8B-B14F-4D97-AF65-F5344CB8AC3E}">
@@ -35866,6 +36045,36 @@
           </a:p>
         </p:txBody>
       </p:sp>
+      <p:pic>
+        <p:nvPicPr>
+          <p:cNvPr id="40" name="Picture 39" descr="shop-256.png"/>
+          <p:cNvPicPr>
+            <a:picLocks noChangeAspect="1"/>
+          </p:cNvPicPr>
+          <p:nvPr/>
+        </p:nvPicPr>
+        <p:blipFill>
+          <a:blip r:embed="rId8">
+            <a:extLst>
+              <a:ext uri="{28A0092B-C50C-407E-A947-70E740481C1C}">
+                <a14:useLocalDpi xmlns:a14="http://schemas.microsoft.com/office/drawing/2010/main" val="0"/>
+              </a:ext>
+            </a:extLst>
+          </a:blip>
+          <a:stretch>
+            <a:fillRect/>
+          </a:stretch>
+        </p:blipFill>
+        <p:spPr>
+          <a:xfrm>
+            <a:off x="6108185" y="1057495"/>
+            <a:ext cx="285841" cy="285841"/>
+          </a:xfrm>
+          <a:prstGeom prst="rect">
+            <a:avLst/>
+          </a:prstGeom>
+        </p:spPr>
+      </p:pic>
     </p:spTree>
     <p:extLst>
       <p:ext uri="{BB962C8B-B14F-4D97-AF65-F5344CB8AC3E}">
@@ -37847,143 +38056,6 @@
           </a:prstGeom>
           <a:solidFill>
             <a:schemeClr val="bg1"/>
-          </a:solidFill>
-          <a:ln>
-            <a:noFill/>
-          </a:ln>
-          <a:effectLst/>
-        </p:spPr>
-        <p:style>
-          <a:lnRef idx="1">
-            <a:schemeClr val="accent1"/>
-          </a:lnRef>
-          <a:fillRef idx="3">
-            <a:schemeClr val="accent1"/>
-          </a:fillRef>
-          <a:effectRef idx="2">
-            <a:schemeClr val="accent1"/>
-          </a:effectRef>
-          <a:fontRef idx="minor">
-            <a:schemeClr val="lt1"/>
-          </a:fontRef>
-        </p:style>
-        <p:txBody>
-          <a:bodyPr rtlCol="0" anchor="ctr"/>
-          <a:lstStyle/>
-          <a:p>
-            <a:pPr algn="ctr"/>
-            <a:endParaRPr lang="en-US"/>
-          </a:p>
-        </p:txBody>
-      </p:sp>
-      <p:sp>
-        <p:nvSpPr>
-          <p:cNvPr id="27" name="TextBox 26"/>
-          <p:cNvSpPr txBox="1"/>
-          <p:nvPr/>
-        </p:nvSpPr>
-        <p:spPr>
-          <a:xfrm>
-            <a:off x="6377404" y="1055471"/>
-            <a:ext cx="1572824" cy="276999"/>
-          </a:xfrm>
-          <a:prstGeom prst="rect">
-            <a:avLst/>
-          </a:prstGeom>
-          <a:noFill/>
-          <a:ln>
-            <a:solidFill>
-              <a:srgbClr val="000000"/>
-            </a:solidFill>
-          </a:ln>
-        </p:spPr>
-        <p:txBody>
-          <a:bodyPr wrap="square" rtlCol="0">
-            <a:spAutoFit/>
-          </a:bodyPr>
-          <a:lstStyle/>
-          <a:p>
-            <a:r>
-              <a:rPr lang="en-US" sz="1200" i="1" spc="300" dirty="0" smtClean="0">
-                <a:solidFill>
-                  <a:srgbClr val="000000"/>
-                </a:solidFill>
-              </a:rPr>
-              <a:t>...Search...</a:t>
-            </a:r>
-            <a:endParaRPr lang="en-US" sz="1200" i="1" spc="300" dirty="0">
-              <a:solidFill>
-                <a:srgbClr val="000000"/>
-              </a:solidFill>
-            </a:endParaRPr>
-          </a:p>
-        </p:txBody>
-      </p:sp>
-      <p:sp>
-        <p:nvSpPr>
-          <p:cNvPr id="28" name="Donut 27"/>
-          <p:cNvSpPr/>
-          <p:nvPr/>
-        </p:nvSpPr>
-        <p:spPr>
-          <a:xfrm>
-            <a:off x="6039193" y="1034135"/>
-            <a:ext cx="261979" cy="264991"/>
-          </a:xfrm>
-          <a:prstGeom prst="donut">
-            <a:avLst/>
-          </a:prstGeom>
-          <a:solidFill>
-            <a:srgbClr val="000000"/>
-          </a:solidFill>
-          <a:ln>
-            <a:noFill/>
-          </a:ln>
-          <a:effectLst/>
-        </p:spPr>
-        <p:style>
-          <a:lnRef idx="1">
-            <a:schemeClr val="accent1"/>
-          </a:lnRef>
-          <a:fillRef idx="3">
-            <a:schemeClr val="accent1"/>
-          </a:fillRef>
-          <a:effectRef idx="2">
-            <a:schemeClr val="accent1"/>
-          </a:effectRef>
-          <a:fontRef idx="minor">
-            <a:schemeClr val="lt1"/>
-          </a:fontRef>
-        </p:style>
-        <p:txBody>
-          <a:bodyPr rtlCol="0" anchor="ctr"/>
-          <a:lstStyle/>
-          <a:p>
-            <a:pPr algn="ctr"/>
-            <a:endParaRPr lang="en-US">
-              <a:solidFill>
-                <a:schemeClr val="tx1"/>
-              </a:solidFill>
-            </a:endParaRPr>
-          </a:p>
-        </p:txBody>
-      </p:sp>
-      <p:sp>
-        <p:nvSpPr>
-          <p:cNvPr id="29" name="Rounded Rectangle 28"/>
-          <p:cNvSpPr/>
-          <p:nvPr/>
-        </p:nvSpPr>
-        <p:spPr>
-          <a:xfrm rot="2586247">
-            <a:off x="6198638" y="1251009"/>
-            <a:ext cx="144143" cy="54798"/>
-          </a:xfrm>
-          <a:prstGeom prst="roundRect">
-            <a:avLst/>
-          </a:prstGeom>
-          <a:solidFill>
-            <a:srgbClr val="000000"/>
           </a:solidFill>
           <a:ln>
             <a:noFill/>
@@ -43241,6 +43313,36 @@
           </a:p>
         </p:txBody>
       </p:sp>
+      <p:pic>
+        <p:nvPicPr>
+          <p:cNvPr id="65" name="Picture 64" descr="shop-256.png"/>
+          <p:cNvPicPr>
+            <a:picLocks noChangeAspect="1"/>
+          </p:cNvPicPr>
+          <p:nvPr/>
+        </p:nvPicPr>
+        <p:blipFill>
+          <a:blip r:embed="rId8">
+            <a:extLst>
+              <a:ext uri="{28A0092B-C50C-407E-A947-70E740481C1C}">
+                <a14:useLocalDpi xmlns:a14="http://schemas.microsoft.com/office/drawing/2010/main" val="0"/>
+              </a:ext>
+            </a:extLst>
+          </a:blip>
+          <a:stretch>
+            <a:fillRect/>
+          </a:stretch>
+        </p:blipFill>
+        <p:spPr>
+          <a:xfrm>
+            <a:off x="6108185" y="1057495"/>
+            <a:ext cx="285841" cy="285841"/>
+          </a:xfrm>
+          <a:prstGeom prst="rect">
+            <a:avLst/>
+          </a:prstGeom>
+        </p:spPr>
+      </p:pic>
     </p:spTree>
     <p:extLst>
       <p:ext uri="{BB962C8B-B14F-4D97-AF65-F5344CB8AC3E}">
@@ -45122,6 +45224,36 @@
           </a:p>
         </p:txBody>
       </p:sp>
+      <p:pic>
+        <p:nvPicPr>
+          <p:cNvPr id="46" name="Picture 45" descr="shop-256.png"/>
+          <p:cNvPicPr>
+            <a:picLocks noChangeAspect="1"/>
+          </p:cNvPicPr>
+          <p:nvPr/>
+        </p:nvPicPr>
+        <p:blipFill>
+          <a:blip r:embed="rId8">
+            <a:extLst>
+              <a:ext uri="{28A0092B-C50C-407E-A947-70E740481C1C}">
+                <a14:useLocalDpi xmlns:a14="http://schemas.microsoft.com/office/drawing/2010/main" val="0"/>
+              </a:ext>
+            </a:extLst>
+          </a:blip>
+          <a:stretch>
+            <a:fillRect/>
+          </a:stretch>
+        </p:blipFill>
+        <p:spPr>
+          <a:xfrm>
+            <a:off x="6108185" y="1057495"/>
+            <a:ext cx="285841" cy="285841"/>
+          </a:xfrm>
+          <a:prstGeom prst="rect">
+            <a:avLst/>
+          </a:prstGeom>
+        </p:spPr>
+      </p:pic>
     </p:spTree>
     <p:extLst>
       <p:ext uri="{BB962C8B-B14F-4D97-AF65-F5344CB8AC3E}">
@@ -45529,279 +45661,7 @@
       </p:sp>
       <p:sp>
         <p:nvSpPr>
-          <p:cNvPr id="74" name="TextBox 73"/>
-          <p:cNvSpPr txBox="1"/>
-          <p:nvPr/>
-        </p:nvSpPr>
-        <p:spPr>
-          <a:xfrm>
-            <a:off x="3635893" y="496565"/>
-            <a:ext cx="2990991" cy="338554"/>
-          </a:xfrm>
-          <a:prstGeom prst="rect">
-            <a:avLst/>
-          </a:prstGeom>
-          <a:noFill/>
-        </p:spPr>
-        <p:txBody>
-          <a:bodyPr wrap="square" rtlCol="0">
-            <a:spAutoFit/>
-          </a:bodyPr>
-          <a:lstStyle/>
-          <a:p>
-            <a:r>
-              <a:rPr lang="en-US" sz="1600" dirty="0" smtClean="0"/>
-              <a:t>HanDIYcraft | Tutorial Detail</a:t>
-            </a:r>
-            <a:endParaRPr lang="en-US" sz="1600" dirty="0"/>
-          </a:p>
-        </p:txBody>
-      </p:sp>
-      <p:sp>
-        <p:nvSpPr>
-          <p:cNvPr id="38" name="TextBox 37"/>
-          <p:cNvSpPr txBox="1"/>
-          <p:nvPr/>
-        </p:nvSpPr>
-        <p:spPr>
-          <a:xfrm>
-            <a:off x="2772377" y="1552780"/>
-            <a:ext cx="3803538" cy="707886"/>
-          </a:xfrm>
-          <a:prstGeom prst="rect">
-            <a:avLst/>
-          </a:prstGeom>
-          <a:noFill/>
-        </p:spPr>
-        <p:txBody>
-          <a:bodyPr wrap="square" rtlCol="0">
-            <a:spAutoFit/>
-          </a:bodyPr>
-          <a:lstStyle/>
-          <a:p>
-            <a:pPr algn="ctr"/>
-            <a:r>
-              <a:rPr lang="en-US" sz="4000" b="1" spc="300" dirty="0" smtClean="0">
-                <a:solidFill>
-                  <a:srgbClr val="000000"/>
-                </a:solidFill>
-                <a:latin typeface="+mj-lt"/>
-                <a:cs typeface="MAW "/>
-              </a:rPr>
-              <a:t>Shop </a:t>
-            </a:r>
-            <a:r>
-              <a:rPr lang="en-US" sz="4000" b="1" spc="300" dirty="0" smtClean="0">
-                <a:solidFill>
-                  <a:srgbClr val="000000"/>
-                </a:solidFill>
-                <a:latin typeface="+mj-lt"/>
-                <a:cs typeface="MAW "/>
-              </a:rPr>
-              <a:t>Name</a:t>
-            </a:r>
-            <a:endParaRPr lang="en-US" sz="4000" b="1" spc="300" dirty="0">
-              <a:solidFill>
-                <a:srgbClr val="000000"/>
-              </a:solidFill>
-              <a:latin typeface="+mj-lt"/>
-              <a:cs typeface="MAW "/>
-            </a:endParaRPr>
-          </a:p>
-        </p:txBody>
-      </p:sp>
-      <p:sp>
-        <p:nvSpPr>
-          <p:cNvPr id="39" name="TextBox 38"/>
-          <p:cNvSpPr txBox="1"/>
-          <p:nvPr/>
-        </p:nvSpPr>
-        <p:spPr>
-          <a:xfrm>
-            <a:off x="3905649" y="2060611"/>
-            <a:ext cx="1570262" cy="400110"/>
-          </a:xfrm>
-          <a:prstGeom prst="rect">
-            <a:avLst/>
-          </a:prstGeom>
-          <a:noFill/>
-        </p:spPr>
-        <p:txBody>
-          <a:bodyPr wrap="none" rtlCol="0">
-            <a:spAutoFit/>
-          </a:bodyPr>
-          <a:lstStyle/>
-          <a:p>
-            <a:r>
-              <a:rPr lang="en-US" sz="2000" dirty="0" smtClean="0">
-                <a:solidFill>
-                  <a:srgbClr val="000000"/>
-                </a:solidFill>
-              </a:rPr>
-              <a:t>By </a:t>
-            </a:r>
-            <a:r>
-              <a:rPr lang="en-US" sz="2000" u="sng" dirty="0" smtClean="0">
-                <a:solidFill>
-                  <a:srgbClr val="000000"/>
-                </a:solidFill>
-              </a:rPr>
-              <a:t>Username</a:t>
-            </a:r>
-            <a:endParaRPr lang="en-US" sz="2000" u="sng" dirty="0">
-              <a:solidFill>
-                <a:srgbClr val="000000"/>
-              </a:solidFill>
-            </a:endParaRPr>
-          </a:p>
-        </p:txBody>
-      </p:sp>
-      <p:cxnSp>
-        <p:nvCxnSpPr>
-          <p:cNvPr id="41" name="Straight Connector 40"/>
-          <p:cNvCxnSpPr/>
-          <p:nvPr/>
-        </p:nvCxnSpPr>
-        <p:spPr>
-          <a:xfrm>
-            <a:off x="1187585" y="2573866"/>
-            <a:ext cx="6779138" cy="0"/>
-          </a:xfrm>
-          <a:prstGeom prst="line">
-            <a:avLst/>
-          </a:prstGeom>
-          <a:ln w="12700" cmpd="sng">
-            <a:solidFill>
-              <a:schemeClr val="tx1"/>
-            </a:solidFill>
-          </a:ln>
-          <a:effectLst/>
-        </p:spPr>
-        <p:style>
-          <a:lnRef idx="2">
-            <a:schemeClr val="accent1"/>
-          </a:lnRef>
-          <a:fillRef idx="0">
-            <a:schemeClr val="accent1"/>
-          </a:fillRef>
-          <a:effectRef idx="1">
-            <a:schemeClr val="accent1"/>
-          </a:effectRef>
-          <a:fontRef idx="minor">
-            <a:schemeClr val="tx1"/>
-          </a:fontRef>
-        </p:style>
-      </p:cxnSp>
-      <p:sp>
-        <p:nvSpPr>
-          <p:cNvPr id="45" name="TextBox 44"/>
-          <p:cNvSpPr txBox="1"/>
-          <p:nvPr/>
-        </p:nvSpPr>
-        <p:spPr>
-          <a:xfrm>
-            <a:off x="2785090" y="2638182"/>
-            <a:ext cx="3723545" cy="1323439"/>
-          </a:xfrm>
-          <a:prstGeom prst="rect">
-            <a:avLst/>
-          </a:prstGeom>
-          <a:noFill/>
-        </p:spPr>
-        <p:txBody>
-          <a:bodyPr wrap="none" rtlCol="0">
-            <a:spAutoFit/>
-          </a:bodyPr>
-          <a:lstStyle/>
-          <a:p>
-            <a:r>
-              <a:rPr lang="en-US" sz="2000" b="1" dirty="0" smtClean="0">
-                <a:solidFill>
-                  <a:srgbClr val="000000"/>
-                </a:solidFill>
-              </a:rPr>
-              <a:t>Branch: </a:t>
-            </a:r>
-            <a:r>
-              <a:rPr lang="en-US" sz="2000" dirty="0" err="1" smtClean="0">
-                <a:solidFill>
-                  <a:srgbClr val="000000"/>
-                </a:solidFill>
-              </a:rPr>
-              <a:t>xxxxxxxxxxxxxxxxxxxxxxxx</a:t>
-            </a:r>
-            <a:endParaRPr lang="en-US" sz="2000" dirty="0" smtClean="0">
-              <a:solidFill>
-                <a:srgbClr val="000000"/>
-              </a:solidFill>
-            </a:endParaRPr>
-          </a:p>
-          <a:p>
-            <a:r>
-              <a:rPr lang="en-US" sz="2000" b="1" dirty="0" smtClean="0">
-                <a:solidFill>
-                  <a:srgbClr val="000000"/>
-                </a:solidFill>
-              </a:rPr>
-              <a:t>Telephone Number: </a:t>
-            </a:r>
-            <a:r>
-              <a:rPr lang="en-US" sz="2000" dirty="0" err="1">
-                <a:solidFill>
-                  <a:srgbClr val="000000"/>
-                </a:solidFill>
-              </a:rPr>
-              <a:t>xxxxxxxxxxxx</a:t>
-            </a:r>
-            <a:endParaRPr lang="en-US" sz="2000" dirty="0">
-              <a:solidFill>
-                <a:srgbClr val="000000"/>
-              </a:solidFill>
-            </a:endParaRPr>
-          </a:p>
-          <a:p>
-            <a:r>
-              <a:rPr lang="en-US" sz="2000" b="1" dirty="0" smtClean="0">
-                <a:solidFill>
-                  <a:srgbClr val="000000"/>
-                </a:solidFill>
-              </a:rPr>
-              <a:t>Information: </a:t>
-            </a:r>
-            <a:r>
-              <a:rPr lang="en-US" sz="2000" dirty="0" err="1" smtClean="0">
-                <a:solidFill>
-                  <a:srgbClr val="000000"/>
-                </a:solidFill>
-              </a:rPr>
-              <a:t>xxxxxxxxxxxxxxxxxxx</a:t>
-            </a:r>
-            <a:endParaRPr lang="en-US" sz="2000" dirty="0" smtClean="0">
-              <a:solidFill>
-                <a:srgbClr val="000000"/>
-              </a:solidFill>
-            </a:endParaRPr>
-          </a:p>
-          <a:p>
-            <a:r>
-              <a:rPr lang="en-US" sz="2000" dirty="0" err="1" smtClean="0">
-                <a:solidFill>
-                  <a:srgbClr val="000000"/>
-                </a:solidFill>
-              </a:rPr>
-              <a:t>xxxxxxxxxxxxxxxxxxxxxxxxxxxxxxxx</a:t>
-            </a:r>
-            <a:endParaRPr lang="en-US" sz="2000" dirty="0">
-              <a:solidFill>
-                <a:srgbClr val="000000"/>
-              </a:solidFill>
-            </a:endParaRPr>
-          </a:p>
-        </p:txBody>
-      </p:sp>
-      <p:sp>
-        <p:nvSpPr>
-          <p:cNvPr id="54" name="Rectangle 53"/>
+          <p:cNvPr id="25" name="Rectangle 24"/>
           <p:cNvSpPr/>
           <p:nvPr/>
         </p:nvSpPr>
@@ -45860,7 +45720,7 @@
       </p:sp>
       <p:pic>
         <p:nvPicPr>
-          <p:cNvPr id="55" name="Picture 54" descr="home1.png"/>
+          <p:cNvPr id="47" name="Picture 46" descr="home1.png"/>
           <p:cNvPicPr>
             <a:picLocks noChangeAspect="1"/>
           </p:cNvPicPr>
@@ -45901,7 +45761,7 @@
       </p:pic>
       <p:sp>
         <p:nvSpPr>
-          <p:cNvPr id="56" name="Heart 55"/>
+          <p:cNvPr id="48" name="Heart 47"/>
           <p:cNvSpPr/>
           <p:nvPr/>
         </p:nvSpPr>
@@ -45946,7 +45806,7 @@
       </p:sp>
       <p:pic>
         <p:nvPicPr>
-          <p:cNvPr id="57" name="Picture 56" descr="create1.png"/>
+          <p:cNvPr id="51" name="Picture 50" descr="create1.png"/>
           <p:cNvPicPr>
             <a:picLocks noChangeAspect="1"/>
           </p:cNvPicPr>
@@ -45984,9 +45844,387 @@
           </a:prstGeom>
         </p:spPr>
       </p:pic>
+      <p:sp>
+        <p:nvSpPr>
+          <p:cNvPr id="15" name="Rectangle 14"/>
+          <p:cNvSpPr/>
+          <p:nvPr/>
+        </p:nvSpPr>
+        <p:spPr>
+          <a:xfrm>
+            <a:off x="1682750" y="2917497"/>
+            <a:ext cx="2603500" cy="3455112"/>
+          </a:xfrm>
+          <a:prstGeom prst="rect">
+            <a:avLst/>
+          </a:prstGeom>
+          <a:solidFill>
+            <a:schemeClr val="bg1"/>
+          </a:solidFill>
+          <a:ln>
+            <a:solidFill>
+              <a:schemeClr val="tx1"/>
+            </a:solidFill>
+          </a:ln>
+          <a:effectLst/>
+        </p:spPr>
+        <p:style>
+          <a:lnRef idx="1">
+            <a:schemeClr val="accent1"/>
+          </a:lnRef>
+          <a:fillRef idx="3">
+            <a:schemeClr val="accent1"/>
+          </a:fillRef>
+          <a:effectRef idx="2">
+            <a:schemeClr val="accent1"/>
+          </a:effectRef>
+          <a:fontRef idx="minor">
+            <a:schemeClr val="lt1"/>
+          </a:fontRef>
+        </p:style>
+        <p:txBody>
+          <a:bodyPr rtlCol="0" anchor="ctr"/>
+          <a:lstStyle/>
+          <a:p>
+            <a:pPr algn="ctr"/>
+            <a:endParaRPr lang="en-US"/>
+          </a:p>
+        </p:txBody>
+      </p:sp>
+      <p:sp>
+        <p:nvSpPr>
+          <p:cNvPr id="58" name="Rectangle 57"/>
+          <p:cNvSpPr/>
+          <p:nvPr/>
+        </p:nvSpPr>
+        <p:spPr>
+          <a:xfrm>
+            <a:off x="1682750" y="5974975"/>
+            <a:ext cx="2603500" cy="397634"/>
+          </a:xfrm>
+          <a:prstGeom prst="rect">
+            <a:avLst/>
+          </a:prstGeom>
+          <a:solidFill>
+            <a:schemeClr val="bg1"/>
+          </a:solidFill>
+          <a:ln>
+            <a:solidFill>
+              <a:schemeClr val="tx1"/>
+            </a:solidFill>
+          </a:ln>
+          <a:effectLst/>
+        </p:spPr>
+        <p:style>
+          <a:lnRef idx="1">
+            <a:schemeClr val="accent1"/>
+          </a:lnRef>
+          <a:fillRef idx="3">
+            <a:schemeClr val="accent1"/>
+          </a:fillRef>
+          <a:effectRef idx="2">
+            <a:schemeClr val="accent1"/>
+          </a:effectRef>
+          <a:fontRef idx="minor">
+            <a:schemeClr val="lt1"/>
+          </a:fontRef>
+        </p:style>
+        <p:txBody>
+          <a:bodyPr rtlCol="0" anchor="ctr"/>
+          <a:lstStyle/>
+          <a:p>
+            <a:pPr algn="ctr"/>
+            <a:endParaRPr lang="en-US"/>
+          </a:p>
+        </p:txBody>
+      </p:sp>
+      <p:sp>
+        <p:nvSpPr>
+          <p:cNvPr id="60" name="Rectangle 59"/>
+          <p:cNvSpPr/>
+          <p:nvPr/>
+        </p:nvSpPr>
+        <p:spPr>
+          <a:xfrm>
+            <a:off x="4886551" y="2917497"/>
+            <a:ext cx="2603500" cy="3455112"/>
+          </a:xfrm>
+          <a:prstGeom prst="rect">
+            <a:avLst/>
+          </a:prstGeom>
+          <a:solidFill>
+            <a:schemeClr val="bg1"/>
+          </a:solidFill>
+          <a:ln>
+            <a:solidFill>
+              <a:schemeClr val="tx1"/>
+            </a:solidFill>
+          </a:ln>
+          <a:effectLst/>
+        </p:spPr>
+        <p:style>
+          <a:lnRef idx="1">
+            <a:schemeClr val="accent1"/>
+          </a:lnRef>
+          <a:fillRef idx="3">
+            <a:schemeClr val="accent1"/>
+          </a:fillRef>
+          <a:effectRef idx="2">
+            <a:schemeClr val="accent1"/>
+          </a:effectRef>
+          <a:fontRef idx="minor">
+            <a:schemeClr val="lt1"/>
+          </a:fontRef>
+        </p:style>
+        <p:txBody>
+          <a:bodyPr rtlCol="0" anchor="ctr"/>
+          <a:lstStyle/>
+          <a:p>
+            <a:pPr algn="ctr"/>
+            <a:endParaRPr lang="en-US"/>
+          </a:p>
+        </p:txBody>
+      </p:sp>
+      <p:sp>
+        <p:nvSpPr>
+          <p:cNvPr id="61" name="Rectangle 60"/>
+          <p:cNvSpPr/>
+          <p:nvPr/>
+        </p:nvSpPr>
+        <p:spPr>
+          <a:xfrm>
+            <a:off x="4886551" y="5974975"/>
+            <a:ext cx="2603500" cy="397634"/>
+          </a:xfrm>
+          <a:prstGeom prst="rect">
+            <a:avLst/>
+          </a:prstGeom>
+          <a:solidFill>
+            <a:schemeClr val="bg1"/>
+          </a:solidFill>
+          <a:ln>
+            <a:solidFill>
+              <a:schemeClr val="tx1"/>
+            </a:solidFill>
+          </a:ln>
+          <a:effectLst/>
+        </p:spPr>
+        <p:style>
+          <a:lnRef idx="1">
+            <a:schemeClr val="accent1"/>
+          </a:lnRef>
+          <a:fillRef idx="3">
+            <a:schemeClr val="accent1"/>
+          </a:fillRef>
+          <a:effectRef idx="2">
+            <a:schemeClr val="accent1"/>
+          </a:effectRef>
+          <a:fontRef idx="minor">
+            <a:schemeClr val="lt1"/>
+          </a:fontRef>
+        </p:style>
+        <p:txBody>
+          <a:bodyPr rtlCol="0" anchor="ctr"/>
+          <a:lstStyle/>
+          <a:p>
+            <a:pPr algn="ctr"/>
+            <a:endParaRPr lang="en-US"/>
+          </a:p>
+        </p:txBody>
+      </p:sp>
+      <p:cxnSp>
+        <p:nvCxnSpPr>
+          <p:cNvPr id="62" name="Straight Connector 61"/>
+          <p:cNvCxnSpPr/>
+          <p:nvPr/>
+        </p:nvCxnSpPr>
+        <p:spPr>
+          <a:xfrm>
+            <a:off x="1682750" y="2917497"/>
+            <a:ext cx="2603500" cy="3057478"/>
+          </a:xfrm>
+          <a:prstGeom prst="line">
+            <a:avLst/>
+          </a:prstGeom>
+          <a:ln w="12700" cmpd="sng">
+            <a:solidFill>
+              <a:schemeClr val="tx1"/>
+            </a:solidFill>
+          </a:ln>
+          <a:effectLst/>
+        </p:spPr>
+        <p:style>
+          <a:lnRef idx="2">
+            <a:schemeClr val="accent1"/>
+          </a:lnRef>
+          <a:fillRef idx="0">
+            <a:schemeClr val="accent1"/>
+          </a:fillRef>
+          <a:effectRef idx="1">
+            <a:schemeClr val="accent1"/>
+          </a:effectRef>
+          <a:fontRef idx="minor">
+            <a:schemeClr val="tx1"/>
+          </a:fontRef>
+        </p:style>
+      </p:cxnSp>
+      <p:cxnSp>
+        <p:nvCxnSpPr>
+          <p:cNvPr id="63" name="Straight Connector 62"/>
+          <p:cNvCxnSpPr/>
+          <p:nvPr/>
+        </p:nvCxnSpPr>
+        <p:spPr>
+          <a:xfrm flipV="1">
+            <a:off x="1682750" y="2917497"/>
+            <a:ext cx="2603500" cy="3057478"/>
+          </a:xfrm>
+          <a:prstGeom prst="line">
+            <a:avLst/>
+          </a:prstGeom>
+          <a:ln w="12700" cmpd="sng">
+            <a:solidFill>
+              <a:schemeClr val="tx1"/>
+            </a:solidFill>
+          </a:ln>
+          <a:effectLst/>
+        </p:spPr>
+        <p:style>
+          <a:lnRef idx="2">
+            <a:schemeClr val="accent1"/>
+          </a:lnRef>
+          <a:fillRef idx="0">
+            <a:schemeClr val="accent1"/>
+          </a:fillRef>
+          <a:effectRef idx="1">
+            <a:schemeClr val="accent1"/>
+          </a:effectRef>
+          <a:fontRef idx="minor">
+            <a:schemeClr val="tx1"/>
+          </a:fontRef>
+        </p:style>
+      </p:cxnSp>
+      <p:cxnSp>
+        <p:nvCxnSpPr>
+          <p:cNvPr id="64" name="Straight Connector 63"/>
+          <p:cNvCxnSpPr/>
+          <p:nvPr/>
+        </p:nvCxnSpPr>
+        <p:spPr>
+          <a:xfrm>
+            <a:off x="4886551" y="2915779"/>
+            <a:ext cx="2603500" cy="3057478"/>
+          </a:xfrm>
+          <a:prstGeom prst="line">
+            <a:avLst/>
+          </a:prstGeom>
+          <a:ln w="12700" cmpd="sng">
+            <a:solidFill>
+              <a:schemeClr val="tx1"/>
+            </a:solidFill>
+          </a:ln>
+          <a:effectLst/>
+        </p:spPr>
+        <p:style>
+          <a:lnRef idx="2">
+            <a:schemeClr val="accent1"/>
+          </a:lnRef>
+          <a:fillRef idx="0">
+            <a:schemeClr val="accent1"/>
+          </a:fillRef>
+          <a:effectRef idx="1">
+            <a:schemeClr val="accent1"/>
+          </a:effectRef>
+          <a:fontRef idx="minor">
+            <a:schemeClr val="tx1"/>
+          </a:fontRef>
+        </p:style>
+      </p:cxnSp>
+      <p:cxnSp>
+        <p:nvCxnSpPr>
+          <p:cNvPr id="65" name="Straight Connector 64"/>
+          <p:cNvCxnSpPr/>
+          <p:nvPr/>
+        </p:nvCxnSpPr>
+        <p:spPr>
+          <a:xfrm flipV="1">
+            <a:off x="4886551" y="2915779"/>
+            <a:ext cx="2603500" cy="3057478"/>
+          </a:xfrm>
+          <a:prstGeom prst="line">
+            <a:avLst/>
+          </a:prstGeom>
+          <a:ln w="12700" cmpd="sng">
+            <a:solidFill>
+              <a:schemeClr val="tx1"/>
+            </a:solidFill>
+          </a:ln>
+          <a:effectLst/>
+        </p:spPr>
+        <p:style>
+          <a:lnRef idx="2">
+            <a:schemeClr val="accent1"/>
+          </a:lnRef>
+          <a:fillRef idx="0">
+            <a:schemeClr val="accent1"/>
+          </a:fillRef>
+          <a:effectRef idx="1">
+            <a:schemeClr val="accent1"/>
+          </a:effectRef>
+          <a:fontRef idx="minor">
+            <a:schemeClr val="tx1"/>
+          </a:fontRef>
+        </p:style>
+      </p:cxnSp>
+      <p:sp>
+        <p:nvSpPr>
+          <p:cNvPr id="66" name="TextBox 65"/>
+          <p:cNvSpPr txBox="1"/>
+          <p:nvPr/>
+        </p:nvSpPr>
+        <p:spPr>
+          <a:xfrm>
+            <a:off x="2223900" y="5965763"/>
+            <a:ext cx="1512629" cy="369332"/>
+          </a:xfrm>
+          <a:prstGeom prst="rect">
+            <a:avLst/>
+          </a:prstGeom>
+          <a:noFill/>
+        </p:spPr>
+        <p:txBody>
+          <a:bodyPr wrap="none" rtlCol="0">
+            <a:spAutoFit/>
+          </a:bodyPr>
+          <a:lstStyle/>
+          <a:p>
+            <a:r>
+              <a:rPr lang="en-US" b="1" dirty="0" smtClean="0">
+                <a:solidFill>
+                  <a:srgbClr val="000000"/>
+                </a:solidFill>
+              </a:rPr>
+              <a:t>“ </a:t>
+            </a:r>
+            <a:r>
+              <a:rPr lang="en-US" b="1" dirty="0" smtClean="0">
+                <a:solidFill>
+                  <a:srgbClr val="000000"/>
+                </a:solidFill>
+              </a:rPr>
+              <a:t>Shop name”</a:t>
+            </a:r>
+            <a:endParaRPr lang="en-US" b="1" dirty="0">
+              <a:solidFill>
+                <a:srgbClr val="000000"/>
+              </a:solidFill>
+            </a:endParaRPr>
+          </a:p>
+        </p:txBody>
+      </p:sp>
       <p:pic>
         <p:nvPicPr>
-          <p:cNvPr id="58" name="Picture 57" descr="Untitled-1.png"/>
+          <p:cNvPr id="73" name="Picture 72" descr="Untitled-1.png"/>
           <p:cNvPicPr>
             <a:picLocks noChangeAspect="1"/>
           </p:cNvPicPr>
@@ -46015,9 +46253,39 @@
           </a:prstGeom>
         </p:spPr>
       </p:pic>
+      <p:sp>
+        <p:nvSpPr>
+          <p:cNvPr id="74" name="TextBox 73"/>
+          <p:cNvSpPr txBox="1"/>
+          <p:nvPr/>
+        </p:nvSpPr>
+        <p:spPr>
+          <a:xfrm>
+            <a:off x="3635893" y="496565"/>
+            <a:ext cx="2990991" cy="338554"/>
+          </a:xfrm>
+          <a:prstGeom prst="rect">
+            <a:avLst/>
+          </a:prstGeom>
+          <a:noFill/>
+        </p:spPr>
+        <p:txBody>
+          <a:bodyPr wrap="square" rtlCol="0">
+            <a:spAutoFit/>
+          </a:bodyPr>
+          <a:lstStyle/>
+          <a:p>
+            <a:r>
+              <a:rPr lang="en-US" sz="1600" dirty="0" smtClean="0"/>
+              <a:t>HanDIYcraft | Blogger Home Page</a:t>
+            </a:r>
+            <a:endParaRPr lang="en-US" sz="1600" dirty="0"/>
+          </a:p>
+        </p:txBody>
+      </p:sp>
       <p:pic>
         <p:nvPicPr>
-          <p:cNvPr id="59" name="Picture 58" descr="power icon.jpg"/>
+          <p:cNvPr id="2" name="Picture 1" descr="power icon.jpg"/>
           <p:cNvPicPr>
             <a:picLocks noChangeAspect="1"/>
           </p:cNvPicPr>
@@ -46047,22 +46315,20 @@
       </p:pic>
       <p:sp>
         <p:nvSpPr>
-          <p:cNvPr id="60" name="Isosceles Triangle 59"/>
-          <p:cNvSpPr/>
-          <p:nvPr/>
-        </p:nvSpPr>
-        <p:spPr>
-          <a:xfrm>
-            <a:off x="3676602" y="1344222"/>
-            <a:ext cx="338529" cy="206357"/>
-          </a:xfrm>
-          <a:prstGeom prst="triangle">
-            <a:avLst/>
-          </a:prstGeom>
-          <a:solidFill>
-            <a:schemeClr val="bg1"/>
-          </a:solidFill>
-          <a:ln>
+          <p:cNvPr id="39" name="Oval 38"/>
+          <p:cNvSpPr/>
+          <p:nvPr/>
+        </p:nvSpPr>
+        <p:spPr>
+          <a:xfrm>
+            <a:off x="2598979" y="2155646"/>
+            <a:ext cx="381236" cy="370476"/>
+          </a:xfrm>
+          <a:prstGeom prst="ellipse">
+            <a:avLst/>
+          </a:prstGeom>
+          <a:noFill/>
+          <a:ln w="28575" cmpd="sng">
             <a:solidFill>
               <a:schemeClr val="tx1"/>
             </a:solidFill>
@@ -46092,54 +46358,931 @@
           </a:p>
         </p:txBody>
       </p:sp>
-      <p:sp>
-        <p:nvSpPr>
-          <p:cNvPr id="61" name="Rectangle 60"/>
-          <p:cNvSpPr/>
-          <p:nvPr/>
-        </p:nvSpPr>
-        <p:spPr>
-          <a:xfrm>
-            <a:off x="3697422" y="1525937"/>
-            <a:ext cx="288880" cy="72448"/>
+      <p:cxnSp>
+        <p:nvCxnSpPr>
+          <p:cNvPr id="40" name="Straight Connector 39"/>
+          <p:cNvCxnSpPr>
+            <a:stCxn id="39" idx="1"/>
+            <a:endCxn id="39" idx="5"/>
+          </p:cNvCxnSpPr>
+          <p:nvPr/>
+        </p:nvCxnSpPr>
+        <p:spPr>
+          <a:xfrm>
+            <a:off x="2654810" y="2209901"/>
+            <a:ext cx="269574" cy="261966"/>
+          </a:xfrm>
+          <a:prstGeom prst="line">
+            <a:avLst/>
+          </a:prstGeom>
+          <a:ln>
+            <a:solidFill>
+              <a:schemeClr val="tx1"/>
+            </a:solidFill>
+          </a:ln>
+          <a:effectLst/>
+        </p:spPr>
+        <p:style>
+          <a:lnRef idx="2">
+            <a:schemeClr val="accent1"/>
+          </a:lnRef>
+          <a:fillRef idx="0">
+            <a:schemeClr val="accent1"/>
+          </a:fillRef>
+          <a:effectRef idx="1">
+            <a:schemeClr val="accent1"/>
+          </a:effectRef>
+          <a:fontRef idx="minor">
+            <a:schemeClr val="tx1"/>
+          </a:fontRef>
+        </p:style>
+      </p:cxnSp>
+      <p:cxnSp>
+        <p:nvCxnSpPr>
+          <p:cNvPr id="41" name="Straight Connector 40"/>
+          <p:cNvCxnSpPr>
+            <a:stCxn id="39" idx="3"/>
+            <a:endCxn id="39" idx="7"/>
+          </p:cNvCxnSpPr>
+          <p:nvPr/>
+        </p:nvCxnSpPr>
+        <p:spPr>
+          <a:xfrm flipV="1">
+            <a:off x="2654810" y="2209901"/>
+            <a:ext cx="269574" cy="261966"/>
+          </a:xfrm>
+          <a:prstGeom prst="line">
+            <a:avLst/>
+          </a:prstGeom>
+          <a:ln>
+            <a:solidFill>
+              <a:schemeClr val="tx1"/>
+            </a:solidFill>
+          </a:ln>
+          <a:effectLst/>
+        </p:spPr>
+        <p:style>
+          <a:lnRef idx="2">
+            <a:schemeClr val="accent1"/>
+          </a:lnRef>
+          <a:fillRef idx="0">
+            <a:schemeClr val="accent1"/>
+          </a:fillRef>
+          <a:effectRef idx="1">
+            <a:schemeClr val="accent1"/>
+          </a:effectRef>
+          <a:fontRef idx="minor">
+            <a:schemeClr val="tx1"/>
+          </a:fontRef>
+        </p:style>
+      </p:cxnSp>
+      <p:sp>
+        <p:nvSpPr>
+          <p:cNvPr id="43" name="Oval 42"/>
+          <p:cNvSpPr/>
+          <p:nvPr/>
+        </p:nvSpPr>
+        <p:spPr>
+          <a:xfrm>
+            <a:off x="3341592" y="2145441"/>
+            <a:ext cx="381236" cy="370476"/>
+          </a:xfrm>
+          <a:prstGeom prst="ellipse">
+            <a:avLst/>
+          </a:prstGeom>
+          <a:noFill/>
+          <a:ln w="28575" cmpd="sng">
+            <a:solidFill>
+              <a:schemeClr val="tx1"/>
+            </a:solidFill>
+          </a:ln>
+          <a:effectLst/>
+        </p:spPr>
+        <p:style>
+          <a:lnRef idx="1">
+            <a:schemeClr val="accent1"/>
+          </a:lnRef>
+          <a:fillRef idx="3">
+            <a:schemeClr val="accent1"/>
+          </a:fillRef>
+          <a:effectRef idx="2">
+            <a:schemeClr val="accent1"/>
+          </a:effectRef>
+          <a:fontRef idx="minor">
+            <a:schemeClr val="lt1"/>
+          </a:fontRef>
+        </p:style>
+        <p:txBody>
+          <a:bodyPr rtlCol="0" anchor="ctr"/>
+          <a:lstStyle/>
+          <a:p>
+            <a:pPr algn="ctr"/>
+            <a:endParaRPr lang="en-US"/>
+          </a:p>
+        </p:txBody>
+      </p:sp>
+      <p:cxnSp>
+        <p:nvCxnSpPr>
+          <p:cNvPr id="44" name="Straight Connector 43"/>
+          <p:cNvCxnSpPr>
+            <a:stCxn id="43" idx="1"/>
+            <a:endCxn id="43" idx="5"/>
+          </p:cNvCxnSpPr>
+          <p:nvPr/>
+        </p:nvCxnSpPr>
+        <p:spPr>
+          <a:xfrm>
+            <a:off x="3397423" y="2199696"/>
+            <a:ext cx="269574" cy="261966"/>
+          </a:xfrm>
+          <a:prstGeom prst="line">
+            <a:avLst/>
+          </a:prstGeom>
+          <a:ln>
+            <a:solidFill>
+              <a:schemeClr val="tx1"/>
+            </a:solidFill>
+          </a:ln>
+          <a:effectLst/>
+        </p:spPr>
+        <p:style>
+          <a:lnRef idx="2">
+            <a:schemeClr val="accent1"/>
+          </a:lnRef>
+          <a:fillRef idx="0">
+            <a:schemeClr val="accent1"/>
+          </a:fillRef>
+          <a:effectRef idx="1">
+            <a:schemeClr val="accent1"/>
+          </a:effectRef>
+          <a:fontRef idx="minor">
+            <a:schemeClr val="tx1"/>
+          </a:fontRef>
+        </p:style>
+      </p:cxnSp>
+      <p:cxnSp>
+        <p:nvCxnSpPr>
+          <p:cNvPr id="45" name="Straight Connector 44"/>
+          <p:cNvCxnSpPr>
+            <a:stCxn id="43" idx="3"/>
+            <a:endCxn id="43" idx="7"/>
+          </p:cNvCxnSpPr>
+          <p:nvPr/>
+        </p:nvCxnSpPr>
+        <p:spPr>
+          <a:xfrm flipV="1">
+            <a:off x="3397423" y="2199696"/>
+            <a:ext cx="269574" cy="261966"/>
+          </a:xfrm>
+          <a:prstGeom prst="line">
+            <a:avLst/>
+          </a:prstGeom>
+          <a:ln>
+            <a:solidFill>
+              <a:schemeClr val="tx1"/>
+            </a:solidFill>
+          </a:ln>
+          <a:effectLst/>
+        </p:spPr>
+        <p:style>
+          <a:lnRef idx="2">
+            <a:schemeClr val="accent1"/>
+          </a:lnRef>
+          <a:fillRef idx="0">
+            <a:schemeClr val="accent1"/>
+          </a:fillRef>
+          <a:effectRef idx="1">
+            <a:schemeClr val="accent1"/>
+          </a:effectRef>
+          <a:fontRef idx="minor">
+            <a:schemeClr val="tx1"/>
+          </a:fontRef>
+        </p:style>
+      </p:cxnSp>
+      <p:sp>
+        <p:nvSpPr>
+          <p:cNvPr id="46" name="Oval 45"/>
+          <p:cNvSpPr/>
+          <p:nvPr/>
+        </p:nvSpPr>
+        <p:spPr>
+          <a:xfrm>
+            <a:off x="4039545" y="2147443"/>
+            <a:ext cx="381236" cy="370476"/>
+          </a:xfrm>
+          <a:prstGeom prst="ellipse">
+            <a:avLst/>
+          </a:prstGeom>
+          <a:noFill/>
+          <a:ln w="28575" cmpd="sng">
+            <a:solidFill>
+              <a:schemeClr val="tx1"/>
+            </a:solidFill>
+          </a:ln>
+          <a:effectLst/>
+        </p:spPr>
+        <p:style>
+          <a:lnRef idx="1">
+            <a:schemeClr val="accent1"/>
+          </a:lnRef>
+          <a:fillRef idx="3">
+            <a:schemeClr val="accent1"/>
+          </a:fillRef>
+          <a:effectRef idx="2">
+            <a:schemeClr val="accent1"/>
+          </a:effectRef>
+          <a:fontRef idx="minor">
+            <a:schemeClr val="lt1"/>
+          </a:fontRef>
+        </p:style>
+        <p:txBody>
+          <a:bodyPr rtlCol="0" anchor="ctr"/>
+          <a:lstStyle/>
+          <a:p>
+            <a:pPr algn="ctr"/>
+            <a:endParaRPr lang="en-US"/>
+          </a:p>
+        </p:txBody>
+      </p:sp>
+      <p:cxnSp>
+        <p:nvCxnSpPr>
+          <p:cNvPr id="49" name="Straight Connector 48"/>
+          <p:cNvCxnSpPr>
+            <a:stCxn id="46" idx="1"/>
+            <a:endCxn id="46" idx="5"/>
+          </p:cNvCxnSpPr>
+          <p:nvPr/>
+        </p:nvCxnSpPr>
+        <p:spPr>
+          <a:xfrm>
+            <a:off x="4095376" y="2201698"/>
+            <a:ext cx="269574" cy="261966"/>
+          </a:xfrm>
+          <a:prstGeom prst="line">
+            <a:avLst/>
+          </a:prstGeom>
+          <a:ln>
+            <a:solidFill>
+              <a:schemeClr val="tx1"/>
+            </a:solidFill>
+          </a:ln>
+          <a:effectLst/>
+        </p:spPr>
+        <p:style>
+          <a:lnRef idx="2">
+            <a:schemeClr val="accent1"/>
+          </a:lnRef>
+          <a:fillRef idx="0">
+            <a:schemeClr val="accent1"/>
+          </a:fillRef>
+          <a:effectRef idx="1">
+            <a:schemeClr val="accent1"/>
+          </a:effectRef>
+          <a:fontRef idx="minor">
+            <a:schemeClr val="tx1"/>
+          </a:fontRef>
+        </p:style>
+      </p:cxnSp>
+      <p:cxnSp>
+        <p:nvCxnSpPr>
+          <p:cNvPr id="50" name="Straight Connector 49"/>
+          <p:cNvCxnSpPr>
+            <a:stCxn id="46" idx="3"/>
+            <a:endCxn id="46" idx="7"/>
+          </p:cNvCxnSpPr>
+          <p:nvPr/>
+        </p:nvCxnSpPr>
+        <p:spPr>
+          <a:xfrm flipV="1">
+            <a:off x="4095376" y="2201698"/>
+            <a:ext cx="269574" cy="261966"/>
+          </a:xfrm>
+          <a:prstGeom prst="line">
+            <a:avLst/>
+          </a:prstGeom>
+          <a:ln>
+            <a:solidFill>
+              <a:schemeClr val="tx1"/>
+            </a:solidFill>
+          </a:ln>
+          <a:effectLst/>
+        </p:spPr>
+        <p:style>
+          <a:lnRef idx="2">
+            <a:schemeClr val="accent1"/>
+          </a:lnRef>
+          <a:fillRef idx="0">
+            <a:schemeClr val="accent1"/>
+          </a:fillRef>
+          <a:effectRef idx="1">
+            <a:schemeClr val="accent1"/>
+          </a:effectRef>
+          <a:fontRef idx="minor">
+            <a:schemeClr val="tx1"/>
+          </a:fontRef>
+        </p:style>
+      </p:cxnSp>
+      <p:sp>
+        <p:nvSpPr>
+          <p:cNvPr id="52" name="Oval 51"/>
+          <p:cNvSpPr/>
+          <p:nvPr/>
+        </p:nvSpPr>
+        <p:spPr>
+          <a:xfrm>
+            <a:off x="4742243" y="2142707"/>
+            <a:ext cx="381236" cy="370476"/>
+          </a:xfrm>
+          <a:prstGeom prst="ellipse">
+            <a:avLst/>
+          </a:prstGeom>
+          <a:noFill/>
+          <a:ln w="28575" cmpd="sng">
+            <a:solidFill>
+              <a:schemeClr val="tx1"/>
+            </a:solidFill>
+          </a:ln>
+          <a:effectLst/>
+        </p:spPr>
+        <p:style>
+          <a:lnRef idx="1">
+            <a:schemeClr val="accent1"/>
+          </a:lnRef>
+          <a:fillRef idx="3">
+            <a:schemeClr val="accent1"/>
+          </a:fillRef>
+          <a:effectRef idx="2">
+            <a:schemeClr val="accent1"/>
+          </a:effectRef>
+          <a:fontRef idx="minor">
+            <a:schemeClr val="lt1"/>
+          </a:fontRef>
+        </p:style>
+        <p:txBody>
+          <a:bodyPr rtlCol="0" anchor="ctr"/>
+          <a:lstStyle/>
+          <a:p>
+            <a:pPr algn="ctr"/>
+            <a:endParaRPr lang="en-US"/>
+          </a:p>
+        </p:txBody>
+      </p:sp>
+      <p:cxnSp>
+        <p:nvCxnSpPr>
+          <p:cNvPr id="53" name="Straight Connector 52"/>
+          <p:cNvCxnSpPr>
+            <a:stCxn id="52" idx="1"/>
+            <a:endCxn id="52" idx="5"/>
+          </p:cNvCxnSpPr>
+          <p:nvPr/>
+        </p:nvCxnSpPr>
+        <p:spPr>
+          <a:xfrm>
+            <a:off x="4798074" y="2196962"/>
+            <a:ext cx="269574" cy="261966"/>
+          </a:xfrm>
+          <a:prstGeom prst="line">
+            <a:avLst/>
+          </a:prstGeom>
+          <a:ln>
+            <a:solidFill>
+              <a:schemeClr val="tx1"/>
+            </a:solidFill>
+          </a:ln>
+          <a:effectLst/>
+        </p:spPr>
+        <p:style>
+          <a:lnRef idx="2">
+            <a:schemeClr val="accent1"/>
+          </a:lnRef>
+          <a:fillRef idx="0">
+            <a:schemeClr val="accent1"/>
+          </a:fillRef>
+          <a:effectRef idx="1">
+            <a:schemeClr val="accent1"/>
+          </a:effectRef>
+          <a:fontRef idx="minor">
+            <a:schemeClr val="tx1"/>
+          </a:fontRef>
+        </p:style>
+      </p:cxnSp>
+      <p:cxnSp>
+        <p:nvCxnSpPr>
+          <p:cNvPr id="57" name="Straight Connector 56"/>
+          <p:cNvCxnSpPr>
+            <a:stCxn id="52" idx="3"/>
+            <a:endCxn id="52" idx="7"/>
+          </p:cNvCxnSpPr>
+          <p:nvPr/>
+        </p:nvCxnSpPr>
+        <p:spPr>
+          <a:xfrm flipV="1">
+            <a:off x="4798074" y="2196962"/>
+            <a:ext cx="269574" cy="261966"/>
+          </a:xfrm>
+          <a:prstGeom prst="line">
+            <a:avLst/>
+          </a:prstGeom>
+          <a:ln>
+            <a:solidFill>
+              <a:schemeClr val="tx1"/>
+            </a:solidFill>
+          </a:ln>
+          <a:effectLst/>
+        </p:spPr>
+        <p:style>
+          <a:lnRef idx="2">
+            <a:schemeClr val="accent1"/>
+          </a:lnRef>
+          <a:fillRef idx="0">
+            <a:schemeClr val="accent1"/>
+          </a:fillRef>
+          <a:effectRef idx="1">
+            <a:schemeClr val="accent1"/>
+          </a:effectRef>
+          <a:fontRef idx="minor">
+            <a:schemeClr val="tx1"/>
+          </a:fontRef>
+        </p:style>
+      </p:cxnSp>
+      <p:sp>
+        <p:nvSpPr>
+          <p:cNvPr id="59" name="Oval 58"/>
+          <p:cNvSpPr/>
+          <p:nvPr/>
+        </p:nvSpPr>
+        <p:spPr>
+          <a:xfrm>
+            <a:off x="5483294" y="2140704"/>
+            <a:ext cx="381236" cy="370476"/>
+          </a:xfrm>
+          <a:prstGeom prst="ellipse">
+            <a:avLst/>
+          </a:prstGeom>
+          <a:noFill/>
+          <a:ln w="28575" cmpd="sng">
+            <a:solidFill>
+              <a:schemeClr val="tx1"/>
+            </a:solidFill>
+          </a:ln>
+          <a:effectLst/>
+        </p:spPr>
+        <p:style>
+          <a:lnRef idx="1">
+            <a:schemeClr val="accent1"/>
+          </a:lnRef>
+          <a:fillRef idx="3">
+            <a:schemeClr val="accent1"/>
+          </a:fillRef>
+          <a:effectRef idx="2">
+            <a:schemeClr val="accent1"/>
+          </a:effectRef>
+          <a:fontRef idx="minor">
+            <a:schemeClr val="lt1"/>
+          </a:fontRef>
+        </p:style>
+        <p:txBody>
+          <a:bodyPr rtlCol="0" anchor="ctr"/>
+          <a:lstStyle/>
+          <a:p>
+            <a:pPr algn="ctr"/>
+            <a:endParaRPr lang="en-US"/>
+          </a:p>
+        </p:txBody>
+      </p:sp>
+      <p:cxnSp>
+        <p:nvCxnSpPr>
+          <p:cNvPr id="70" name="Straight Connector 69"/>
+          <p:cNvCxnSpPr>
+            <a:stCxn id="59" idx="1"/>
+            <a:endCxn id="59" idx="5"/>
+          </p:cNvCxnSpPr>
+          <p:nvPr/>
+        </p:nvCxnSpPr>
+        <p:spPr>
+          <a:xfrm>
+            <a:off x="5539125" y="2194959"/>
+            <a:ext cx="269574" cy="261966"/>
+          </a:xfrm>
+          <a:prstGeom prst="line">
+            <a:avLst/>
+          </a:prstGeom>
+          <a:ln>
+            <a:solidFill>
+              <a:schemeClr val="tx1"/>
+            </a:solidFill>
+          </a:ln>
+          <a:effectLst/>
+        </p:spPr>
+        <p:style>
+          <a:lnRef idx="2">
+            <a:schemeClr val="accent1"/>
+          </a:lnRef>
+          <a:fillRef idx="0">
+            <a:schemeClr val="accent1"/>
+          </a:fillRef>
+          <a:effectRef idx="1">
+            <a:schemeClr val="accent1"/>
+          </a:effectRef>
+          <a:fontRef idx="minor">
+            <a:schemeClr val="tx1"/>
+          </a:fontRef>
+        </p:style>
+      </p:cxnSp>
+      <p:cxnSp>
+        <p:nvCxnSpPr>
+          <p:cNvPr id="71" name="Straight Connector 70"/>
+          <p:cNvCxnSpPr>
+            <a:stCxn id="59" idx="3"/>
+            <a:endCxn id="59" idx="7"/>
+          </p:cNvCxnSpPr>
+          <p:nvPr/>
+        </p:nvCxnSpPr>
+        <p:spPr>
+          <a:xfrm flipV="1">
+            <a:off x="5539125" y="2194959"/>
+            <a:ext cx="269574" cy="261966"/>
+          </a:xfrm>
+          <a:prstGeom prst="line">
+            <a:avLst/>
+          </a:prstGeom>
+          <a:ln>
+            <a:solidFill>
+              <a:schemeClr val="tx1"/>
+            </a:solidFill>
+          </a:ln>
+          <a:effectLst/>
+        </p:spPr>
+        <p:style>
+          <a:lnRef idx="2">
+            <a:schemeClr val="accent1"/>
+          </a:lnRef>
+          <a:fillRef idx="0">
+            <a:schemeClr val="accent1"/>
+          </a:fillRef>
+          <a:effectRef idx="1">
+            <a:schemeClr val="accent1"/>
+          </a:effectRef>
+          <a:fontRef idx="minor">
+            <a:schemeClr val="tx1"/>
+          </a:fontRef>
+        </p:style>
+      </p:cxnSp>
+      <p:sp>
+        <p:nvSpPr>
+          <p:cNvPr id="72" name="Oval 71"/>
+          <p:cNvSpPr/>
+          <p:nvPr/>
+        </p:nvSpPr>
+        <p:spPr>
+          <a:xfrm>
+            <a:off x="6183166" y="2130499"/>
+            <a:ext cx="381236" cy="370476"/>
+          </a:xfrm>
+          <a:prstGeom prst="ellipse">
+            <a:avLst/>
+          </a:prstGeom>
+          <a:noFill/>
+          <a:ln w="28575" cmpd="sng">
+            <a:solidFill>
+              <a:schemeClr val="tx1"/>
+            </a:solidFill>
+          </a:ln>
+          <a:effectLst/>
+        </p:spPr>
+        <p:style>
+          <a:lnRef idx="1">
+            <a:schemeClr val="accent1"/>
+          </a:lnRef>
+          <a:fillRef idx="3">
+            <a:schemeClr val="accent1"/>
+          </a:fillRef>
+          <a:effectRef idx="2">
+            <a:schemeClr val="accent1"/>
+          </a:effectRef>
+          <a:fontRef idx="minor">
+            <a:schemeClr val="lt1"/>
+          </a:fontRef>
+        </p:style>
+        <p:txBody>
+          <a:bodyPr rtlCol="0" anchor="ctr"/>
+          <a:lstStyle/>
+          <a:p>
+            <a:pPr algn="ctr"/>
+            <a:endParaRPr lang="en-US"/>
+          </a:p>
+        </p:txBody>
+      </p:sp>
+      <p:cxnSp>
+        <p:nvCxnSpPr>
+          <p:cNvPr id="75" name="Straight Connector 74"/>
+          <p:cNvCxnSpPr>
+            <a:stCxn id="72" idx="1"/>
+            <a:endCxn id="72" idx="5"/>
+          </p:cNvCxnSpPr>
+          <p:nvPr/>
+        </p:nvCxnSpPr>
+        <p:spPr>
+          <a:xfrm>
+            <a:off x="6238997" y="2184754"/>
+            <a:ext cx="269574" cy="261966"/>
+          </a:xfrm>
+          <a:prstGeom prst="line">
+            <a:avLst/>
+          </a:prstGeom>
+          <a:ln>
+            <a:solidFill>
+              <a:schemeClr val="tx1"/>
+            </a:solidFill>
+          </a:ln>
+          <a:effectLst/>
+        </p:spPr>
+        <p:style>
+          <a:lnRef idx="2">
+            <a:schemeClr val="accent1"/>
+          </a:lnRef>
+          <a:fillRef idx="0">
+            <a:schemeClr val="accent1"/>
+          </a:fillRef>
+          <a:effectRef idx="1">
+            <a:schemeClr val="accent1"/>
+          </a:effectRef>
+          <a:fontRef idx="minor">
+            <a:schemeClr val="tx1"/>
+          </a:fontRef>
+        </p:style>
+      </p:cxnSp>
+      <p:cxnSp>
+        <p:nvCxnSpPr>
+          <p:cNvPr id="76" name="Straight Connector 75"/>
+          <p:cNvCxnSpPr>
+            <a:stCxn id="72" idx="3"/>
+            <a:endCxn id="72" idx="7"/>
+          </p:cNvCxnSpPr>
+          <p:nvPr/>
+        </p:nvCxnSpPr>
+        <p:spPr>
+          <a:xfrm flipV="1">
+            <a:off x="6238997" y="2184754"/>
+            <a:ext cx="269574" cy="261966"/>
+          </a:xfrm>
+          <a:prstGeom prst="line">
+            <a:avLst/>
+          </a:prstGeom>
+          <a:ln>
+            <a:solidFill>
+              <a:schemeClr val="tx1"/>
+            </a:solidFill>
+          </a:ln>
+          <a:effectLst/>
+        </p:spPr>
+        <p:style>
+          <a:lnRef idx="2">
+            <a:schemeClr val="accent1"/>
+          </a:lnRef>
+          <a:fillRef idx="0">
+            <a:schemeClr val="accent1"/>
+          </a:fillRef>
+          <a:effectRef idx="1">
+            <a:schemeClr val="accent1"/>
+          </a:effectRef>
+          <a:fontRef idx="minor">
+            <a:schemeClr val="tx1"/>
+          </a:fontRef>
+        </p:style>
+      </p:cxnSp>
+      <p:sp>
+        <p:nvSpPr>
+          <p:cNvPr id="83" name="TextBox 82"/>
+          <p:cNvSpPr txBox="1"/>
+          <p:nvPr/>
+        </p:nvSpPr>
+        <p:spPr>
+          <a:xfrm>
+            <a:off x="2511121" y="2487010"/>
+            <a:ext cx="569387" cy="276999"/>
           </a:xfrm>
           <a:prstGeom prst="rect">
             <a:avLst/>
           </a:prstGeom>
-          <a:solidFill>
-            <a:schemeClr val="bg1"/>
-          </a:solidFill>
-          <a:ln>
-            <a:noFill/>
-          </a:ln>
-          <a:effectLst/>
-        </p:spPr>
-        <p:style>
-          <a:lnRef idx="1">
-            <a:schemeClr val="accent1"/>
-          </a:lnRef>
-          <a:fillRef idx="3">
-            <a:schemeClr val="accent1"/>
-          </a:fillRef>
-          <a:effectRef idx="2">
-            <a:schemeClr val="accent1"/>
-          </a:effectRef>
-          <a:fontRef idx="minor">
-            <a:schemeClr val="lt1"/>
-          </a:fontRef>
-        </p:style>
-        <p:txBody>
-          <a:bodyPr rtlCol="0" anchor="ctr"/>
-          <a:lstStyle/>
-          <a:p>
-            <a:pPr algn="ctr"/>
-            <a:endParaRPr lang="en-US"/>
-          </a:p>
-        </p:txBody>
-      </p:sp>
-      <p:sp>
-        <p:nvSpPr>
-          <p:cNvPr id="62" name="Rounded Rectangle 61"/>
+          <a:noFill/>
+        </p:spPr>
+        <p:txBody>
+          <a:bodyPr wrap="none" rtlCol="0">
+            <a:spAutoFit/>
+          </a:bodyPr>
+          <a:lstStyle/>
+          <a:p>
+            <a:r>
+              <a:rPr lang="en-US" sz="1200" dirty="0" smtClean="0">
+                <a:solidFill>
+                  <a:srgbClr val="000000"/>
+                </a:solidFill>
+              </a:rPr>
+              <a:t>Fabric</a:t>
+            </a:r>
+            <a:endParaRPr lang="en-US" sz="1200" dirty="0">
+              <a:solidFill>
+                <a:srgbClr val="000000"/>
+              </a:solidFill>
+            </a:endParaRPr>
+          </a:p>
+        </p:txBody>
+      </p:sp>
+      <p:sp>
+        <p:nvSpPr>
+          <p:cNvPr id="84" name="TextBox 83"/>
+          <p:cNvSpPr txBox="1"/>
+          <p:nvPr/>
+        </p:nvSpPr>
+        <p:spPr>
+          <a:xfrm>
+            <a:off x="3142824" y="2486809"/>
+            <a:ext cx="813043" cy="276999"/>
+          </a:xfrm>
+          <a:prstGeom prst="rect">
+            <a:avLst/>
+          </a:prstGeom>
+          <a:noFill/>
+        </p:spPr>
+        <p:txBody>
+          <a:bodyPr wrap="none" rtlCol="0">
+            <a:spAutoFit/>
+          </a:bodyPr>
+          <a:lstStyle/>
+          <a:p>
+            <a:r>
+              <a:rPr lang="en-US" sz="1200" dirty="0" smtClean="0">
+                <a:solidFill>
+                  <a:srgbClr val="000000"/>
+                </a:solidFill>
+              </a:rPr>
+              <a:t>Accessory</a:t>
+            </a:r>
+            <a:endParaRPr lang="en-US" sz="1200" dirty="0">
+              <a:solidFill>
+                <a:srgbClr val="000000"/>
+              </a:solidFill>
+            </a:endParaRPr>
+          </a:p>
+        </p:txBody>
+      </p:sp>
+      <p:sp>
+        <p:nvSpPr>
+          <p:cNvPr id="87" name="TextBox 86"/>
+          <p:cNvSpPr txBox="1"/>
+          <p:nvPr/>
+        </p:nvSpPr>
+        <p:spPr>
+          <a:xfrm>
+            <a:off x="6119734" y="2443053"/>
+            <a:ext cx="549174" cy="276999"/>
+          </a:xfrm>
+          <a:prstGeom prst="rect">
+            <a:avLst/>
+          </a:prstGeom>
+          <a:noFill/>
+        </p:spPr>
+        <p:txBody>
+          <a:bodyPr wrap="none" rtlCol="0">
+            <a:spAutoFit/>
+          </a:bodyPr>
+          <a:lstStyle/>
+          <a:p>
+            <a:pPr algn="ctr"/>
+            <a:r>
+              <a:rPr lang="en-US" sz="1200" dirty="0" smtClean="0">
+                <a:solidFill>
+                  <a:srgbClr val="000000"/>
+                </a:solidFill>
+              </a:rPr>
+              <a:t>Other</a:t>
+            </a:r>
+            <a:endParaRPr lang="en-US" sz="1200" dirty="0">
+              <a:solidFill>
+                <a:srgbClr val="000000"/>
+              </a:solidFill>
+            </a:endParaRPr>
+          </a:p>
+        </p:txBody>
+      </p:sp>
+      <p:sp>
+        <p:nvSpPr>
+          <p:cNvPr id="88" name="TextBox 87"/>
+          <p:cNvSpPr txBox="1"/>
+          <p:nvPr/>
+        </p:nvSpPr>
+        <p:spPr>
+          <a:xfrm>
+            <a:off x="4558897" y="2491515"/>
+            <a:ext cx="838691" cy="276999"/>
+          </a:xfrm>
+          <a:prstGeom prst="rect">
+            <a:avLst/>
+          </a:prstGeom>
+          <a:noFill/>
+        </p:spPr>
+        <p:txBody>
+          <a:bodyPr wrap="none" rtlCol="0">
+            <a:spAutoFit/>
+          </a:bodyPr>
+          <a:lstStyle/>
+          <a:p>
+            <a:r>
+              <a:rPr lang="en-US" sz="1200" dirty="0" smtClean="0">
+                <a:solidFill>
+                  <a:srgbClr val="000000"/>
+                </a:solidFill>
+              </a:rPr>
+              <a:t>Stationary</a:t>
+            </a:r>
+            <a:endParaRPr lang="en-US" sz="1200" dirty="0">
+              <a:solidFill>
+                <a:srgbClr val="000000"/>
+              </a:solidFill>
+            </a:endParaRPr>
+          </a:p>
+        </p:txBody>
+      </p:sp>
+      <p:sp>
+        <p:nvSpPr>
+          <p:cNvPr id="89" name="TextBox 88"/>
+          <p:cNvSpPr txBox="1"/>
+          <p:nvPr/>
+        </p:nvSpPr>
+        <p:spPr>
+          <a:xfrm>
+            <a:off x="4032917" y="2490439"/>
+            <a:ext cx="564728" cy="276999"/>
+          </a:xfrm>
+          <a:prstGeom prst="rect">
+            <a:avLst/>
+          </a:prstGeom>
+          <a:noFill/>
+        </p:spPr>
+        <p:txBody>
+          <a:bodyPr wrap="none" rtlCol="0">
+            <a:spAutoFit/>
+          </a:bodyPr>
+          <a:lstStyle/>
+          <a:p>
+            <a:r>
+              <a:rPr lang="en-US" sz="1200" dirty="0" smtClean="0">
+                <a:solidFill>
+                  <a:srgbClr val="000000"/>
+                </a:solidFill>
+              </a:rPr>
+              <a:t>Wood</a:t>
+            </a:r>
+            <a:endParaRPr lang="en-US" sz="1200" dirty="0">
+              <a:solidFill>
+                <a:srgbClr val="000000"/>
+              </a:solidFill>
+            </a:endParaRPr>
+          </a:p>
+        </p:txBody>
+      </p:sp>
+      <p:sp>
+        <p:nvSpPr>
+          <p:cNvPr id="90" name="TextBox 89"/>
+          <p:cNvSpPr txBox="1"/>
+          <p:nvPr/>
+        </p:nvSpPr>
+        <p:spPr>
+          <a:xfrm>
+            <a:off x="5318997" y="2481899"/>
+            <a:ext cx="800369" cy="276999"/>
+          </a:xfrm>
+          <a:prstGeom prst="rect">
+            <a:avLst/>
+          </a:prstGeom>
+          <a:noFill/>
+        </p:spPr>
+        <p:txBody>
+          <a:bodyPr wrap="none" rtlCol="0">
+            <a:spAutoFit/>
+          </a:bodyPr>
+          <a:lstStyle/>
+          <a:p>
+            <a:r>
+              <a:rPr lang="en-US" sz="1200" dirty="0" smtClean="0">
+                <a:solidFill>
+                  <a:srgbClr val="000000"/>
+                </a:solidFill>
+              </a:rPr>
+              <a:t>Container</a:t>
+            </a:r>
+            <a:endParaRPr lang="en-US" sz="1200" dirty="0">
+              <a:solidFill>
+                <a:srgbClr val="000000"/>
+              </a:solidFill>
+            </a:endParaRPr>
+          </a:p>
+        </p:txBody>
+      </p:sp>
+      <p:sp>
+        <p:nvSpPr>
+          <p:cNvPr id="91" name="Rounded Rectangle 90"/>
           <p:cNvSpPr/>
           <p:nvPr/>
         </p:nvSpPr>
@@ -46200,7 +47343,7 @@
       </p:sp>
       <p:sp>
         <p:nvSpPr>
-          <p:cNvPr id="63" name="Rounded Rectangular Callout 62"/>
+          <p:cNvPr id="92" name="Rounded Rectangular Callout 91"/>
           <p:cNvSpPr/>
           <p:nvPr/>
         </p:nvSpPr>
@@ -46252,14 +47395,14 @@
       </p:sp>
       <p:sp>
         <p:nvSpPr>
-          <p:cNvPr id="33" name="Rectangle 32"/>
-          <p:cNvSpPr/>
-          <p:nvPr/>
-        </p:nvSpPr>
-        <p:spPr>
-          <a:xfrm>
-            <a:off x="2890750" y="4297951"/>
-            <a:ext cx="3496781" cy="2128759"/>
+          <p:cNvPr id="93" name="TextBox 92"/>
+          <p:cNvSpPr txBox="1"/>
+          <p:nvPr/>
+        </p:nvSpPr>
+        <p:spPr>
+          <a:xfrm>
+            <a:off x="6216599" y="1709106"/>
+            <a:ext cx="1572824" cy="276999"/>
           </a:xfrm>
           <a:prstGeom prst="rect">
             <a:avLst/>
@@ -46267,169 +47410,298 @@
           <a:noFill/>
           <a:ln>
             <a:solidFill>
-              <a:schemeClr val="tx1"/>
-            </a:solidFill>
-          </a:ln>
-          <a:effectLst/>
-        </p:spPr>
-        <p:style>
-          <a:lnRef idx="1">
-            <a:schemeClr val="accent1"/>
-          </a:lnRef>
-          <a:fillRef idx="3">
-            <a:schemeClr val="accent1"/>
-          </a:fillRef>
-          <a:effectRef idx="2">
-            <a:schemeClr val="accent1"/>
-          </a:effectRef>
-          <a:fontRef idx="minor">
-            <a:schemeClr val="lt1"/>
-          </a:fontRef>
-        </p:style>
-        <p:txBody>
-          <a:bodyPr rtlCol="0" anchor="ctr"/>
-          <a:lstStyle/>
-          <a:p>
-            <a:pPr algn="ctr"/>
-            <a:endParaRPr lang="en-US"/>
-          </a:p>
-        </p:txBody>
-      </p:sp>
-      <p:cxnSp>
-        <p:nvCxnSpPr>
-          <p:cNvPr id="34" name="Straight Connector 33"/>
-          <p:cNvCxnSpPr/>
-          <p:nvPr/>
-        </p:nvCxnSpPr>
-        <p:spPr>
-          <a:xfrm>
-            <a:off x="2890750" y="4297951"/>
-            <a:ext cx="3496781" cy="2128759"/>
-          </a:xfrm>
-          <a:prstGeom prst="line">
-            <a:avLst/>
-          </a:prstGeom>
-          <a:ln w="38100" cmpd="sng">
-            <a:solidFill>
-              <a:schemeClr val="tx1"/>
-            </a:solidFill>
-          </a:ln>
-          <a:effectLst/>
-        </p:spPr>
-        <p:style>
-          <a:lnRef idx="2">
-            <a:schemeClr val="accent1"/>
-          </a:lnRef>
-          <a:fillRef idx="0">
-            <a:schemeClr val="accent1"/>
-          </a:fillRef>
-          <a:effectRef idx="1">
-            <a:schemeClr val="accent1"/>
-          </a:effectRef>
-          <a:fontRef idx="minor">
-            <a:schemeClr val="tx1"/>
-          </a:fontRef>
-        </p:style>
-      </p:cxnSp>
-      <p:cxnSp>
-        <p:nvCxnSpPr>
-          <p:cNvPr id="35" name="Straight Connector 34"/>
-          <p:cNvCxnSpPr/>
-          <p:nvPr/>
-        </p:nvCxnSpPr>
-        <p:spPr>
-          <a:xfrm flipV="1">
-            <a:off x="2890750" y="4297951"/>
-            <a:ext cx="3496781" cy="2121548"/>
-          </a:xfrm>
-          <a:prstGeom prst="line">
-            <a:avLst/>
-          </a:prstGeom>
-          <a:ln w="38100" cmpd="sng">
-            <a:solidFill>
-              <a:schemeClr val="tx1"/>
-            </a:solidFill>
-          </a:ln>
-          <a:effectLst/>
-        </p:spPr>
-        <p:style>
-          <a:lnRef idx="2">
-            <a:schemeClr val="accent1"/>
-          </a:lnRef>
-          <a:fillRef idx="0">
-            <a:schemeClr val="accent1"/>
-          </a:fillRef>
-          <a:effectRef idx="1">
-            <a:schemeClr val="accent1"/>
-          </a:effectRef>
-          <a:fontRef idx="minor">
-            <a:schemeClr val="tx1"/>
-          </a:fontRef>
-        </p:style>
-      </p:cxnSp>
-      <p:sp>
-        <p:nvSpPr>
-          <p:cNvPr id="47" name="Rounded Rectangle 46"/>
-          <p:cNvSpPr/>
-          <p:nvPr/>
-        </p:nvSpPr>
-        <p:spPr>
-          <a:xfrm>
-            <a:off x="6680294" y="1655766"/>
-            <a:ext cx="1166467" cy="375271"/>
-          </a:xfrm>
-          <a:prstGeom prst="roundRect">
-            <a:avLst/>
-          </a:prstGeom>
-          <a:solidFill>
-            <a:schemeClr val="tx1"/>
-          </a:solidFill>
-          <a:ln>
-            <a:solidFill>
-              <a:schemeClr val="tx1"/>
-            </a:solidFill>
-          </a:ln>
-          <a:effectLst/>
-        </p:spPr>
-        <p:style>
-          <a:lnRef idx="1">
-            <a:schemeClr val="accent1"/>
-          </a:lnRef>
-          <a:fillRef idx="3">
-            <a:schemeClr val="accent1"/>
-          </a:fillRef>
-          <a:effectRef idx="2">
-            <a:schemeClr val="accent1"/>
-          </a:effectRef>
-          <a:fontRef idx="minor">
-            <a:schemeClr val="lt1"/>
-          </a:fontRef>
-        </p:style>
-        <p:txBody>
-          <a:bodyPr rtlCol="0" anchor="ctr"/>
-          <a:lstStyle/>
-          <a:p>
-            <a:pPr algn="ctr"/>
+              <a:srgbClr val="000000"/>
+            </a:solidFill>
+          </a:ln>
+        </p:spPr>
+        <p:txBody>
+          <a:bodyPr wrap="square" rtlCol="0">
+            <a:spAutoFit/>
+          </a:bodyPr>
+          <a:lstStyle/>
+          <a:p>
             <a:r>
-              <a:rPr lang="en-US" dirty="0" smtClean="0">
+              <a:rPr lang="en-US" sz="1200" i="1" spc="300" dirty="0" smtClean="0">
                 <a:solidFill>
-                  <a:schemeClr val="bg1"/>
+                  <a:srgbClr val="000000"/>
                 </a:solidFill>
               </a:rPr>
-              <a:t>Location</a:t>
+              <a:t>...Search...</a:t>
             </a:r>
-            <a:endParaRPr lang="en-US" dirty="0">
+            <a:endParaRPr lang="en-US" sz="1200" i="1" spc="300" dirty="0">
               <a:solidFill>
-                <a:schemeClr val="bg1"/>
+                <a:srgbClr val="000000"/>
               </a:solidFill>
             </a:endParaRPr>
           </a:p>
         </p:txBody>
       </p:sp>
+      <p:sp>
+        <p:nvSpPr>
+          <p:cNvPr id="94" name="Donut 93"/>
+          <p:cNvSpPr/>
+          <p:nvPr/>
+        </p:nvSpPr>
+        <p:spPr>
+          <a:xfrm>
+            <a:off x="5878388" y="1687770"/>
+            <a:ext cx="261979" cy="264991"/>
+          </a:xfrm>
+          <a:prstGeom prst="donut">
+            <a:avLst/>
+          </a:prstGeom>
+          <a:solidFill>
+            <a:srgbClr val="000000"/>
+          </a:solidFill>
+          <a:ln>
+            <a:noFill/>
+          </a:ln>
+          <a:effectLst/>
+        </p:spPr>
+        <p:style>
+          <a:lnRef idx="1">
+            <a:schemeClr val="accent1"/>
+          </a:lnRef>
+          <a:fillRef idx="3">
+            <a:schemeClr val="accent1"/>
+          </a:fillRef>
+          <a:effectRef idx="2">
+            <a:schemeClr val="accent1"/>
+          </a:effectRef>
+          <a:fontRef idx="minor">
+            <a:schemeClr val="lt1"/>
+          </a:fontRef>
+        </p:style>
+        <p:txBody>
+          <a:bodyPr rtlCol="0" anchor="ctr"/>
+          <a:lstStyle/>
+          <a:p>
+            <a:pPr algn="ctr"/>
+            <a:endParaRPr lang="en-US">
+              <a:solidFill>
+                <a:schemeClr val="tx1"/>
+              </a:solidFill>
+            </a:endParaRPr>
+          </a:p>
+        </p:txBody>
+      </p:sp>
+      <p:sp>
+        <p:nvSpPr>
+          <p:cNvPr id="95" name="Rounded Rectangle 94"/>
+          <p:cNvSpPr/>
+          <p:nvPr/>
+        </p:nvSpPr>
+        <p:spPr>
+          <a:xfrm rot="2586247">
+            <a:off x="6037833" y="1904644"/>
+            <a:ext cx="144143" cy="54798"/>
+          </a:xfrm>
+          <a:prstGeom prst="roundRect">
+            <a:avLst/>
+          </a:prstGeom>
+          <a:solidFill>
+            <a:srgbClr val="000000"/>
+          </a:solidFill>
+          <a:ln>
+            <a:noFill/>
+          </a:ln>
+          <a:effectLst/>
+        </p:spPr>
+        <p:style>
+          <a:lnRef idx="1">
+            <a:schemeClr val="accent1"/>
+          </a:lnRef>
+          <a:fillRef idx="3">
+            <a:schemeClr val="accent1"/>
+          </a:fillRef>
+          <a:effectRef idx="2">
+            <a:schemeClr val="accent1"/>
+          </a:effectRef>
+          <a:fontRef idx="minor">
+            <a:schemeClr val="lt1"/>
+          </a:fontRef>
+        </p:style>
+        <p:txBody>
+          <a:bodyPr rtlCol="0" anchor="ctr"/>
+          <a:lstStyle/>
+          <a:p>
+            <a:pPr algn="ctr"/>
+            <a:endParaRPr lang="en-US"/>
+          </a:p>
+        </p:txBody>
+      </p:sp>
+      <p:sp>
+        <p:nvSpPr>
+          <p:cNvPr id="96" name="TextBox 95"/>
+          <p:cNvSpPr txBox="1"/>
+          <p:nvPr/>
+        </p:nvSpPr>
+        <p:spPr>
+          <a:xfrm>
+            <a:off x="5426851" y="5965763"/>
+            <a:ext cx="1512629" cy="369332"/>
+          </a:xfrm>
+          <a:prstGeom prst="rect">
+            <a:avLst/>
+          </a:prstGeom>
+          <a:noFill/>
+        </p:spPr>
+        <p:txBody>
+          <a:bodyPr wrap="none" rtlCol="0">
+            <a:spAutoFit/>
+          </a:bodyPr>
+          <a:lstStyle/>
+          <a:p>
+            <a:r>
+              <a:rPr lang="en-US" b="1" dirty="0" smtClean="0">
+                <a:solidFill>
+                  <a:srgbClr val="000000"/>
+                </a:solidFill>
+              </a:rPr>
+              <a:t>“ </a:t>
+            </a:r>
+            <a:r>
+              <a:rPr lang="en-US" b="1" dirty="0" smtClean="0">
+                <a:solidFill>
+                  <a:srgbClr val="000000"/>
+                </a:solidFill>
+              </a:rPr>
+              <a:t>Shop name”</a:t>
+            </a:r>
+            <a:endParaRPr lang="en-US" b="1" dirty="0">
+              <a:solidFill>
+                <a:srgbClr val="000000"/>
+              </a:solidFill>
+            </a:endParaRPr>
+          </a:p>
+        </p:txBody>
+      </p:sp>
+      <p:sp>
+        <p:nvSpPr>
+          <p:cNvPr id="97" name="Isosceles Triangle 96"/>
+          <p:cNvSpPr/>
+          <p:nvPr/>
+        </p:nvSpPr>
+        <p:spPr>
+          <a:xfrm>
+            <a:off x="6089465" y="1343336"/>
+            <a:ext cx="338529" cy="206357"/>
+          </a:xfrm>
+          <a:prstGeom prst="triangle">
+            <a:avLst/>
+          </a:prstGeom>
+          <a:solidFill>
+            <a:schemeClr val="bg1"/>
+          </a:solidFill>
+          <a:ln>
+            <a:solidFill>
+              <a:schemeClr val="tx1"/>
+            </a:solidFill>
+          </a:ln>
+          <a:effectLst/>
+        </p:spPr>
+        <p:style>
+          <a:lnRef idx="1">
+            <a:schemeClr val="accent1"/>
+          </a:lnRef>
+          <a:fillRef idx="3">
+            <a:schemeClr val="accent1"/>
+          </a:fillRef>
+          <a:effectRef idx="2">
+            <a:schemeClr val="accent1"/>
+          </a:effectRef>
+          <a:fontRef idx="minor">
+            <a:schemeClr val="lt1"/>
+          </a:fontRef>
+        </p:style>
+        <p:txBody>
+          <a:bodyPr rtlCol="0" anchor="ctr"/>
+          <a:lstStyle/>
+          <a:p>
+            <a:pPr algn="ctr"/>
+            <a:endParaRPr lang="en-US"/>
+          </a:p>
+        </p:txBody>
+      </p:sp>
+      <p:sp>
+        <p:nvSpPr>
+          <p:cNvPr id="98" name="Rectangle 97"/>
+          <p:cNvSpPr/>
+          <p:nvPr/>
+        </p:nvSpPr>
+        <p:spPr>
+          <a:xfrm>
+            <a:off x="6110285" y="1525051"/>
+            <a:ext cx="288880" cy="72448"/>
+          </a:xfrm>
+          <a:prstGeom prst="rect">
+            <a:avLst/>
+          </a:prstGeom>
+          <a:solidFill>
+            <a:schemeClr val="bg1"/>
+          </a:solidFill>
+          <a:ln>
+            <a:noFill/>
+          </a:ln>
+          <a:effectLst/>
+        </p:spPr>
+        <p:style>
+          <a:lnRef idx="1">
+            <a:schemeClr val="accent1"/>
+          </a:lnRef>
+          <a:fillRef idx="3">
+            <a:schemeClr val="accent1"/>
+          </a:fillRef>
+          <a:effectRef idx="2">
+            <a:schemeClr val="accent1"/>
+          </a:effectRef>
+          <a:fontRef idx="minor">
+            <a:schemeClr val="lt1"/>
+          </a:fontRef>
+        </p:style>
+        <p:txBody>
+          <a:bodyPr rtlCol="0" anchor="ctr"/>
+          <a:lstStyle/>
+          <a:p>
+            <a:pPr algn="ctr"/>
+            <a:endParaRPr lang="en-US"/>
+          </a:p>
+        </p:txBody>
+      </p:sp>
+      <p:pic>
+        <p:nvPicPr>
+          <p:cNvPr id="100" name="Picture 99" descr="shop-256.png"/>
+          <p:cNvPicPr>
+            <a:picLocks noChangeAspect="1"/>
+          </p:cNvPicPr>
+          <p:nvPr/>
+        </p:nvPicPr>
+        <p:blipFill>
+          <a:blip r:embed="rId8">
+            <a:extLst>
+              <a:ext uri="{28A0092B-C50C-407E-A947-70E740481C1C}">
+                <a14:useLocalDpi xmlns:a14="http://schemas.microsoft.com/office/drawing/2010/main" val="0"/>
+              </a:ext>
+            </a:extLst>
+          </a:blip>
+          <a:stretch>
+            <a:fillRect/>
+          </a:stretch>
+        </p:blipFill>
+        <p:spPr>
+          <a:xfrm>
+            <a:off x="6108185" y="1057495"/>
+            <a:ext cx="285841" cy="285841"/>
+          </a:xfrm>
+          <a:prstGeom prst="rect">
+            <a:avLst/>
+          </a:prstGeom>
+        </p:spPr>
+      </p:pic>
     </p:spTree>
     <p:extLst>
       <p:ext uri="{BB962C8B-B14F-4D97-AF65-F5344CB8AC3E}">
-        <p14:creationId xmlns:p14="http://schemas.microsoft.com/office/powerpoint/2010/main" val="119161728"/>
+        <p14:creationId xmlns:p14="http://schemas.microsoft.com/office/powerpoint/2010/main" val="1559316061"/>
       </p:ext>
     </p:extLst>
   </p:cSld>
@@ -46831,6 +48103,1330 @@
           </a:p>
         </p:txBody>
       </p:sp>
+      <p:sp>
+        <p:nvSpPr>
+          <p:cNvPr id="74" name="TextBox 73"/>
+          <p:cNvSpPr txBox="1"/>
+          <p:nvPr/>
+        </p:nvSpPr>
+        <p:spPr>
+          <a:xfrm>
+            <a:off x="3635893" y="496565"/>
+            <a:ext cx="2990991" cy="338554"/>
+          </a:xfrm>
+          <a:prstGeom prst="rect">
+            <a:avLst/>
+          </a:prstGeom>
+          <a:noFill/>
+        </p:spPr>
+        <p:txBody>
+          <a:bodyPr wrap="square" rtlCol="0">
+            <a:spAutoFit/>
+          </a:bodyPr>
+          <a:lstStyle/>
+          <a:p>
+            <a:r>
+              <a:rPr lang="en-US" sz="1600" dirty="0" smtClean="0"/>
+              <a:t>HanDIYcraft | Tutorial Detail</a:t>
+            </a:r>
+            <a:endParaRPr lang="en-US" sz="1600" dirty="0"/>
+          </a:p>
+        </p:txBody>
+      </p:sp>
+      <p:sp>
+        <p:nvSpPr>
+          <p:cNvPr id="38" name="TextBox 37"/>
+          <p:cNvSpPr txBox="1"/>
+          <p:nvPr/>
+        </p:nvSpPr>
+        <p:spPr>
+          <a:xfrm>
+            <a:off x="2772377" y="1552780"/>
+            <a:ext cx="3803538" cy="707886"/>
+          </a:xfrm>
+          <a:prstGeom prst="rect">
+            <a:avLst/>
+          </a:prstGeom>
+          <a:noFill/>
+        </p:spPr>
+        <p:txBody>
+          <a:bodyPr wrap="square" rtlCol="0">
+            <a:spAutoFit/>
+          </a:bodyPr>
+          <a:lstStyle/>
+          <a:p>
+            <a:pPr algn="ctr"/>
+            <a:r>
+              <a:rPr lang="en-US" sz="4000" b="1" spc="300" dirty="0" smtClean="0">
+                <a:solidFill>
+                  <a:srgbClr val="000000"/>
+                </a:solidFill>
+                <a:latin typeface="+mj-lt"/>
+                <a:cs typeface="MAW "/>
+              </a:rPr>
+              <a:t>Shop Name</a:t>
+            </a:r>
+            <a:endParaRPr lang="en-US" sz="4000" b="1" spc="300" dirty="0">
+              <a:solidFill>
+                <a:srgbClr val="000000"/>
+              </a:solidFill>
+              <a:latin typeface="+mj-lt"/>
+              <a:cs typeface="MAW "/>
+            </a:endParaRPr>
+          </a:p>
+        </p:txBody>
+      </p:sp>
+      <p:sp>
+        <p:nvSpPr>
+          <p:cNvPr id="39" name="TextBox 38"/>
+          <p:cNvSpPr txBox="1"/>
+          <p:nvPr/>
+        </p:nvSpPr>
+        <p:spPr>
+          <a:xfrm>
+            <a:off x="3905649" y="2060611"/>
+            <a:ext cx="1570262" cy="400110"/>
+          </a:xfrm>
+          <a:prstGeom prst="rect">
+            <a:avLst/>
+          </a:prstGeom>
+          <a:noFill/>
+        </p:spPr>
+        <p:txBody>
+          <a:bodyPr wrap="none" rtlCol="0">
+            <a:spAutoFit/>
+          </a:bodyPr>
+          <a:lstStyle/>
+          <a:p>
+            <a:r>
+              <a:rPr lang="en-US" sz="2000" dirty="0" smtClean="0">
+                <a:solidFill>
+                  <a:srgbClr val="000000"/>
+                </a:solidFill>
+              </a:rPr>
+              <a:t>By </a:t>
+            </a:r>
+            <a:r>
+              <a:rPr lang="en-US" sz="2000" u="sng" dirty="0" smtClean="0">
+                <a:solidFill>
+                  <a:srgbClr val="000000"/>
+                </a:solidFill>
+              </a:rPr>
+              <a:t>Username</a:t>
+            </a:r>
+            <a:endParaRPr lang="en-US" sz="2000" u="sng" dirty="0">
+              <a:solidFill>
+                <a:srgbClr val="000000"/>
+              </a:solidFill>
+            </a:endParaRPr>
+          </a:p>
+        </p:txBody>
+      </p:sp>
+      <p:cxnSp>
+        <p:nvCxnSpPr>
+          <p:cNvPr id="41" name="Straight Connector 40"/>
+          <p:cNvCxnSpPr/>
+          <p:nvPr/>
+        </p:nvCxnSpPr>
+        <p:spPr>
+          <a:xfrm>
+            <a:off x="1187585" y="2573866"/>
+            <a:ext cx="6779138" cy="0"/>
+          </a:xfrm>
+          <a:prstGeom prst="line">
+            <a:avLst/>
+          </a:prstGeom>
+          <a:ln w="12700" cmpd="sng">
+            <a:solidFill>
+              <a:schemeClr val="tx1"/>
+            </a:solidFill>
+          </a:ln>
+          <a:effectLst/>
+        </p:spPr>
+        <p:style>
+          <a:lnRef idx="2">
+            <a:schemeClr val="accent1"/>
+          </a:lnRef>
+          <a:fillRef idx="0">
+            <a:schemeClr val="accent1"/>
+          </a:fillRef>
+          <a:effectRef idx="1">
+            <a:schemeClr val="accent1"/>
+          </a:effectRef>
+          <a:fontRef idx="minor">
+            <a:schemeClr val="tx1"/>
+          </a:fontRef>
+        </p:style>
+      </p:cxnSp>
+      <p:sp>
+        <p:nvSpPr>
+          <p:cNvPr id="45" name="TextBox 44"/>
+          <p:cNvSpPr txBox="1"/>
+          <p:nvPr/>
+        </p:nvSpPr>
+        <p:spPr>
+          <a:xfrm>
+            <a:off x="2785090" y="2638182"/>
+            <a:ext cx="3723545" cy="1323439"/>
+          </a:xfrm>
+          <a:prstGeom prst="rect">
+            <a:avLst/>
+          </a:prstGeom>
+          <a:noFill/>
+        </p:spPr>
+        <p:txBody>
+          <a:bodyPr wrap="none" rtlCol="0">
+            <a:spAutoFit/>
+          </a:bodyPr>
+          <a:lstStyle/>
+          <a:p>
+            <a:r>
+              <a:rPr lang="en-US" sz="2000" b="1" dirty="0" smtClean="0">
+                <a:solidFill>
+                  <a:srgbClr val="000000"/>
+                </a:solidFill>
+              </a:rPr>
+              <a:t>Branch: </a:t>
+            </a:r>
+            <a:r>
+              <a:rPr lang="en-US" sz="2000" dirty="0" err="1" smtClean="0">
+                <a:solidFill>
+                  <a:srgbClr val="000000"/>
+                </a:solidFill>
+              </a:rPr>
+              <a:t>xxxxxxxxxxxxxxxxxxxxxxxx</a:t>
+            </a:r>
+            <a:endParaRPr lang="en-US" sz="2000" dirty="0" smtClean="0">
+              <a:solidFill>
+                <a:srgbClr val="000000"/>
+              </a:solidFill>
+            </a:endParaRPr>
+          </a:p>
+          <a:p>
+            <a:r>
+              <a:rPr lang="en-US" sz="2000" b="1" dirty="0" smtClean="0">
+                <a:solidFill>
+                  <a:srgbClr val="000000"/>
+                </a:solidFill>
+              </a:rPr>
+              <a:t>Telephone Number: </a:t>
+            </a:r>
+            <a:r>
+              <a:rPr lang="en-US" sz="2000" dirty="0" err="1">
+                <a:solidFill>
+                  <a:srgbClr val="000000"/>
+                </a:solidFill>
+              </a:rPr>
+              <a:t>xxxxxxxxxxxx</a:t>
+            </a:r>
+            <a:endParaRPr lang="en-US" sz="2000" dirty="0">
+              <a:solidFill>
+                <a:srgbClr val="000000"/>
+              </a:solidFill>
+            </a:endParaRPr>
+          </a:p>
+          <a:p>
+            <a:r>
+              <a:rPr lang="en-US" sz="2000" b="1" dirty="0" smtClean="0">
+                <a:solidFill>
+                  <a:srgbClr val="000000"/>
+                </a:solidFill>
+              </a:rPr>
+              <a:t>Information: </a:t>
+            </a:r>
+            <a:r>
+              <a:rPr lang="en-US" sz="2000" dirty="0" err="1" smtClean="0">
+                <a:solidFill>
+                  <a:srgbClr val="000000"/>
+                </a:solidFill>
+              </a:rPr>
+              <a:t>xxxxxxxxxxxxxxxxxxx</a:t>
+            </a:r>
+            <a:endParaRPr lang="en-US" sz="2000" dirty="0" smtClean="0">
+              <a:solidFill>
+                <a:srgbClr val="000000"/>
+              </a:solidFill>
+            </a:endParaRPr>
+          </a:p>
+          <a:p>
+            <a:r>
+              <a:rPr lang="en-US" sz="2000" dirty="0" err="1" smtClean="0">
+                <a:solidFill>
+                  <a:srgbClr val="000000"/>
+                </a:solidFill>
+              </a:rPr>
+              <a:t>xxxxxxxxxxxxxxxxxxxxxxxxxxxxxxxx</a:t>
+            </a:r>
+            <a:endParaRPr lang="en-US" sz="2000" dirty="0">
+              <a:solidFill>
+                <a:srgbClr val="000000"/>
+              </a:solidFill>
+            </a:endParaRPr>
+          </a:p>
+        </p:txBody>
+      </p:sp>
+      <p:sp>
+        <p:nvSpPr>
+          <p:cNvPr id="54" name="Rectangle 53"/>
+          <p:cNvSpPr/>
+          <p:nvPr/>
+        </p:nvSpPr>
+        <p:spPr>
+          <a:xfrm>
+            <a:off x="1187585" y="897670"/>
+            <a:ext cx="1951680" cy="594433"/>
+          </a:xfrm>
+          <a:prstGeom prst="rect">
+            <a:avLst/>
+          </a:prstGeom>
+          <a:solidFill>
+            <a:schemeClr val="bg1"/>
+          </a:solidFill>
+          <a:ln>
+            <a:solidFill>
+              <a:schemeClr val="tx1"/>
+            </a:solidFill>
+          </a:ln>
+          <a:effectLst/>
+        </p:spPr>
+        <p:style>
+          <a:lnRef idx="1">
+            <a:schemeClr val="accent1"/>
+          </a:lnRef>
+          <a:fillRef idx="3">
+            <a:schemeClr val="accent1"/>
+          </a:fillRef>
+          <a:effectRef idx="2">
+            <a:schemeClr val="accent1"/>
+          </a:effectRef>
+          <a:fontRef idx="minor">
+            <a:schemeClr val="lt1"/>
+          </a:fontRef>
+        </p:style>
+        <p:txBody>
+          <a:bodyPr rtlCol="0" anchor="ctr"/>
+          <a:lstStyle/>
+          <a:p>
+            <a:pPr algn="ctr"/>
+            <a:r>
+              <a:rPr lang="en-US" sz="2800" dirty="0" smtClean="0">
+                <a:solidFill>
+                  <a:srgbClr val="000000"/>
+                </a:solidFill>
+              </a:rPr>
+              <a:t>LOGO</a:t>
+            </a:r>
+            <a:endParaRPr lang="en-US" sz="2800" dirty="0">
+              <a:solidFill>
+                <a:srgbClr val="000000"/>
+              </a:solidFill>
+            </a:endParaRPr>
+          </a:p>
+        </p:txBody>
+      </p:sp>
+      <p:pic>
+        <p:nvPicPr>
+          <p:cNvPr id="55" name="Picture 54" descr="home1.png"/>
+          <p:cNvPicPr>
+            <a:picLocks noChangeAspect="1"/>
+          </p:cNvPicPr>
+          <p:nvPr/>
+        </p:nvPicPr>
+        <p:blipFill>
+          <a:blip r:embed="rId2">
+            <a:biLevel thresh="75000"/>
+            <a:extLst>
+              <a:ext uri="{BEBA8EAE-BF5A-486C-A8C5-ECC9F3942E4B}">
+                <a14:imgProps xmlns:a14="http://schemas.microsoft.com/office/drawing/2010/main">
+                  <a14:imgLayer r:embed="rId3">
+                    <a14:imgEffect>
+                      <a14:brightnessContrast bright="-100000"/>
+                    </a14:imgEffect>
+                  </a14:imgLayer>
+                </a14:imgProps>
+              </a:ext>
+              <a:ext uri="{28A0092B-C50C-407E-A947-70E740481C1C}">
+                <a14:useLocalDpi xmlns:a14="http://schemas.microsoft.com/office/drawing/2010/main" val="0"/>
+              </a:ext>
+            </a:extLst>
+          </a:blip>
+          <a:stretch>
+            <a:fillRect/>
+          </a:stretch>
+        </p:blipFill>
+        <p:spPr>
+          <a:xfrm>
+            <a:off x="3573381" y="934195"/>
+            <a:ext cx="541269" cy="541269"/>
+          </a:xfrm>
+          <a:prstGeom prst="rect">
+            <a:avLst/>
+          </a:prstGeom>
+          <a:noFill/>
+        </p:spPr>
+      </p:pic>
+      <p:sp>
+        <p:nvSpPr>
+          <p:cNvPr id="56" name="Heart 55"/>
+          <p:cNvSpPr/>
+          <p:nvPr/>
+        </p:nvSpPr>
+        <p:spPr>
+          <a:xfrm>
+            <a:off x="4182953" y="1100154"/>
+            <a:ext cx="277739" cy="243182"/>
+          </a:xfrm>
+          <a:prstGeom prst="heart">
+            <a:avLst/>
+          </a:prstGeom>
+          <a:solidFill>
+            <a:schemeClr val="tx1"/>
+          </a:solidFill>
+          <a:ln>
+            <a:noFill/>
+          </a:ln>
+          <a:effectLst/>
+        </p:spPr>
+        <p:style>
+          <a:lnRef idx="1">
+            <a:schemeClr val="accent1"/>
+          </a:lnRef>
+          <a:fillRef idx="3">
+            <a:schemeClr val="accent1"/>
+          </a:fillRef>
+          <a:effectRef idx="2">
+            <a:schemeClr val="accent1"/>
+          </a:effectRef>
+          <a:fontRef idx="minor">
+            <a:schemeClr val="lt1"/>
+          </a:fontRef>
+        </p:style>
+        <p:txBody>
+          <a:bodyPr rtlCol="0" anchor="ctr"/>
+          <a:lstStyle/>
+          <a:p>
+            <a:pPr algn="ctr"/>
+            <a:endParaRPr lang="en-US"/>
+          </a:p>
+        </p:txBody>
+      </p:sp>
+      <p:pic>
+        <p:nvPicPr>
+          <p:cNvPr id="57" name="Picture 56" descr="create1.png"/>
+          <p:cNvPicPr>
+            <a:picLocks noChangeAspect="1"/>
+          </p:cNvPicPr>
+          <p:nvPr/>
+        </p:nvPicPr>
+        <p:blipFill>
+          <a:blip r:embed="rId4">
+            <a:biLevel thresh="75000"/>
+            <a:extLst>
+              <a:ext uri="{BEBA8EAE-BF5A-486C-A8C5-ECC9F3942E4B}">
+                <a14:imgProps xmlns:a14="http://schemas.microsoft.com/office/drawing/2010/main">
+                  <a14:imgLayer r:embed="rId5">
+                    <a14:imgEffect>
+                      <a14:brightnessContrast bright="-100000"/>
+                    </a14:imgEffect>
+                  </a14:imgLayer>
+                </a14:imgProps>
+              </a:ext>
+              <a:ext uri="{28A0092B-C50C-407E-A947-70E740481C1C}">
+                <a14:useLocalDpi xmlns:a14="http://schemas.microsoft.com/office/drawing/2010/main" val="0"/>
+              </a:ext>
+            </a:extLst>
+          </a:blip>
+          <a:stretch>
+            <a:fillRect/>
+          </a:stretch>
+        </p:blipFill>
+        <p:spPr>
+          <a:xfrm rot="900000">
+            <a:off x="4637804" y="1042717"/>
+            <a:ext cx="339599" cy="339599"/>
+          </a:xfrm>
+          <a:prstGeom prst="rect">
+            <a:avLst/>
+          </a:prstGeom>
+        </p:spPr>
+      </p:pic>
+      <p:pic>
+        <p:nvPicPr>
+          <p:cNvPr id="58" name="Picture 57" descr="Untitled-1.png"/>
+          <p:cNvPicPr>
+            <a:picLocks noChangeAspect="1"/>
+          </p:cNvPicPr>
+          <p:nvPr/>
+        </p:nvPicPr>
+        <p:blipFill>
+          <a:blip r:embed="rId6">
+            <a:biLevel thresh="75000"/>
+            <a:extLst>
+              <a:ext uri="{28A0092B-C50C-407E-A947-70E740481C1C}">
+                <a14:useLocalDpi xmlns:a14="http://schemas.microsoft.com/office/drawing/2010/main" val="0"/>
+              </a:ext>
+            </a:extLst>
+          </a:blip>
+          <a:stretch>
+            <a:fillRect/>
+          </a:stretch>
+        </p:blipFill>
+        <p:spPr>
+          <a:xfrm>
+            <a:off x="5063190" y="1004555"/>
+            <a:ext cx="380550" cy="380550"/>
+          </a:xfrm>
+          <a:prstGeom prst="rect">
+            <a:avLst/>
+          </a:prstGeom>
+        </p:spPr>
+      </p:pic>
+      <p:pic>
+        <p:nvPicPr>
+          <p:cNvPr id="59" name="Picture 58" descr="power icon.jpg"/>
+          <p:cNvPicPr>
+            <a:picLocks noChangeAspect="1"/>
+          </p:cNvPicPr>
+          <p:nvPr/>
+        </p:nvPicPr>
+        <p:blipFill>
+          <a:blip r:embed="rId7">
+            <a:extLst>
+              <a:ext uri="{28A0092B-C50C-407E-A947-70E740481C1C}">
+                <a14:useLocalDpi xmlns:a14="http://schemas.microsoft.com/office/drawing/2010/main" val="0"/>
+              </a:ext>
+            </a:extLst>
+          </a:blip>
+          <a:stretch>
+            <a:fillRect/>
+          </a:stretch>
+        </p:blipFill>
+        <p:spPr>
+          <a:xfrm>
+            <a:off x="6905130" y="1083658"/>
+            <a:ext cx="243224" cy="268459"/>
+          </a:xfrm>
+          <a:prstGeom prst="rect">
+            <a:avLst/>
+          </a:prstGeom>
+        </p:spPr>
+      </p:pic>
+      <p:sp>
+        <p:nvSpPr>
+          <p:cNvPr id="62" name="Rounded Rectangle 61"/>
+          <p:cNvSpPr/>
+          <p:nvPr/>
+        </p:nvSpPr>
+        <p:spPr>
+          <a:xfrm>
+            <a:off x="7212503" y="1085664"/>
+            <a:ext cx="728750" cy="257672"/>
+          </a:xfrm>
+          <a:prstGeom prst="roundRect">
+            <a:avLst/>
+          </a:prstGeom>
+          <a:noFill/>
+          <a:ln>
+            <a:solidFill>
+              <a:schemeClr val="tx1"/>
+            </a:solidFill>
+          </a:ln>
+          <a:effectLst/>
+        </p:spPr>
+        <p:style>
+          <a:lnRef idx="1">
+            <a:schemeClr val="accent1"/>
+          </a:lnRef>
+          <a:fillRef idx="3">
+            <a:schemeClr val="accent1"/>
+          </a:fillRef>
+          <a:effectRef idx="2">
+            <a:schemeClr val="accent1"/>
+          </a:effectRef>
+          <a:fontRef idx="minor">
+            <a:schemeClr val="lt1"/>
+          </a:fontRef>
+        </p:style>
+        <p:txBody>
+          <a:bodyPr rtlCol="0" anchor="ctr"/>
+          <a:lstStyle/>
+          <a:p>
+            <a:pPr algn="ctr"/>
+            <a:r>
+              <a:rPr lang="en-US" sz="1100" dirty="0" smtClean="0">
+                <a:solidFill>
+                  <a:srgbClr val="000000"/>
+                </a:solidFill>
+                <a:latin typeface="+mj-lt"/>
+                <a:cs typeface="MAW "/>
+              </a:rPr>
+              <a:t>Log out</a:t>
+            </a:r>
+            <a:endParaRPr lang="en-US" sz="1100" dirty="0">
+              <a:solidFill>
+                <a:srgbClr val="000000"/>
+              </a:solidFill>
+              <a:latin typeface="+mj-lt"/>
+              <a:cs typeface="MAW "/>
+            </a:endParaRPr>
+          </a:p>
+        </p:txBody>
+      </p:sp>
+      <p:sp>
+        <p:nvSpPr>
+          <p:cNvPr id="63" name="Rounded Rectangular Callout 62"/>
+          <p:cNvSpPr/>
+          <p:nvPr/>
+        </p:nvSpPr>
+        <p:spPr>
+          <a:xfrm>
+            <a:off x="5602547" y="1083718"/>
+            <a:ext cx="292335" cy="227940"/>
+          </a:xfrm>
+          <a:prstGeom prst="wedgeRoundRectCallout">
+            <a:avLst>
+              <a:gd name="adj1" fmla="val 35167"/>
+              <a:gd name="adj2" fmla="val 73720"/>
+              <a:gd name="adj3" fmla="val 16667"/>
+            </a:avLst>
+          </a:prstGeom>
+          <a:solidFill>
+            <a:schemeClr val="tx1">
+              <a:lumMod val="95000"/>
+              <a:lumOff val="5000"/>
+            </a:schemeClr>
+          </a:solidFill>
+          <a:ln>
+            <a:noFill/>
+          </a:ln>
+          <a:effectLst/>
+        </p:spPr>
+        <p:style>
+          <a:lnRef idx="1">
+            <a:schemeClr val="accent1"/>
+          </a:lnRef>
+          <a:fillRef idx="3">
+            <a:schemeClr val="accent1"/>
+          </a:fillRef>
+          <a:effectRef idx="2">
+            <a:schemeClr val="accent1"/>
+          </a:effectRef>
+          <a:fontRef idx="minor">
+            <a:schemeClr val="lt1"/>
+          </a:fontRef>
+        </p:style>
+        <p:txBody>
+          <a:bodyPr rtlCol="0" anchor="ctr"/>
+          <a:lstStyle/>
+          <a:p>
+            <a:pPr algn="ctr"/>
+            <a:endParaRPr lang="en-US"/>
+          </a:p>
+        </p:txBody>
+      </p:sp>
+      <p:sp>
+        <p:nvSpPr>
+          <p:cNvPr id="33" name="Rectangle 32"/>
+          <p:cNvSpPr/>
+          <p:nvPr/>
+        </p:nvSpPr>
+        <p:spPr>
+          <a:xfrm>
+            <a:off x="2890750" y="4297951"/>
+            <a:ext cx="3496781" cy="2128759"/>
+          </a:xfrm>
+          <a:prstGeom prst="rect">
+            <a:avLst/>
+          </a:prstGeom>
+          <a:noFill/>
+          <a:ln>
+            <a:solidFill>
+              <a:schemeClr val="tx1"/>
+            </a:solidFill>
+          </a:ln>
+          <a:effectLst/>
+        </p:spPr>
+        <p:style>
+          <a:lnRef idx="1">
+            <a:schemeClr val="accent1"/>
+          </a:lnRef>
+          <a:fillRef idx="3">
+            <a:schemeClr val="accent1"/>
+          </a:fillRef>
+          <a:effectRef idx="2">
+            <a:schemeClr val="accent1"/>
+          </a:effectRef>
+          <a:fontRef idx="minor">
+            <a:schemeClr val="lt1"/>
+          </a:fontRef>
+        </p:style>
+        <p:txBody>
+          <a:bodyPr rtlCol="0" anchor="ctr"/>
+          <a:lstStyle/>
+          <a:p>
+            <a:pPr algn="ctr"/>
+            <a:endParaRPr lang="en-US"/>
+          </a:p>
+        </p:txBody>
+      </p:sp>
+      <p:cxnSp>
+        <p:nvCxnSpPr>
+          <p:cNvPr id="34" name="Straight Connector 33"/>
+          <p:cNvCxnSpPr/>
+          <p:nvPr/>
+        </p:nvCxnSpPr>
+        <p:spPr>
+          <a:xfrm>
+            <a:off x="2890750" y="4297951"/>
+            <a:ext cx="3496781" cy="2128759"/>
+          </a:xfrm>
+          <a:prstGeom prst="line">
+            <a:avLst/>
+          </a:prstGeom>
+          <a:ln w="38100" cmpd="sng">
+            <a:solidFill>
+              <a:schemeClr val="tx1"/>
+            </a:solidFill>
+          </a:ln>
+          <a:effectLst/>
+        </p:spPr>
+        <p:style>
+          <a:lnRef idx="2">
+            <a:schemeClr val="accent1"/>
+          </a:lnRef>
+          <a:fillRef idx="0">
+            <a:schemeClr val="accent1"/>
+          </a:fillRef>
+          <a:effectRef idx="1">
+            <a:schemeClr val="accent1"/>
+          </a:effectRef>
+          <a:fontRef idx="minor">
+            <a:schemeClr val="tx1"/>
+          </a:fontRef>
+        </p:style>
+      </p:cxnSp>
+      <p:cxnSp>
+        <p:nvCxnSpPr>
+          <p:cNvPr id="35" name="Straight Connector 34"/>
+          <p:cNvCxnSpPr/>
+          <p:nvPr/>
+        </p:nvCxnSpPr>
+        <p:spPr>
+          <a:xfrm flipV="1">
+            <a:off x="2890750" y="4297951"/>
+            <a:ext cx="3496781" cy="2121548"/>
+          </a:xfrm>
+          <a:prstGeom prst="line">
+            <a:avLst/>
+          </a:prstGeom>
+          <a:ln w="38100" cmpd="sng">
+            <a:solidFill>
+              <a:schemeClr val="tx1"/>
+            </a:solidFill>
+          </a:ln>
+          <a:effectLst/>
+        </p:spPr>
+        <p:style>
+          <a:lnRef idx="2">
+            <a:schemeClr val="accent1"/>
+          </a:lnRef>
+          <a:fillRef idx="0">
+            <a:schemeClr val="accent1"/>
+          </a:fillRef>
+          <a:effectRef idx="1">
+            <a:schemeClr val="accent1"/>
+          </a:effectRef>
+          <a:fontRef idx="minor">
+            <a:schemeClr val="tx1"/>
+          </a:fontRef>
+        </p:style>
+      </p:cxnSp>
+      <p:sp>
+        <p:nvSpPr>
+          <p:cNvPr id="47" name="Rounded Rectangle 46"/>
+          <p:cNvSpPr/>
+          <p:nvPr/>
+        </p:nvSpPr>
+        <p:spPr>
+          <a:xfrm>
+            <a:off x="6680294" y="1655766"/>
+            <a:ext cx="1166467" cy="375271"/>
+          </a:xfrm>
+          <a:prstGeom prst="roundRect">
+            <a:avLst/>
+          </a:prstGeom>
+          <a:solidFill>
+            <a:schemeClr val="tx1"/>
+          </a:solidFill>
+          <a:ln>
+            <a:solidFill>
+              <a:schemeClr val="tx1"/>
+            </a:solidFill>
+          </a:ln>
+          <a:effectLst/>
+        </p:spPr>
+        <p:style>
+          <a:lnRef idx="1">
+            <a:schemeClr val="accent1"/>
+          </a:lnRef>
+          <a:fillRef idx="3">
+            <a:schemeClr val="accent1"/>
+          </a:fillRef>
+          <a:effectRef idx="2">
+            <a:schemeClr val="accent1"/>
+          </a:effectRef>
+          <a:fontRef idx="minor">
+            <a:schemeClr val="lt1"/>
+          </a:fontRef>
+        </p:style>
+        <p:txBody>
+          <a:bodyPr rtlCol="0" anchor="ctr"/>
+          <a:lstStyle/>
+          <a:p>
+            <a:pPr algn="ctr"/>
+            <a:r>
+              <a:rPr lang="en-US" dirty="0" smtClean="0">
+                <a:solidFill>
+                  <a:schemeClr val="bg1"/>
+                </a:solidFill>
+              </a:rPr>
+              <a:t>Location</a:t>
+            </a:r>
+            <a:endParaRPr lang="en-US" dirty="0">
+              <a:solidFill>
+                <a:schemeClr val="bg1"/>
+              </a:solidFill>
+            </a:endParaRPr>
+          </a:p>
+        </p:txBody>
+      </p:sp>
+      <p:sp>
+        <p:nvSpPr>
+          <p:cNvPr id="29" name="Isosceles Triangle 28"/>
+          <p:cNvSpPr/>
+          <p:nvPr/>
+        </p:nvSpPr>
+        <p:spPr>
+          <a:xfrm>
+            <a:off x="6089465" y="1343336"/>
+            <a:ext cx="338529" cy="206357"/>
+          </a:xfrm>
+          <a:prstGeom prst="triangle">
+            <a:avLst/>
+          </a:prstGeom>
+          <a:solidFill>
+            <a:schemeClr val="bg1"/>
+          </a:solidFill>
+          <a:ln>
+            <a:solidFill>
+              <a:schemeClr val="tx1"/>
+            </a:solidFill>
+          </a:ln>
+          <a:effectLst/>
+        </p:spPr>
+        <p:style>
+          <a:lnRef idx="1">
+            <a:schemeClr val="accent1"/>
+          </a:lnRef>
+          <a:fillRef idx="3">
+            <a:schemeClr val="accent1"/>
+          </a:fillRef>
+          <a:effectRef idx="2">
+            <a:schemeClr val="accent1"/>
+          </a:effectRef>
+          <a:fontRef idx="minor">
+            <a:schemeClr val="lt1"/>
+          </a:fontRef>
+        </p:style>
+        <p:txBody>
+          <a:bodyPr rtlCol="0" anchor="ctr"/>
+          <a:lstStyle/>
+          <a:p>
+            <a:pPr algn="ctr"/>
+            <a:endParaRPr lang="en-US"/>
+          </a:p>
+        </p:txBody>
+      </p:sp>
+      <p:sp>
+        <p:nvSpPr>
+          <p:cNvPr id="30" name="Rectangle 29"/>
+          <p:cNvSpPr/>
+          <p:nvPr/>
+        </p:nvSpPr>
+        <p:spPr>
+          <a:xfrm>
+            <a:off x="6110285" y="1525051"/>
+            <a:ext cx="288880" cy="72448"/>
+          </a:xfrm>
+          <a:prstGeom prst="rect">
+            <a:avLst/>
+          </a:prstGeom>
+          <a:solidFill>
+            <a:schemeClr val="bg1"/>
+          </a:solidFill>
+          <a:ln>
+            <a:noFill/>
+          </a:ln>
+          <a:effectLst/>
+        </p:spPr>
+        <p:style>
+          <a:lnRef idx="1">
+            <a:schemeClr val="accent1"/>
+          </a:lnRef>
+          <a:fillRef idx="3">
+            <a:schemeClr val="accent1"/>
+          </a:fillRef>
+          <a:effectRef idx="2">
+            <a:schemeClr val="accent1"/>
+          </a:effectRef>
+          <a:fontRef idx="minor">
+            <a:schemeClr val="lt1"/>
+          </a:fontRef>
+        </p:style>
+        <p:txBody>
+          <a:bodyPr rtlCol="0" anchor="ctr"/>
+          <a:lstStyle/>
+          <a:p>
+            <a:pPr algn="ctr"/>
+            <a:endParaRPr lang="en-US"/>
+          </a:p>
+        </p:txBody>
+      </p:sp>
+      <p:pic>
+        <p:nvPicPr>
+          <p:cNvPr id="31" name="Picture 30" descr="shop-256.png"/>
+          <p:cNvPicPr>
+            <a:picLocks noChangeAspect="1"/>
+          </p:cNvPicPr>
+          <p:nvPr/>
+        </p:nvPicPr>
+        <p:blipFill>
+          <a:blip r:embed="rId8">
+            <a:extLst>
+              <a:ext uri="{28A0092B-C50C-407E-A947-70E740481C1C}">
+                <a14:useLocalDpi xmlns:a14="http://schemas.microsoft.com/office/drawing/2010/main" val="0"/>
+              </a:ext>
+            </a:extLst>
+          </a:blip>
+          <a:stretch>
+            <a:fillRect/>
+          </a:stretch>
+        </p:blipFill>
+        <p:spPr>
+          <a:xfrm>
+            <a:off x="6108185" y="1057495"/>
+            <a:ext cx="285841" cy="285841"/>
+          </a:xfrm>
+          <a:prstGeom prst="rect">
+            <a:avLst/>
+          </a:prstGeom>
+        </p:spPr>
+      </p:pic>
+    </p:spTree>
+    <p:extLst>
+      <p:ext uri="{BB962C8B-B14F-4D97-AF65-F5344CB8AC3E}">
+        <p14:creationId xmlns:p14="http://schemas.microsoft.com/office/powerpoint/2010/main" val="119161728"/>
+      </p:ext>
+    </p:extLst>
+  </p:cSld>
+  <p:clrMapOvr>
+    <a:masterClrMapping/>
+  </p:clrMapOvr>
+</p:sld>
+</file>
+
+<file path=ppt/slides/slide35.xml><?xml version="1.0" encoding="utf-8"?>
+<p:sld xmlns:a="http://schemas.openxmlformats.org/drawingml/2006/main" xmlns:r="http://schemas.openxmlformats.org/officeDocument/2006/relationships" xmlns:p="http://schemas.openxmlformats.org/presentationml/2006/main">
+  <p:cSld>
+    <p:spTree>
+      <p:nvGrpSpPr>
+        <p:cNvPr id="1" name=""/>
+        <p:cNvGrpSpPr/>
+        <p:nvPr/>
+      </p:nvGrpSpPr>
+      <p:grpSpPr>
+        <a:xfrm>
+          <a:off x="0" y="0"/>
+          <a:ext cx="0" cy="0"/>
+          <a:chOff x="0" y="0"/>
+          <a:chExt cx="0" cy="0"/>
+        </a:xfrm>
+      </p:grpSpPr>
+      <p:sp>
+        <p:nvSpPr>
+          <p:cNvPr id="5" name="Rounded Rectangle 4"/>
+          <p:cNvSpPr/>
+          <p:nvPr/>
+        </p:nvSpPr>
+        <p:spPr>
+          <a:xfrm>
+            <a:off x="170605" y="492904"/>
+            <a:ext cx="8833593" cy="398115"/>
+          </a:xfrm>
+          <a:prstGeom prst="roundRect">
+            <a:avLst/>
+          </a:prstGeom>
+          <a:solidFill>
+            <a:srgbClr val="D9D9D9"/>
+          </a:solidFill>
+          <a:ln>
+            <a:solidFill>
+              <a:srgbClr val="000000"/>
+            </a:solidFill>
+          </a:ln>
+          <a:effectLst/>
+        </p:spPr>
+        <p:style>
+          <a:lnRef idx="1">
+            <a:schemeClr val="accent1"/>
+          </a:lnRef>
+          <a:fillRef idx="3">
+            <a:schemeClr val="accent1"/>
+          </a:fillRef>
+          <a:effectRef idx="2">
+            <a:schemeClr val="accent1"/>
+          </a:effectRef>
+          <a:fontRef idx="minor">
+            <a:schemeClr val="lt1"/>
+          </a:fontRef>
+        </p:style>
+        <p:txBody>
+          <a:bodyPr rtlCol="0" anchor="ctr"/>
+          <a:lstStyle/>
+          <a:p>
+            <a:pPr algn="ctr"/>
+            <a:endParaRPr lang="en-US" dirty="0"/>
+          </a:p>
+        </p:txBody>
+      </p:sp>
+      <p:sp>
+        <p:nvSpPr>
+          <p:cNvPr id="4" name="Rectangle 3"/>
+          <p:cNvSpPr/>
+          <p:nvPr/>
+        </p:nvSpPr>
+        <p:spPr>
+          <a:xfrm>
+            <a:off x="170605" y="834147"/>
+            <a:ext cx="8833593" cy="5592564"/>
+          </a:xfrm>
+          <a:prstGeom prst="rect">
+            <a:avLst/>
+          </a:prstGeom>
+          <a:solidFill>
+            <a:schemeClr val="bg1"/>
+          </a:solidFill>
+          <a:ln>
+            <a:solidFill>
+              <a:schemeClr val="tx1"/>
+            </a:solidFill>
+          </a:ln>
+          <a:effectLst/>
+        </p:spPr>
+        <p:style>
+          <a:lnRef idx="1">
+            <a:schemeClr val="accent1"/>
+          </a:lnRef>
+          <a:fillRef idx="3">
+            <a:schemeClr val="accent1"/>
+          </a:fillRef>
+          <a:effectRef idx="2">
+            <a:schemeClr val="accent1"/>
+          </a:effectRef>
+          <a:fontRef idx="minor">
+            <a:schemeClr val="lt1"/>
+          </a:fontRef>
+        </p:style>
+        <p:txBody>
+          <a:bodyPr rtlCol="0" anchor="ctr"/>
+          <a:lstStyle/>
+          <a:p>
+            <a:pPr algn="ctr"/>
+            <a:endParaRPr lang="en-US"/>
+          </a:p>
+        </p:txBody>
+      </p:sp>
+      <p:sp>
+        <p:nvSpPr>
+          <p:cNvPr id="7" name="Oval 6"/>
+          <p:cNvSpPr/>
+          <p:nvPr/>
+        </p:nvSpPr>
+        <p:spPr>
+          <a:xfrm>
+            <a:off x="262955" y="598659"/>
+            <a:ext cx="173439" cy="167848"/>
+          </a:xfrm>
+          <a:prstGeom prst="ellipse">
+            <a:avLst/>
+          </a:prstGeom>
+          <a:solidFill>
+            <a:srgbClr val="A6A6A6"/>
+          </a:solidFill>
+          <a:ln>
+            <a:solidFill>
+              <a:srgbClr val="000000"/>
+            </a:solidFill>
+          </a:ln>
+          <a:effectLst/>
+        </p:spPr>
+        <p:style>
+          <a:lnRef idx="1">
+            <a:schemeClr val="accent1"/>
+          </a:lnRef>
+          <a:fillRef idx="3">
+            <a:schemeClr val="accent1"/>
+          </a:fillRef>
+          <a:effectRef idx="2">
+            <a:schemeClr val="accent1"/>
+          </a:effectRef>
+          <a:fontRef idx="minor">
+            <a:schemeClr val="lt1"/>
+          </a:fontRef>
+        </p:style>
+        <p:txBody>
+          <a:bodyPr rtlCol="0" anchor="ctr"/>
+          <a:lstStyle/>
+          <a:p>
+            <a:pPr algn="ctr"/>
+            <a:endParaRPr lang="en-US"/>
+          </a:p>
+        </p:txBody>
+      </p:sp>
+      <p:sp>
+        <p:nvSpPr>
+          <p:cNvPr id="8" name="Oval 7"/>
+          <p:cNvSpPr/>
+          <p:nvPr/>
+        </p:nvSpPr>
+        <p:spPr>
+          <a:xfrm>
+            <a:off x="502074" y="598659"/>
+            <a:ext cx="173439" cy="167848"/>
+          </a:xfrm>
+          <a:prstGeom prst="ellipse">
+            <a:avLst/>
+          </a:prstGeom>
+          <a:solidFill>
+            <a:srgbClr val="A6A6A6"/>
+          </a:solidFill>
+          <a:ln>
+            <a:solidFill>
+              <a:srgbClr val="000000"/>
+            </a:solidFill>
+          </a:ln>
+          <a:effectLst/>
+        </p:spPr>
+        <p:style>
+          <a:lnRef idx="1">
+            <a:schemeClr val="accent1"/>
+          </a:lnRef>
+          <a:fillRef idx="3">
+            <a:schemeClr val="accent1"/>
+          </a:fillRef>
+          <a:effectRef idx="2">
+            <a:schemeClr val="accent1"/>
+          </a:effectRef>
+          <a:fontRef idx="minor">
+            <a:schemeClr val="lt1"/>
+          </a:fontRef>
+        </p:style>
+        <p:txBody>
+          <a:bodyPr rtlCol="0" anchor="ctr"/>
+          <a:lstStyle/>
+          <a:p>
+            <a:pPr algn="ctr"/>
+            <a:endParaRPr lang="en-US"/>
+          </a:p>
+        </p:txBody>
+      </p:sp>
+      <p:sp>
+        <p:nvSpPr>
+          <p:cNvPr id="9" name="Oval 8"/>
+          <p:cNvSpPr/>
+          <p:nvPr/>
+        </p:nvSpPr>
+        <p:spPr>
+          <a:xfrm>
+            <a:off x="739853" y="598659"/>
+            <a:ext cx="173439" cy="167848"/>
+          </a:xfrm>
+          <a:prstGeom prst="ellipse">
+            <a:avLst/>
+          </a:prstGeom>
+          <a:solidFill>
+            <a:srgbClr val="A6A6A6"/>
+          </a:solidFill>
+          <a:ln>
+            <a:solidFill>
+              <a:srgbClr val="000000"/>
+            </a:solidFill>
+          </a:ln>
+          <a:effectLst/>
+        </p:spPr>
+        <p:style>
+          <a:lnRef idx="1">
+            <a:schemeClr val="accent1"/>
+          </a:lnRef>
+          <a:fillRef idx="3">
+            <a:schemeClr val="accent1"/>
+          </a:fillRef>
+          <a:effectRef idx="2">
+            <a:schemeClr val="accent1"/>
+          </a:effectRef>
+          <a:fontRef idx="minor">
+            <a:schemeClr val="lt1"/>
+          </a:fontRef>
+        </p:style>
+        <p:txBody>
+          <a:bodyPr rtlCol="0" anchor="ctr"/>
+          <a:lstStyle/>
+          <a:p>
+            <a:pPr algn="ctr"/>
+            <a:endParaRPr lang="en-US"/>
+          </a:p>
+        </p:txBody>
+      </p:sp>
+      <p:sp>
+        <p:nvSpPr>
+          <p:cNvPr id="11" name="Rectangle 10"/>
+          <p:cNvSpPr/>
+          <p:nvPr/>
+        </p:nvSpPr>
+        <p:spPr>
+          <a:xfrm>
+            <a:off x="1187585" y="1550579"/>
+            <a:ext cx="6779137" cy="4876131"/>
+          </a:xfrm>
+          <a:prstGeom prst="rect">
+            <a:avLst/>
+          </a:prstGeom>
+          <a:solidFill>
+            <a:schemeClr val="bg1"/>
+          </a:solidFill>
+          <a:ln>
+            <a:solidFill>
+              <a:schemeClr val="tx1"/>
+            </a:solidFill>
+          </a:ln>
+          <a:effectLst/>
+        </p:spPr>
+        <p:style>
+          <a:lnRef idx="1">
+            <a:schemeClr val="accent1"/>
+          </a:lnRef>
+          <a:fillRef idx="3">
+            <a:schemeClr val="accent1"/>
+          </a:fillRef>
+          <a:effectRef idx="2">
+            <a:schemeClr val="accent1"/>
+          </a:effectRef>
+          <a:fontRef idx="minor">
+            <a:schemeClr val="lt1"/>
+          </a:fontRef>
+        </p:style>
+        <p:txBody>
+          <a:bodyPr rtlCol="0" anchor="ctr"/>
+          <a:lstStyle/>
+          <a:p>
+            <a:pPr algn="ctr"/>
+            <a:endParaRPr lang="en-US"/>
+          </a:p>
+        </p:txBody>
+      </p:sp>
+      <p:sp>
+        <p:nvSpPr>
+          <p:cNvPr id="22" name="Rectangle 21"/>
+          <p:cNvSpPr/>
+          <p:nvPr/>
+        </p:nvSpPr>
+        <p:spPr>
+          <a:xfrm>
+            <a:off x="8845448" y="834147"/>
+            <a:ext cx="158750" cy="5592564"/>
+          </a:xfrm>
+          <a:prstGeom prst="rect">
+            <a:avLst/>
+          </a:prstGeom>
+          <a:solidFill>
+            <a:srgbClr val="FFFFFF"/>
+          </a:solidFill>
+          <a:ln>
+            <a:solidFill>
+              <a:srgbClr val="000000"/>
+            </a:solidFill>
+          </a:ln>
+          <a:effectLst/>
+        </p:spPr>
+        <p:style>
+          <a:lnRef idx="1">
+            <a:schemeClr val="accent1"/>
+          </a:lnRef>
+          <a:fillRef idx="3">
+            <a:schemeClr val="accent1"/>
+          </a:fillRef>
+          <a:effectRef idx="2">
+            <a:schemeClr val="accent1"/>
+          </a:effectRef>
+          <a:fontRef idx="minor">
+            <a:schemeClr val="lt1"/>
+          </a:fontRef>
+        </p:style>
+        <p:txBody>
+          <a:bodyPr rtlCol="0" anchor="ctr"/>
+          <a:lstStyle/>
+          <a:p>
+            <a:pPr algn="ctr"/>
+            <a:endParaRPr lang="en-US"/>
+          </a:p>
+        </p:txBody>
+      </p:sp>
+      <p:sp>
+        <p:nvSpPr>
+          <p:cNvPr id="23" name="Rounded Rectangle 22"/>
+          <p:cNvSpPr/>
+          <p:nvPr/>
+        </p:nvSpPr>
+        <p:spPr>
+          <a:xfrm>
+            <a:off x="8845448" y="836083"/>
+            <a:ext cx="158750" cy="1727200"/>
+          </a:xfrm>
+          <a:prstGeom prst="roundRect">
+            <a:avLst/>
+          </a:prstGeom>
+          <a:solidFill>
+            <a:schemeClr val="tx1"/>
+          </a:solidFill>
+          <a:ln>
+            <a:solidFill>
+              <a:srgbClr val="000000"/>
+            </a:solidFill>
+          </a:ln>
+        </p:spPr>
+        <p:style>
+          <a:lnRef idx="1">
+            <a:schemeClr val="accent1"/>
+          </a:lnRef>
+          <a:fillRef idx="3">
+            <a:schemeClr val="accent1"/>
+          </a:fillRef>
+          <a:effectRef idx="2">
+            <a:schemeClr val="accent1"/>
+          </a:effectRef>
+          <a:fontRef idx="minor">
+            <a:schemeClr val="lt1"/>
+          </a:fontRef>
+        </p:style>
+        <p:txBody>
+          <a:bodyPr rtlCol="0" anchor="ctr"/>
+          <a:lstStyle/>
+          <a:p>
+            <a:pPr algn="ctr"/>
+            <a:endParaRPr lang="en-US"/>
+          </a:p>
+        </p:txBody>
+      </p:sp>
       <p:pic>
         <p:nvPicPr>
           <p:cNvPr id="2" name="Picture 1" descr="delhi-city-maps.jpg"/>
@@ -46923,17 +49519,7 @@
                 <a:latin typeface="+mj-lt"/>
                 <a:cs typeface="MAW "/>
               </a:rPr>
-              <a:t>Shop </a:t>
-            </a:r>
-            <a:r>
-              <a:rPr lang="en-US" sz="4000" b="1" spc="300" dirty="0" smtClean="0">
-                <a:solidFill>
-                  <a:srgbClr val="000000"/>
-                </a:solidFill>
-                <a:latin typeface="+mj-lt"/>
-                <a:cs typeface="MAW "/>
-              </a:rPr>
-              <a:t>Name</a:t>
+              <a:t>Shop Name</a:t>
             </a:r>
             <a:endParaRPr lang="en-US" sz="4000" b="1" spc="300" dirty="0">
               <a:solidFill>
@@ -47275,98 +49861,6 @@
       </p:pic>
       <p:sp>
         <p:nvSpPr>
-          <p:cNvPr id="60" name="Isosceles Triangle 59"/>
-          <p:cNvSpPr/>
-          <p:nvPr/>
-        </p:nvSpPr>
-        <p:spPr>
-          <a:xfrm>
-            <a:off x="3676602" y="1344222"/>
-            <a:ext cx="338529" cy="206357"/>
-          </a:xfrm>
-          <a:prstGeom prst="triangle">
-            <a:avLst/>
-          </a:prstGeom>
-          <a:solidFill>
-            <a:schemeClr val="bg1"/>
-          </a:solidFill>
-          <a:ln>
-            <a:solidFill>
-              <a:schemeClr val="tx1"/>
-            </a:solidFill>
-          </a:ln>
-          <a:effectLst/>
-        </p:spPr>
-        <p:style>
-          <a:lnRef idx="1">
-            <a:schemeClr val="accent1"/>
-          </a:lnRef>
-          <a:fillRef idx="3">
-            <a:schemeClr val="accent1"/>
-          </a:fillRef>
-          <a:effectRef idx="2">
-            <a:schemeClr val="accent1"/>
-          </a:effectRef>
-          <a:fontRef idx="minor">
-            <a:schemeClr val="lt1"/>
-          </a:fontRef>
-        </p:style>
-        <p:txBody>
-          <a:bodyPr rtlCol="0" anchor="ctr"/>
-          <a:lstStyle/>
-          <a:p>
-            <a:pPr algn="ctr"/>
-            <a:endParaRPr lang="en-US"/>
-          </a:p>
-        </p:txBody>
-      </p:sp>
-      <p:sp>
-        <p:nvSpPr>
-          <p:cNvPr id="61" name="Rectangle 60"/>
-          <p:cNvSpPr/>
-          <p:nvPr/>
-        </p:nvSpPr>
-        <p:spPr>
-          <a:xfrm>
-            <a:off x="3697422" y="1525937"/>
-            <a:ext cx="288880" cy="72448"/>
-          </a:xfrm>
-          <a:prstGeom prst="rect">
-            <a:avLst/>
-          </a:prstGeom>
-          <a:solidFill>
-            <a:schemeClr val="bg1"/>
-          </a:solidFill>
-          <a:ln>
-            <a:noFill/>
-          </a:ln>
-          <a:effectLst/>
-        </p:spPr>
-        <p:style>
-          <a:lnRef idx="1">
-            <a:schemeClr val="accent1"/>
-          </a:lnRef>
-          <a:fillRef idx="3">
-            <a:schemeClr val="accent1"/>
-          </a:fillRef>
-          <a:effectRef idx="2">
-            <a:schemeClr val="accent1"/>
-          </a:effectRef>
-          <a:fontRef idx="minor">
-            <a:schemeClr val="lt1"/>
-          </a:fontRef>
-        </p:style>
-        <p:txBody>
-          <a:bodyPr rtlCol="0" anchor="ctr"/>
-          <a:lstStyle/>
-          <a:p>
-            <a:pPr algn="ctr"/>
-            <a:endParaRPr lang="en-US"/>
-          </a:p>
-        </p:txBody>
-      </p:sp>
-      <p:sp>
-        <p:nvSpPr>
           <p:cNvPr id="62" name="Rounded Rectangle 61"/>
           <p:cNvSpPr/>
           <p:nvPr/>
@@ -47537,6 +50031,128 @@
           </a:p>
         </p:txBody>
       </p:sp>
+      <p:sp>
+        <p:nvSpPr>
+          <p:cNvPr id="26" name="Isosceles Triangle 25"/>
+          <p:cNvSpPr/>
+          <p:nvPr/>
+        </p:nvSpPr>
+        <p:spPr>
+          <a:xfrm>
+            <a:off x="6089465" y="1343336"/>
+            <a:ext cx="338529" cy="206357"/>
+          </a:xfrm>
+          <a:prstGeom prst="triangle">
+            <a:avLst/>
+          </a:prstGeom>
+          <a:solidFill>
+            <a:schemeClr val="bg1"/>
+          </a:solidFill>
+          <a:ln>
+            <a:solidFill>
+              <a:schemeClr val="tx1"/>
+            </a:solidFill>
+          </a:ln>
+          <a:effectLst/>
+        </p:spPr>
+        <p:style>
+          <a:lnRef idx="1">
+            <a:schemeClr val="accent1"/>
+          </a:lnRef>
+          <a:fillRef idx="3">
+            <a:schemeClr val="accent1"/>
+          </a:fillRef>
+          <a:effectRef idx="2">
+            <a:schemeClr val="accent1"/>
+          </a:effectRef>
+          <a:fontRef idx="minor">
+            <a:schemeClr val="lt1"/>
+          </a:fontRef>
+        </p:style>
+        <p:txBody>
+          <a:bodyPr rtlCol="0" anchor="ctr"/>
+          <a:lstStyle/>
+          <a:p>
+            <a:pPr algn="ctr"/>
+            <a:endParaRPr lang="en-US"/>
+          </a:p>
+        </p:txBody>
+      </p:sp>
+      <p:sp>
+        <p:nvSpPr>
+          <p:cNvPr id="27" name="Rectangle 26"/>
+          <p:cNvSpPr/>
+          <p:nvPr/>
+        </p:nvSpPr>
+        <p:spPr>
+          <a:xfrm>
+            <a:off x="6110285" y="1525051"/>
+            <a:ext cx="288880" cy="72448"/>
+          </a:xfrm>
+          <a:prstGeom prst="rect">
+            <a:avLst/>
+          </a:prstGeom>
+          <a:solidFill>
+            <a:schemeClr val="bg1"/>
+          </a:solidFill>
+          <a:ln>
+            <a:noFill/>
+          </a:ln>
+          <a:effectLst/>
+        </p:spPr>
+        <p:style>
+          <a:lnRef idx="1">
+            <a:schemeClr val="accent1"/>
+          </a:lnRef>
+          <a:fillRef idx="3">
+            <a:schemeClr val="accent1"/>
+          </a:fillRef>
+          <a:effectRef idx="2">
+            <a:schemeClr val="accent1"/>
+          </a:effectRef>
+          <a:fontRef idx="minor">
+            <a:schemeClr val="lt1"/>
+          </a:fontRef>
+        </p:style>
+        <p:txBody>
+          <a:bodyPr rtlCol="0" anchor="ctr"/>
+          <a:lstStyle/>
+          <a:p>
+            <a:pPr algn="ctr"/>
+            <a:endParaRPr lang="en-US"/>
+          </a:p>
+        </p:txBody>
+      </p:sp>
+      <p:pic>
+        <p:nvPicPr>
+          <p:cNvPr id="3" name="Picture 2" descr="shop-256.png"/>
+          <p:cNvPicPr>
+            <a:picLocks noChangeAspect="1"/>
+          </p:cNvPicPr>
+          <p:nvPr/>
+        </p:nvPicPr>
+        <p:blipFill>
+          <a:blip r:embed="rId9">
+            <a:extLst>
+              <a:ext uri="{28A0092B-C50C-407E-A947-70E740481C1C}">
+                <a14:useLocalDpi xmlns:a14="http://schemas.microsoft.com/office/drawing/2010/main" val="0"/>
+              </a:ext>
+            </a:extLst>
+          </a:blip>
+          <a:stretch>
+            <a:fillRect/>
+          </a:stretch>
+        </p:blipFill>
+        <p:spPr>
+          <a:xfrm>
+            <a:off x="6108185" y="1057495"/>
+            <a:ext cx="285841" cy="285841"/>
+          </a:xfrm>
+          <a:prstGeom prst="rect">
+            <a:avLst/>
+          </a:prstGeom>
+        </p:spPr>
+      </p:pic>
     </p:spTree>
     <p:extLst>
       <p:ext uri="{BB962C8B-B14F-4D97-AF65-F5344CB8AC3E}">
@@ -53781,6 +56397,36 @@
           </a:p>
         </p:txBody>
       </p:sp>
+      <p:pic>
+        <p:nvPicPr>
+          <p:cNvPr id="93" name="Picture 92" descr="shop-256.png"/>
+          <p:cNvPicPr>
+            <a:picLocks noChangeAspect="1"/>
+          </p:cNvPicPr>
+          <p:nvPr/>
+        </p:nvPicPr>
+        <p:blipFill>
+          <a:blip r:embed="rId8">
+            <a:extLst>
+              <a:ext uri="{28A0092B-C50C-407E-A947-70E740481C1C}">
+                <a14:useLocalDpi xmlns:a14="http://schemas.microsoft.com/office/drawing/2010/main" val="0"/>
+              </a:ext>
+            </a:extLst>
+          </a:blip>
+          <a:stretch>
+            <a:fillRect/>
+          </a:stretch>
+        </p:blipFill>
+        <p:spPr>
+          <a:xfrm>
+            <a:off x="6108185" y="1057495"/>
+            <a:ext cx="285841" cy="285841"/>
+          </a:xfrm>
+          <a:prstGeom prst="rect">
+            <a:avLst/>
+          </a:prstGeom>
+        </p:spPr>
+      </p:pic>
     </p:spTree>
     <p:extLst>
       <p:ext uri="{BB962C8B-B14F-4D97-AF65-F5344CB8AC3E}">
@@ -55191,6 +57837,36 @@
           </a:p>
         </p:txBody>
       </p:sp>
+      <p:pic>
+        <p:nvPicPr>
+          <p:cNvPr id="32" name="Picture 31" descr="shop-256.png"/>
+          <p:cNvPicPr>
+            <a:picLocks noChangeAspect="1"/>
+          </p:cNvPicPr>
+          <p:nvPr/>
+        </p:nvPicPr>
+        <p:blipFill>
+          <a:blip r:embed="rId9">
+            <a:extLst>
+              <a:ext uri="{28A0092B-C50C-407E-A947-70E740481C1C}">
+                <a14:useLocalDpi xmlns:a14="http://schemas.microsoft.com/office/drawing/2010/main" val="0"/>
+              </a:ext>
+            </a:extLst>
+          </a:blip>
+          <a:stretch>
+            <a:fillRect/>
+          </a:stretch>
+        </p:blipFill>
+        <p:spPr>
+          <a:xfrm>
+            <a:off x="6108185" y="1057495"/>
+            <a:ext cx="285841" cy="285841"/>
+          </a:xfrm>
+          <a:prstGeom prst="rect">
+            <a:avLst/>
+          </a:prstGeom>
+        </p:spPr>
+      </p:pic>
     </p:spTree>
     <p:extLst>
       <p:ext uri="{BB962C8B-B14F-4D97-AF65-F5344CB8AC3E}">

--- a/GUI/HanDIYcraft-Web Rough GUI Design-V.2.0.pptx
+++ b/GUI/HanDIYcraft-Web Rough GUI Design-V.2.0.pptx
@@ -322,7 +322,7 @@
           <a:p>
             <a:fld id="{7BE49484-7B62-5B4F-8329-106176ECF3B8}" type="datetimeFigureOut">
               <a:rPr lang="en-US" smtClean="0"/>
-              <a:t>10/18/14 </a:t>
+              <a:t>10/28/14 </a:t>
             </a:fld>
             <a:endParaRPr lang="en-US"/>
           </a:p>
@@ -492,7 +492,7 @@
           <a:p>
             <a:fld id="{7BE49484-7B62-5B4F-8329-106176ECF3B8}" type="datetimeFigureOut">
               <a:rPr lang="en-US" smtClean="0"/>
-              <a:t>10/18/14 </a:t>
+              <a:t>10/28/14 </a:t>
             </a:fld>
             <a:endParaRPr lang="en-US"/>
           </a:p>
@@ -672,7 +672,7 @@
           <a:p>
             <a:fld id="{7BE49484-7B62-5B4F-8329-106176ECF3B8}" type="datetimeFigureOut">
               <a:rPr lang="en-US" smtClean="0"/>
-              <a:t>10/18/14 </a:t>
+              <a:t>10/28/14 </a:t>
             </a:fld>
             <a:endParaRPr lang="en-US"/>
           </a:p>
@@ -842,7 +842,7 @@
           <a:p>
             <a:fld id="{7BE49484-7B62-5B4F-8329-106176ECF3B8}" type="datetimeFigureOut">
               <a:rPr lang="en-US" smtClean="0"/>
-              <a:t>10/18/14 </a:t>
+              <a:t>10/28/14 </a:t>
             </a:fld>
             <a:endParaRPr lang="en-US"/>
           </a:p>
@@ -1088,7 +1088,7 @@
           <a:p>
             <a:fld id="{7BE49484-7B62-5B4F-8329-106176ECF3B8}" type="datetimeFigureOut">
               <a:rPr lang="en-US" smtClean="0"/>
-              <a:t>10/18/14 </a:t>
+              <a:t>10/28/14 </a:t>
             </a:fld>
             <a:endParaRPr lang="en-US"/>
           </a:p>
@@ -1376,7 +1376,7 @@
           <a:p>
             <a:fld id="{7BE49484-7B62-5B4F-8329-106176ECF3B8}" type="datetimeFigureOut">
               <a:rPr lang="en-US" smtClean="0"/>
-              <a:t>10/18/14 </a:t>
+              <a:t>10/28/14 </a:t>
             </a:fld>
             <a:endParaRPr lang="en-US"/>
           </a:p>
@@ -1798,7 +1798,7 @@
           <a:p>
             <a:fld id="{7BE49484-7B62-5B4F-8329-106176ECF3B8}" type="datetimeFigureOut">
               <a:rPr lang="en-US" smtClean="0"/>
-              <a:t>10/18/14 </a:t>
+              <a:t>10/28/14 </a:t>
             </a:fld>
             <a:endParaRPr lang="en-US"/>
           </a:p>
@@ -1916,7 +1916,7 @@
           <a:p>
             <a:fld id="{7BE49484-7B62-5B4F-8329-106176ECF3B8}" type="datetimeFigureOut">
               <a:rPr lang="en-US" smtClean="0"/>
-              <a:t>10/18/14 </a:t>
+              <a:t>10/28/14 </a:t>
             </a:fld>
             <a:endParaRPr lang="en-US"/>
           </a:p>
@@ -2011,7 +2011,7 @@
           <a:p>
             <a:fld id="{7BE49484-7B62-5B4F-8329-106176ECF3B8}" type="datetimeFigureOut">
               <a:rPr lang="en-US" smtClean="0"/>
-              <a:t>10/18/14 </a:t>
+              <a:t>10/28/14 </a:t>
             </a:fld>
             <a:endParaRPr lang="en-US"/>
           </a:p>
@@ -2288,7 +2288,7 @@
           <a:p>
             <a:fld id="{7BE49484-7B62-5B4F-8329-106176ECF3B8}" type="datetimeFigureOut">
               <a:rPr lang="en-US" smtClean="0"/>
-              <a:t>10/18/14 </a:t>
+              <a:t>10/28/14 </a:t>
             </a:fld>
             <a:endParaRPr lang="en-US"/>
           </a:p>
@@ -2541,7 +2541,7 @@
           <a:p>
             <a:fld id="{7BE49484-7B62-5B4F-8329-106176ECF3B8}" type="datetimeFigureOut">
               <a:rPr lang="en-US" smtClean="0"/>
-              <a:t>10/18/14 </a:t>
+              <a:t>10/28/14 </a:t>
             </a:fld>
             <a:endParaRPr lang="en-US"/>
           </a:p>
@@ -2754,7 +2754,7 @@
           <a:p>
             <a:fld id="{7BE49484-7B62-5B4F-8329-106176ECF3B8}" type="datetimeFigureOut">
               <a:rPr lang="en-US" smtClean="0"/>
-              <a:t>10/18/14 </a:t>
+              <a:t>10/28/14 </a:t>
             </a:fld>
             <a:endParaRPr lang="en-US"/>
           </a:p>
@@ -46204,15 +46204,7 @@
                   <a:srgbClr val="000000"/>
                 </a:solidFill>
               </a:rPr>
-              <a:t>“ </a:t>
-            </a:r>
-            <a:r>
-              <a:rPr lang="en-US" b="1" dirty="0" smtClean="0">
-                <a:solidFill>
-                  <a:srgbClr val="000000"/>
-                </a:solidFill>
-              </a:rPr>
-              <a:t>Shop name”</a:t>
+              <a:t>“ Shop name”</a:t>
             </a:r>
             <a:endParaRPr lang="en-US" b="1" dirty="0">
               <a:solidFill>
@@ -46277,7 +46269,11 @@
           <a:p>
             <a:r>
               <a:rPr lang="en-US" sz="1600" dirty="0" smtClean="0"/>
-              <a:t>HanDIYcraft | Blogger Home Page</a:t>
+              <a:t>HanDIYcraft | </a:t>
+            </a:r>
+            <a:r>
+              <a:rPr lang="en-US" sz="1600" dirty="0" smtClean="0"/>
+              <a:t>Shop Page</a:t>
             </a:r>
             <a:endParaRPr lang="en-US" sz="1600" dirty="0"/>
           </a:p>
@@ -47558,15 +47554,7 @@
                   <a:srgbClr val="000000"/>
                 </a:solidFill>
               </a:rPr>
-              <a:t>“ </a:t>
-            </a:r>
-            <a:r>
-              <a:rPr lang="en-US" b="1" dirty="0" smtClean="0">
-                <a:solidFill>
-                  <a:srgbClr val="000000"/>
-                </a:solidFill>
-              </a:rPr>
-              <a:t>Shop name”</a:t>
+              <a:t>“ Shop name”</a:t>
             </a:r>
             <a:endParaRPr lang="en-US" b="1" dirty="0">
               <a:solidFill>
